--- a/lecture 02 what are mental states/lecture02.what are mental states.ppt.pptx
+++ b/lecture 02 what are mental states/lecture02.what are mental states.ppt.pptx
@@ -5,10 +5,10 @@
     <p:sldMasterId id="2147483648" r:id="rId1"/>
   </p:sldMasterIdLst>
   <p:notesMasterIdLst>
-    <p:notesMasterId r:id="rId32"/>
+    <p:notesMasterId r:id="rId47"/>
   </p:notesMasterIdLst>
   <p:handoutMasterIdLst>
-    <p:handoutMasterId r:id="rId33"/>
+    <p:handoutMasterId r:id="rId48"/>
   </p:handoutMasterIdLst>
   <p:sldIdLst>
     <p:sldId id="779" r:id="rId2"/>
@@ -40,7 +40,22 @@
     <p:sldId id="1015" r:id="rId28"/>
     <p:sldId id="1017" r:id="rId29"/>
     <p:sldId id="1018" r:id="rId30"/>
-    <p:sldId id="979" r:id="rId31"/>
+    <p:sldId id="1019" r:id="rId31"/>
+    <p:sldId id="1024" r:id="rId32"/>
+    <p:sldId id="1021" r:id="rId33"/>
+    <p:sldId id="1022" r:id="rId34"/>
+    <p:sldId id="1023" r:id="rId35"/>
+    <p:sldId id="1020" r:id="rId36"/>
+    <p:sldId id="1025" r:id="rId37"/>
+    <p:sldId id="1028" r:id="rId38"/>
+    <p:sldId id="1029" r:id="rId39"/>
+    <p:sldId id="1027" r:id="rId40"/>
+    <p:sldId id="1026" r:id="rId41"/>
+    <p:sldId id="1031" r:id="rId42"/>
+    <p:sldId id="1030" r:id="rId43"/>
+    <p:sldId id="1032" r:id="rId44"/>
+    <p:sldId id="1033" r:id="rId45"/>
+    <p:sldId id="979" r:id="rId46"/>
   </p:sldIdLst>
   <p:sldSz cx="9144000" cy="6858000" type="screen4x3"/>
   <p:notesSz cx="9925050" cy="6796088"/>
@@ -6579,7 +6594,7 @@
                 <a:ea typeface="+mn-ea"/>
                 <a:cs typeface="+mn-cs"/>
               </a:rPr>
-              <a:t>Now we can go back and ask whether these norms are part of different subjects’ understandings of the attitudes ...</a:t>
+              <a:t>Proposal: we should take a constructive approach---creature construction.</a:t>
             </a:r>
           </a:p>
           <a:p>
@@ -6592,10 +6607,19 @@
                 <a:ea typeface="+mn-ea"/>
                 <a:cs typeface="+mn-cs"/>
               </a:rPr>
-              <a:t>But this hardly seems like a good question to ask.</a:t>
-            </a:r>
-          </a:p>
-          <a:p>
+              <a:t>And we should have a model of the attitudes, one that is clearly enough explained that we can tell whether it is capable of explaining a given individual’s </a:t>
+            </a:r>
+            <a:r>
+              <a:rPr lang="en-US" sz="1200" kern="1200" baseline="0" dirty="0" err="1" smtClean="0">
+                <a:solidFill>
+                  <a:srgbClr val="000000"/>
+                </a:solidFill>
+                <a:latin typeface="Times New Roman" charset="0"/>
+                <a:ea typeface="+mn-ea"/>
+                <a:cs typeface="+mn-cs"/>
+              </a:rPr>
+              <a:t>behaviour</a:t>
+            </a:r>
             <a:r>
               <a:rPr lang="en-US" sz="1200" kern="1200" baseline="0" dirty="0" smtClean="0">
                 <a:solidFill>
@@ -6605,7 +6629,7 @@
                 <a:ea typeface="+mn-ea"/>
                 <a:cs typeface="+mn-cs"/>
               </a:rPr>
-              <a:t>What evidence might persuade us either way?</a:t>
+              <a:t> in a particular case.</a:t>
             </a:r>
           </a:p>
           <a:p>
@@ -6628,55 +6652,7 @@
                 <a:ea typeface="+mn-ea"/>
                 <a:cs typeface="+mn-cs"/>
               </a:rPr>
-              <a:t>So I think there are two problems.</a:t>
-            </a:r>
-          </a:p>
-          <a:p>
-            <a:r>
-              <a:rPr lang="en-US" sz="1200" kern="1200" baseline="0" dirty="0" smtClean="0">
-                <a:solidFill>
-                  <a:srgbClr val="000000"/>
-                </a:solidFill>
-                <a:latin typeface="Times New Roman" charset="0"/>
-                <a:ea typeface="+mn-ea"/>
-                <a:cs typeface="+mn-cs"/>
-              </a:rPr>
-              <a:t>One is that there is no obvious basis for accepting or rejecting these claims about the attitudes.</a:t>
-            </a:r>
-          </a:p>
-          <a:p>
-            <a:r>
-              <a:rPr lang="en-US" sz="1200" kern="1200" baseline="0" dirty="0" smtClean="0">
-                <a:solidFill>
-                  <a:srgbClr val="000000"/>
-                </a:solidFill>
-                <a:latin typeface="Times New Roman" charset="0"/>
-                <a:ea typeface="+mn-ea"/>
-                <a:cs typeface="+mn-cs"/>
-              </a:rPr>
-              <a:t>The other is that this way of distinguishing the attitudes doesn’t seem to generate useful questions about </a:t>
-            </a:r>
-            <a:r>
-              <a:rPr lang="en-US" sz="1200" kern="1200" baseline="0" dirty="0" err="1" smtClean="0">
-                <a:solidFill>
-                  <a:srgbClr val="000000"/>
-                </a:solidFill>
-                <a:latin typeface="Times New Roman" charset="0"/>
-                <a:ea typeface="+mn-ea"/>
-                <a:cs typeface="+mn-cs"/>
-              </a:rPr>
-              <a:t>mindreaders</a:t>
-            </a:r>
-            <a:r>
-              <a:rPr lang="en-US" sz="1200" kern="1200" baseline="0" dirty="0" smtClean="0">
-                <a:solidFill>
-                  <a:srgbClr val="000000"/>
-                </a:solidFill>
-                <a:latin typeface="Times New Roman" charset="0"/>
-                <a:ea typeface="+mn-ea"/>
-                <a:cs typeface="+mn-cs"/>
-              </a:rPr>
-              <a:t>.</a:t>
+              <a:t>The point of creature construction is to ensure coherence.  We want to have a functioning, viable creature at each stage.  You can’t just take a fish and throw in feet.  Having feet goes with certain kinds of limb structure and capacities for movement.</a:t>
             </a:r>
           </a:p>
           <a:p>
@@ -6699,20 +6675,7 @@
                 <a:ea typeface="+mn-ea"/>
                 <a:cs typeface="+mn-cs"/>
               </a:rPr>
-              <a:t>Fortunately there is a different approach, one that relies less on commonsense.</a:t>
-            </a:r>
-          </a:p>
-          <a:p>
-            <a:r>
-              <a:rPr lang="en-US" sz="1200" kern="1200" baseline="0" dirty="0" smtClean="0">
-                <a:solidFill>
-                  <a:srgbClr val="000000"/>
-                </a:solidFill>
-                <a:latin typeface="Times New Roman" charset="0"/>
-                <a:ea typeface="+mn-ea"/>
-                <a:cs typeface="+mn-cs"/>
-              </a:rPr>
-              <a:t>We want to get a sense of the space of possibilities ... of the different understandings one might have of intention, say.</a:t>
+              <a:t>Where Call and Tomasello says chimps understand intentions but not beliefs, a reasonable question to ask is, what sort of creature has intentions but not beliefs.  By attempting to construct the creature we would get a clearer idea of how, on their view, the chimpanzee understands minds.  I’m not going to try that here, although I will offer a suggestion along these lines.  Instead today I want to start in the middle, with the most sophisticated creature that we can construct using a well-understood model.</a:t>
             </a:r>
           </a:p>
           <a:p>
@@ -6735,8 +6698,18 @@
                 <a:ea typeface="+mn-ea"/>
                 <a:cs typeface="+mn-cs"/>
               </a:rPr>
-              <a:t>Proposal: we should take a constructive approach---creature construction.</a:t>
-            </a:r>
+              <a:t>***Davidson quote is relevant here (about nothing in between)</a:t>
+            </a:r>
+          </a:p>
+          <a:p>
+            <a:endParaRPr lang="en-US" sz="1200" kern="1200" baseline="0" dirty="0" smtClean="0">
+              <a:solidFill>
+                <a:srgbClr val="000000"/>
+              </a:solidFill>
+              <a:latin typeface="Times New Roman" charset="0"/>
+              <a:ea typeface="+mn-ea"/>
+              <a:cs typeface="+mn-cs"/>
+            </a:endParaRPr>
           </a:p>
           <a:p>
             <a:r>
@@ -6748,7 +6721,7 @@
                 <a:ea typeface="+mn-ea"/>
                 <a:cs typeface="+mn-cs"/>
               </a:rPr>
-              <a:t>And we should have a model of the attitudes, one that is clearly enough explained that we can tell whether it is capable of explaining a given individual’s </a:t>
+              <a:t>***(not here) Another way to think of this is as constructing an imaginary world.  We can maybe imagine a world, one much simpler than ours, where </a:t>
             </a:r>
             <a:r>
               <a:rPr lang="en-US" sz="1200" kern="1200" baseline="0" dirty="0" err="1" smtClean="0">
@@ -6759,7 +6732,7 @@
                 <a:ea typeface="+mn-ea"/>
                 <a:cs typeface="+mn-cs"/>
               </a:rPr>
-              <a:t>behaviour</a:t>
+              <a:t>Netwtonian</a:t>
             </a:r>
             <a:r>
               <a:rPr lang="en-US" sz="1200" kern="1200" baseline="0" dirty="0" smtClean="0">
@@ -6770,10 +6743,22 @@
                 <a:ea typeface="+mn-ea"/>
                 <a:cs typeface="+mn-cs"/>
               </a:rPr>
-              <a:t> in a </a:t>
-            </a:r>
-            <a:r>
-              <a:rPr lang="en-US" sz="1200" kern="1200" baseline="0" smtClean="0">
+              <a:t> physics holds.  Maybe it is even in some sense possible for such a world to exist.  There is also a world where </a:t>
+            </a:r>
+          </a:p>
+          <a:p>
+            <a:endParaRPr lang="en-US" sz="1200" kern="1200" baseline="0" dirty="0" smtClean="0">
+              <a:solidFill>
+                <a:srgbClr val="000000"/>
+              </a:solidFill>
+              <a:latin typeface="Times New Roman" charset="0"/>
+              <a:ea typeface="+mn-ea"/>
+              <a:cs typeface="+mn-cs"/>
+            </a:endParaRPr>
+          </a:p>
+          <a:p>
+            <a:r>
+              <a:rPr lang="en-US" sz="1200" kern="1200" baseline="0" dirty="0" smtClean="0">
                 <a:solidFill>
                   <a:srgbClr val="000000"/>
                 </a:solidFill>
@@ -6781,7 +6766,42 @@
                 <a:ea typeface="+mn-ea"/>
                 <a:cs typeface="+mn-cs"/>
               </a:rPr>
-              <a:t>particular case.</a:t>
+              <a:t>***use </a:t>
+            </a:r>
+            <a:r>
+              <a:rPr lang="en-US" sz="1200" kern="1200" baseline="0" dirty="0" err="1" smtClean="0">
+                <a:solidFill>
+                  <a:srgbClr val="000000"/>
+                </a:solidFill>
+                <a:latin typeface="Times New Roman" charset="0"/>
+                <a:ea typeface="+mn-ea"/>
+                <a:cs typeface="+mn-cs"/>
+              </a:rPr>
+              <a:t>Dretske</a:t>
+            </a:r>
+            <a:r>
+              <a:rPr lang="en-US" sz="1200" kern="1200" baseline="0" dirty="0" smtClean="0">
+                <a:solidFill>
+                  <a:srgbClr val="000000"/>
+                </a:solidFill>
+                <a:latin typeface="Times New Roman" charset="0"/>
+                <a:ea typeface="+mn-ea"/>
+                <a:cs typeface="+mn-cs"/>
+              </a:rPr>
+              <a:t> naturalism quote?</a:t>
+            </a:r>
+          </a:p>
+          <a:p>
+            <a:r>
+              <a:rPr lang="en-US" sz="1200" kern="1200" baseline="0" dirty="0" smtClean="0">
+                <a:solidFill>
+                  <a:srgbClr val="000000"/>
+                </a:solidFill>
+                <a:latin typeface="Times New Roman" charset="0"/>
+                <a:ea typeface="+mn-ea"/>
+                <a:cs typeface="+mn-cs"/>
+              </a:rPr>
+              <a:t>***start with mere goals and add in states that modulate, or go straight to decision theory?</a:t>
             </a:r>
             <a:endParaRPr lang="en-US" dirty="0"/>
           </a:p>
@@ -6936,14 +6956,6 @@
 <file path=ppt/notesSlides/notesSlide30.xml><?xml version="1.0" encoding="utf-8"?>
 <p:notes xmlns:a="http://schemas.openxmlformats.org/drawingml/2006/main" xmlns:r="http://schemas.openxmlformats.org/officeDocument/2006/relationships" xmlns:p="http://schemas.openxmlformats.org/presentationml/2006/main">
   <p:cSld>
-    <p:bg>
-      <p:bgPr>
-        <a:solidFill>
-          <a:srgbClr val="FFFFFF"/>
-        </a:solidFill>
-        <a:effectLst/>
-      </p:bgPr>
-    </p:bg>
     <p:spTree>
       <p:nvGrpSpPr>
         <p:cNvPr id="1" name=""/>
@@ -6960,23 +6972,156 @@
       </p:grpSpPr>
       <p:sp>
         <p:nvSpPr>
-          <p:cNvPr id="4" name="Rectangle 7"/>
+          <p:cNvPr id="2" name="Slide Image Placeholder 1"/>
           <p:cNvSpPr>
-            <a:spLocks noGrp="1" noChangeArrowheads="1"/>
+            <a:spLocks noGrp="1" noRot="1" noChangeAspect="1"/>
           </p:cNvSpPr>
           <p:nvPr>
-            <p:ph type="sldNum"/>
+            <p:ph type="sldImg"/>
           </p:nvPr>
         </p:nvSpPr>
-        <p:spPr>
-          <a:ln/>
-        </p:spPr>
+        <p:spPr/>
+      </p:sp>
+      <p:sp>
+        <p:nvSpPr>
+          <p:cNvPr id="3" name="Notes Placeholder 2"/>
+          <p:cNvSpPr>
+            <a:spLocks noGrp="1"/>
+          </p:cNvSpPr>
+          <p:nvPr>
+            <p:ph type="body" idx="1"/>
+          </p:nvPr>
+        </p:nvSpPr>
+        <p:spPr/>
         <p:txBody>
           <a:bodyPr/>
           <a:lstStyle/>
           <a:p>
-            <a:fld id="{0C23BE51-E56D-C34D-8751-203456E9F0D8}" type="slidenum">
-              <a:rPr lang="en-GB"/>
+            <a:endParaRPr lang="en-US" sz="1200" kern="1200" baseline="0" dirty="0" smtClean="0">
+              <a:solidFill>
+                <a:srgbClr val="000000"/>
+              </a:solidFill>
+              <a:latin typeface="Times New Roman" charset="0"/>
+              <a:ea typeface="+mn-ea"/>
+              <a:cs typeface="+mn-cs"/>
+            </a:endParaRPr>
+          </a:p>
+          <a:p>
+            <a:r>
+              <a:rPr lang="en-US" sz="1200" kern="1200" baseline="0" dirty="0" smtClean="0">
+                <a:solidFill>
+                  <a:srgbClr val="000000"/>
+                </a:solidFill>
+                <a:latin typeface="Times New Roman" charset="0"/>
+                <a:ea typeface="+mn-ea"/>
+                <a:cs typeface="+mn-cs"/>
+              </a:rPr>
+              <a:t>Proposal: we should take a constructive approach---creature construction.</a:t>
+            </a:r>
+          </a:p>
+          <a:p>
+            <a:r>
+              <a:rPr lang="en-US" sz="1200" kern="1200" baseline="0" dirty="0" smtClean="0">
+                <a:solidFill>
+                  <a:srgbClr val="000000"/>
+                </a:solidFill>
+                <a:latin typeface="Times New Roman" charset="0"/>
+                <a:ea typeface="+mn-ea"/>
+                <a:cs typeface="+mn-cs"/>
+              </a:rPr>
+              <a:t>And we should have a model of the attitudes, one that is clearly enough explained that we can tell whether it is capable of explaining a given individual’s </a:t>
+            </a:r>
+            <a:r>
+              <a:rPr lang="en-US" sz="1200" kern="1200" baseline="0" dirty="0" err="1" smtClean="0">
+                <a:solidFill>
+                  <a:srgbClr val="000000"/>
+                </a:solidFill>
+                <a:latin typeface="Times New Roman" charset="0"/>
+                <a:ea typeface="+mn-ea"/>
+                <a:cs typeface="+mn-cs"/>
+              </a:rPr>
+              <a:t>behaviour</a:t>
+            </a:r>
+            <a:r>
+              <a:rPr lang="en-US" sz="1200" kern="1200" baseline="0" dirty="0" smtClean="0">
+                <a:solidFill>
+                  <a:srgbClr val="000000"/>
+                </a:solidFill>
+                <a:latin typeface="Times New Roman" charset="0"/>
+                <a:ea typeface="+mn-ea"/>
+                <a:cs typeface="+mn-cs"/>
+              </a:rPr>
+              <a:t> in a particular case.</a:t>
+            </a:r>
+          </a:p>
+          <a:p>
+            <a:r>
+              <a:rPr lang="en-US" sz="1200" kern="1200" baseline="0" dirty="0" smtClean="0">
+                <a:solidFill>
+                  <a:srgbClr val="000000"/>
+                </a:solidFill>
+                <a:latin typeface="Times New Roman" charset="0"/>
+                <a:ea typeface="+mn-ea"/>
+                <a:cs typeface="+mn-cs"/>
+              </a:rPr>
+              <a:t>***use </a:t>
+            </a:r>
+            <a:r>
+              <a:rPr lang="en-US" sz="1200" kern="1200" baseline="0" dirty="0" err="1" smtClean="0">
+                <a:solidFill>
+                  <a:srgbClr val="000000"/>
+                </a:solidFill>
+                <a:latin typeface="Times New Roman" charset="0"/>
+                <a:ea typeface="+mn-ea"/>
+                <a:cs typeface="+mn-cs"/>
+              </a:rPr>
+              <a:t>Dretske</a:t>
+            </a:r>
+            <a:r>
+              <a:rPr lang="en-US" sz="1200" kern="1200" baseline="0" dirty="0" smtClean="0">
+                <a:solidFill>
+                  <a:srgbClr val="000000"/>
+                </a:solidFill>
+                <a:latin typeface="Times New Roman" charset="0"/>
+                <a:ea typeface="+mn-ea"/>
+                <a:cs typeface="+mn-cs"/>
+              </a:rPr>
+              <a:t> naturalism quote?</a:t>
+            </a:r>
+          </a:p>
+          <a:p>
+            <a:r>
+              <a:rPr lang="en-US" sz="1200" kern="1200" baseline="0" dirty="0" smtClean="0">
+                <a:solidFill>
+                  <a:srgbClr val="000000"/>
+                </a:solidFill>
+                <a:latin typeface="Times New Roman" charset="0"/>
+                <a:ea typeface="+mn-ea"/>
+                <a:cs typeface="+mn-cs"/>
+              </a:rPr>
+              <a:t>***start with mere goals and add in states that modulate, or go straight to decision theory?</a:t>
+            </a:r>
+            <a:endParaRPr lang="en-US" dirty="0"/>
+          </a:p>
+        </p:txBody>
+      </p:sp>
+      <p:sp>
+        <p:nvSpPr>
+          <p:cNvPr id="4" name="Slide Number Placeholder 3"/>
+          <p:cNvSpPr>
+            <a:spLocks noGrp="1"/>
+          </p:cNvSpPr>
+          <p:nvPr>
+            <p:ph type="sldNum" idx="10"/>
+          </p:nvPr>
+        </p:nvSpPr>
+        <p:spPr/>
+        <p:txBody>
+          <a:bodyPr/>
+          <a:lstStyle/>
+          <a:p>
+            <a:fld id="{24688D03-F045-B643-BD3A-F95C8B91471A}" type="slidenum">
+              <a:rPr lang="en-GB" smtClean="0"/>
               <a:pPr/>
               <a:t>30</a:t>
             </a:fld>
@@ -6984,75 +7129,1713 @@
           </a:p>
         </p:txBody>
       </p:sp>
-      <p:sp>
-        <p:nvSpPr>
-          <p:cNvPr id="14337" name="Text Box 1"/>
-          <p:cNvSpPr txBox="1">
-            <a:spLocks noGrp="1" noRot="1" noChangeAspect="1" noChangeArrowheads="1"/>
+    </p:spTree>
+    <p:extLst>
+      <p:ext uri="{BB962C8B-B14F-4D97-AF65-F5344CB8AC3E}">
+        <p14:creationId xmlns:p14="http://schemas.microsoft.com/office/powerpoint/2010/main" val="2721690599"/>
+      </p:ext>
+    </p:extLst>
+  </p:cSld>
+  <p:clrMapOvr>
+    <a:masterClrMapping/>
+  </p:clrMapOvr>
+</p:notes>
+</file>
+
+<file path=ppt/notesSlides/notesSlide31.xml><?xml version="1.0" encoding="utf-8"?>
+<p:notes xmlns:a="http://schemas.openxmlformats.org/drawingml/2006/main" xmlns:r="http://schemas.openxmlformats.org/officeDocument/2006/relationships" xmlns:p="http://schemas.openxmlformats.org/presentationml/2006/main">
+  <p:cSld>
+    <p:spTree>
+      <p:nvGrpSpPr>
+        <p:cNvPr id="1" name=""/>
+        <p:cNvGrpSpPr/>
+        <p:nvPr/>
+      </p:nvGrpSpPr>
+      <p:grpSpPr>
+        <a:xfrm>
+          <a:off x="0" y="0"/>
+          <a:ext cx="0" cy="0"/>
+          <a:chOff x="0" y="0"/>
+          <a:chExt cx="0" cy="0"/>
+        </a:xfrm>
+      </p:grpSpPr>
+      <p:sp>
+        <p:nvSpPr>
+          <p:cNvPr id="2" name="Slide Image Placeholder 1"/>
+          <p:cNvSpPr>
+            <a:spLocks noGrp="1" noRot="1" noChangeAspect="1"/>
           </p:cNvSpPr>
           <p:nvPr>
             <p:ph type="sldImg"/>
           </p:nvPr>
         </p:nvSpPr>
-        <p:spPr bwMode="auto">
-          <a:xfrm>
-            <a:off x="3263900" y="509588"/>
-            <a:ext cx="3398838" cy="2549525"/>
-          </a:xfrm>
-          <a:prstGeom prst="rect">
-            <a:avLst/>
-          </a:prstGeom>
-          <a:solidFill>
-            <a:srgbClr val="FFFFFF"/>
-          </a:solidFill>
-          <a:ln>
-            <a:solidFill>
-              <a:srgbClr val="000000"/>
-            </a:solidFill>
-            <a:miter lim="800000"/>
-            <a:headEnd/>
-            <a:tailEnd/>
-          </a:ln>
-        </p:spPr>
-      </p:sp>
-      <p:sp>
-        <p:nvSpPr>
-          <p:cNvPr id="14338" name="Text Box 2"/>
-          <p:cNvSpPr txBox="1">
-            <a:spLocks noGrp="1" noChangeArrowheads="1"/>
+        <p:spPr/>
+      </p:sp>
+      <p:sp>
+        <p:nvSpPr>
+          <p:cNvPr id="3" name="Notes Placeholder 2"/>
+          <p:cNvSpPr>
+            <a:spLocks noGrp="1"/>
           </p:cNvSpPr>
           <p:nvPr>
             <p:ph type="body" idx="1"/>
           </p:nvPr>
         </p:nvSpPr>
-        <p:spPr bwMode="auto">
-          <a:xfrm>
-            <a:off x="992274" y="3228468"/>
-            <a:ext cx="7942821" cy="3123027"/>
-          </a:xfrm>
-          <a:prstGeom prst="rect">
-            <a:avLst/>
-          </a:prstGeom>
-          <a:noFill/>
-          <a:ln>
-            <a:round/>
-            <a:headEnd/>
-            <a:tailEnd/>
-          </a:ln>
-        </p:spPr>
-        <p:txBody>
-          <a:bodyPr wrap="none" anchor="ctr">
-            <a:prstTxWarp prst="textNoShape">
-              <a:avLst/>
-            </a:prstTxWarp>
-          </a:bodyPr>
-          <a:lstStyle/>
-          <a:p>
+        <p:spPr/>
+        <p:txBody>
+          <a:bodyPr/>
+          <a:lstStyle/>
+          <a:p>
+            <a:endParaRPr lang="en-US" sz="1200" kern="1200" baseline="0" dirty="0" smtClean="0">
+              <a:solidFill>
+                <a:srgbClr val="000000"/>
+              </a:solidFill>
+              <a:latin typeface="Times New Roman" charset="0"/>
+              <a:ea typeface="+mn-ea"/>
+              <a:cs typeface="+mn-cs"/>
+            </a:endParaRPr>
+          </a:p>
+          <a:p>
+            <a:r>
+              <a:rPr lang="en-US" sz="1200" kern="1200" baseline="0" dirty="0" smtClean="0">
+                <a:solidFill>
+                  <a:srgbClr val="000000"/>
+                </a:solidFill>
+                <a:latin typeface="Times New Roman" charset="0"/>
+                <a:ea typeface="+mn-ea"/>
+                <a:cs typeface="+mn-cs"/>
+              </a:rPr>
+              <a:t>Proposal: we should take a constructive approach---creature construction.</a:t>
+            </a:r>
+          </a:p>
+          <a:p>
+            <a:r>
+              <a:rPr lang="en-US" sz="1200" kern="1200" baseline="0" dirty="0" smtClean="0">
+                <a:solidFill>
+                  <a:srgbClr val="000000"/>
+                </a:solidFill>
+                <a:latin typeface="Times New Roman" charset="0"/>
+                <a:ea typeface="+mn-ea"/>
+                <a:cs typeface="+mn-cs"/>
+              </a:rPr>
+              <a:t>And we should have a model of the attitudes, one that is clearly enough explained that we can tell whether it is capable of explaining a given individual’s </a:t>
+            </a:r>
+            <a:r>
+              <a:rPr lang="en-US" sz="1200" kern="1200" baseline="0" dirty="0" err="1" smtClean="0">
+                <a:solidFill>
+                  <a:srgbClr val="000000"/>
+                </a:solidFill>
+                <a:latin typeface="Times New Roman" charset="0"/>
+                <a:ea typeface="+mn-ea"/>
+                <a:cs typeface="+mn-cs"/>
+              </a:rPr>
+              <a:t>behaviour</a:t>
+            </a:r>
+            <a:r>
+              <a:rPr lang="en-US" sz="1200" kern="1200" baseline="0" dirty="0" smtClean="0">
+                <a:solidFill>
+                  <a:srgbClr val="000000"/>
+                </a:solidFill>
+                <a:latin typeface="Times New Roman" charset="0"/>
+                <a:ea typeface="+mn-ea"/>
+                <a:cs typeface="+mn-cs"/>
+              </a:rPr>
+              <a:t> in a particular case.</a:t>
+            </a:r>
+          </a:p>
+          <a:p>
+            <a:r>
+              <a:rPr lang="en-US" sz="1200" kern="1200" baseline="0" dirty="0" smtClean="0">
+                <a:solidFill>
+                  <a:srgbClr val="000000"/>
+                </a:solidFill>
+                <a:latin typeface="Times New Roman" charset="0"/>
+                <a:ea typeface="+mn-ea"/>
+                <a:cs typeface="+mn-cs"/>
+              </a:rPr>
+              <a:t>***use </a:t>
+            </a:r>
+            <a:r>
+              <a:rPr lang="en-US" sz="1200" kern="1200" baseline="0" dirty="0" err="1" smtClean="0">
+                <a:solidFill>
+                  <a:srgbClr val="000000"/>
+                </a:solidFill>
+                <a:latin typeface="Times New Roman" charset="0"/>
+                <a:ea typeface="+mn-ea"/>
+                <a:cs typeface="+mn-cs"/>
+              </a:rPr>
+              <a:t>Dretske</a:t>
+            </a:r>
+            <a:r>
+              <a:rPr lang="en-US" sz="1200" kern="1200" baseline="0" dirty="0" smtClean="0">
+                <a:solidFill>
+                  <a:srgbClr val="000000"/>
+                </a:solidFill>
+                <a:latin typeface="Times New Roman" charset="0"/>
+                <a:ea typeface="+mn-ea"/>
+                <a:cs typeface="+mn-cs"/>
+              </a:rPr>
+              <a:t> naturalism quote?</a:t>
+            </a:r>
+          </a:p>
+          <a:p>
+            <a:r>
+              <a:rPr lang="en-US" sz="1200" kern="1200" baseline="0" dirty="0" smtClean="0">
+                <a:solidFill>
+                  <a:srgbClr val="000000"/>
+                </a:solidFill>
+                <a:latin typeface="Times New Roman" charset="0"/>
+                <a:ea typeface="+mn-ea"/>
+                <a:cs typeface="+mn-cs"/>
+              </a:rPr>
+              <a:t>***start with mere goals and add in states that modulate, or go straight to decision theory?</a:t>
+            </a:r>
             <a:endParaRPr lang="en-US" dirty="0"/>
           </a:p>
         </p:txBody>
       </p:sp>
+      <p:sp>
+        <p:nvSpPr>
+          <p:cNvPr id="4" name="Slide Number Placeholder 3"/>
+          <p:cNvSpPr>
+            <a:spLocks noGrp="1"/>
+          </p:cNvSpPr>
+          <p:nvPr>
+            <p:ph type="sldNum" idx="10"/>
+          </p:nvPr>
+        </p:nvSpPr>
+        <p:spPr/>
+        <p:txBody>
+          <a:bodyPr/>
+          <a:lstStyle/>
+          <a:p>
+            <a:fld id="{24688D03-F045-B643-BD3A-F95C8B91471A}" type="slidenum">
+              <a:rPr lang="en-GB" smtClean="0"/>
+              <a:pPr/>
+              <a:t>31</a:t>
+            </a:fld>
+            <a:endParaRPr lang="en-GB"/>
+          </a:p>
+        </p:txBody>
+      </p:sp>
     </p:spTree>
+    <p:extLst>
+      <p:ext uri="{BB962C8B-B14F-4D97-AF65-F5344CB8AC3E}">
+        <p14:creationId xmlns:p14="http://schemas.microsoft.com/office/powerpoint/2010/main" val="2721690599"/>
+      </p:ext>
+    </p:extLst>
+  </p:cSld>
+  <p:clrMapOvr>
+    <a:masterClrMapping/>
+  </p:clrMapOvr>
+</p:notes>
+</file>
+
+<file path=ppt/notesSlides/notesSlide32.xml><?xml version="1.0" encoding="utf-8"?>
+<p:notes xmlns:a="http://schemas.openxmlformats.org/drawingml/2006/main" xmlns:r="http://schemas.openxmlformats.org/officeDocument/2006/relationships" xmlns:p="http://schemas.openxmlformats.org/presentationml/2006/main">
+  <p:cSld>
+    <p:spTree>
+      <p:nvGrpSpPr>
+        <p:cNvPr id="1" name=""/>
+        <p:cNvGrpSpPr/>
+        <p:nvPr/>
+      </p:nvGrpSpPr>
+      <p:grpSpPr>
+        <a:xfrm>
+          <a:off x="0" y="0"/>
+          <a:ext cx="0" cy="0"/>
+          <a:chOff x="0" y="0"/>
+          <a:chExt cx="0" cy="0"/>
+        </a:xfrm>
+      </p:grpSpPr>
+      <p:sp>
+        <p:nvSpPr>
+          <p:cNvPr id="2" name="Slide Image Placeholder 1"/>
+          <p:cNvSpPr>
+            <a:spLocks noGrp="1" noRot="1" noChangeAspect="1"/>
+          </p:cNvSpPr>
+          <p:nvPr>
+            <p:ph type="sldImg"/>
+          </p:nvPr>
+        </p:nvSpPr>
+        <p:spPr/>
+      </p:sp>
+      <p:sp>
+        <p:nvSpPr>
+          <p:cNvPr id="3" name="Notes Placeholder 2"/>
+          <p:cNvSpPr>
+            <a:spLocks noGrp="1"/>
+          </p:cNvSpPr>
+          <p:nvPr>
+            <p:ph type="body" idx="1"/>
+          </p:nvPr>
+        </p:nvSpPr>
+        <p:spPr/>
+        <p:txBody>
+          <a:bodyPr/>
+          <a:lstStyle/>
+          <a:p>
+            <a:endParaRPr lang="en-US" sz="1200" kern="1200" baseline="0" dirty="0" smtClean="0">
+              <a:solidFill>
+                <a:srgbClr val="000000"/>
+              </a:solidFill>
+              <a:latin typeface="Times New Roman" charset="0"/>
+              <a:ea typeface="+mn-ea"/>
+              <a:cs typeface="+mn-cs"/>
+            </a:endParaRPr>
+          </a:p>
+          <a:p>
+            <a:r>
+              <a:rPr lang="en-US" sz="1200" kern="1200" baseline="0" dirty="0" smtClean="0">
+                <a:solidFill>
+                  <a:srgbClr val="000000"/>
+                </a:solidFill>
+                <a:latin typeface="Times New Roman" charset="0"/>
+                <a:ea typeface="+mn-ea"/>
+                <a:cs typeface="+mn-cs"/>
+              </a:rPr>
+              <a:t>Proposal: we should take a constructive approach---creature construction.</a:t>
+            </a:r>
+          </a:p>
+          <a:p>
+            <a:r>
+              <a:rPr lang="en-US" sz="1200" kern="1200" baseline="0" dirty="0" smtClean="0">
+                <a:solidFill>
+                  <a:srgbClr val="000000"/>
+                </a:solidFill>
+                <a:latin typeface="Times New Roman" charset="0"/>
+                <a:ea typeface="+mn-ea"/>
+                <a:cs typeface="+mn-cs"/>
+              </a:rPr>
+              <a:t>And we should have a model of the attitudes, one that is clearly enough explained that we can tell whether it is capable of explaining a given individual’s </a:t>
+            </a:r>
+            <a:r>
+              <a:rPr lang="en-US" sz="1200" kern="1200" baseline="0" dirty="0" err="1" smtClean="0">
+                <a:solidFill>
+                  <a:srgbClr val="000000"/>
+                </a:solidFill>
+                <a:latin typeface="Times New Roman" charset="0"/>
+                <a:ea typeface="+mn-ea"/>
+                <a:cs typeface="+mn-cs"/>
+              </a:rPr>
+              <a:t>behaviour</a:t>
+            </a:r>
+            <a:r>
+              <a:rPr lang="en-US" sz="1200" kern="1200" baseline="0" dirty="0" smtClean="0">
+                <a:solidFill>
+                  <a:srgbClr val="000000"/>
+                </a:solidFill>
+                <a:latin typeface="Times New Roman" charset="0"/>
+                <a:ea typeface="+mn-ea"/>
+                <a:cs typeface="+mn-cs"/>
+              </a:rPr>
+              <a:t> in a particular case.</a:t>
+            </a:r>
+          </a:p>
+          <a:p>
+            <a:r>
+              <a:rPr lang="en-US" sz="1200" kern="1200" baseline="0" dirty="0" smtClean="0">
+                <a:solidFill>
+                  <a:srgbClr val="000000"/>
+                </a:solidFill>
+                <a:latin typeface="Times New Roman" charset="0"/>
+                <a:ea typeface="+mn-ea"/>
+                <a:cs typeface="+mn-cs"/>
+              </a:rPr>
+              <a:t>***use </a:t>
+            </a:r>
+            <a:r>
+              <a:rPr lang="en-US" sz="1200" kern="1200" baseline="0" dirty="0" err="1" smtClean="0">
+                <a:solidFill>
+                  <a:srgbClr val="000000"/>
+                </a:solidFill>
+                <a:latin typeface="Times New Roman" charset="0"/>
+                <a:ea typeface="+mn-ea"/>
+                <a:cs typeface="+mn-cs"/>
+              </a:rPr>
+              <a:t>Dretske</a:t>
+            </a:r>
+            <a:r>
+              <a:rPr lang="en-US" sz="1200" kern="1200" baseline="0" dirty="0" smtClean="0">
+                <a:solidFill>
+                  <a:srgbClr val="000000"/>
+                </a:solidFill>
+                <a:latin typeface="Times New Roman" charset="0"/>
+                <a:ea typeface="+mn-ea"/>
+                <a:cs typeface="+mn-cs"/>
+              </a:rPr>
+              <a:t> naturalism quote?</a:t>
+            </a:r>
+          </a:p>
+          <a:p>
+            <a:r>
+              <a:rPr lang="en-US" sz="1200" kern="1200" baseline="0" dirty="0" smtClean="0">
+                <a:solidFill>
+                  <a:srgbClr val="000000"/>
+                </a:solidFill>
+                <a:latin typeface="Times New Roman" charset="0"/>
+                <a:ea typeface="+mn-ea"/>
+                <a:cs typeface="+mn-cs"/>
+              </a:rPr>
+              <a:t>***start with mere goals and add in states that modulate, or go straight to decision theory?</a:t>
+            </a:r>
+            <a:endParaRPr lang="en-US" dirty="0"/>
+          </a:p>
+        </p:txBody>
+      </p:sp>
+      <p:sp>
+        <p:nvSpPr>
+          <p:cNvPr id="4" name="Slide Number Placeholder 3"/>
+          <p:cNvSpPr>
+            <a:spLocks noGrp="1"/>
+          </p:cNvSpPr>
+          <p:nvPr>
+            <p:ph type="sldNum" idx="10"/>
+          </p:nvPr>
+        </p:nvSpPr>
+        <p:spPr/>
+        <p:txBody>
+          <a:bodyPr/>
+          <a:lstStyle/>
+          <a:p>
+            <a:fld id="{24688D03-F045-B643-BD3A-F95C8B91471A}" type="slidenum">
+              <a:rPr lang="en-GB" smtClean="0"/>
+              <a:pPr/>
+              <a:t>32</a:t>
+            </a:fld>
+            <a:endParaRPr lang="en-GB"/>
+          </a:p>
+        </p:txBody>
+      </p:sp>
+    </p:spTree>
+    <p:extLst>
+      <p:ext uri="{BB962C8B-B14F-4D97-AF65-F5344CB8AC3E}">
+        <p14:creationId xmlns:p14="http://schemas.microsoft.com/office/powerpoint/2010/main" val="2721690599"/>
+      </p:ext>
+    </p:extLst>
+  </p:cSld>
+  <p:clrMapOvr>
+    <a:masterClrMapping/>
+  </p:clrMapOvr>
+</p:notes>
+</file>
+
+<file path=ppt/notesSlides/notesSlide33.xml><?xml version="1.0" encoding="utf-8"?>
+<p:notes xmlns:a="http://schemas.openxmlformats.org/drawingml/2006/main" xmlns:r="http://schemas.openxmlformats.org/officeDocument/2006/relationships" xmlns:p="http://schemas.openxmlformats.org/presentationml/2006/main">
+  <p:cSld>
+    <p:spTree>
+      <p:nvGrpSpPr>
+        <p:cNvPr id="1" name=""/>
+        <p:cNvGrpSpPr/>
+        <p:nvPr/>
+      </p:nvGrpSpPr>
+      <p:grpSpPr>
+        <a:xfrm>
+          <a:off x="0" y="0"/>
+          <a:ext cx="0" cy="0"/>
+          <a:chOff x="0" y="0"/>
+          <a:chExt cx="0" cy="0"/>
+        </a:xfrm>
+      </p:grpSpPr>
+      <p:sp>
+        <p:nvSpPr>
+          <p:cNvPr id="2" name="Slide Image Placeholder 1"/>
+          <p:cNvSpPr>
+            <a:spLocks noGrp="1" noRot="1" noChangeAspect="1"/>
+          </p:cNvSpPr>
+          <p:nvPr>
+            <p:ph type="sldImg"/>
+          </p:nvPr>
+        </p:nvSpPr>
+        <p:spPr/>
+      </p:sp>
+      <p:sp>
+        <p:nvSpPr>
+          <p:cNvPr id="3" name="Notes Placeholder 2"/>
+          <p:cNvSpPr>
+            <a:spLocks noGrp="1"/>
+          </p:cNvSpPr>
+          <p:nvPr>
+            <p:ph type="body" idx="1"/>
+          </p:nvPr>
+        </p:nvSpPr>
+        <p:spPr/>
+        <p:txBody>
+          <a:bodyPr/>
+          <a:lstStyle/>
+          <a:p>
+            <a:endParaRPr lang="en-US" sz="1200" kern="1200" baseline="0" dirty="0" smtClean="0">
+              <a:solidFill>
+                <a:srgbClr val="000000"/>
+              </a:solidFill>
+              <a:latin typeface="Times New Roman" charset="0"/>
+              <a:ea typeface="+mn-ea"/>
+              <a:cs typeface="+mn-cs"/>
+            </a:endParaRPr>
+          </a:p>
+          <a:p>
+            <a:r>
+              <a:rPr lang="en-US" sz="1200" kern="1200" baseline="0" dirty="0" smtClean="0">
+                <a:solidFill>
+                  <a:srgbClr val="000000"/>
+                </a:solidFill>
+                <a:latin typeface="Times New Roman" charset="0"/>
+                <a:ea typeface="+mn-ea"/>
+                <a:cs typeface="+mn-cs"/>
+              </a:rPr>
+              <a:t>Proposal: we should take a constructive approach---creature construction.</a:t>
+            </a:r>
+          </a:p>
+          <a:p>
+            <a:r>
+              <a:rPr lang="en-US" sz="1200" kern="1200" baseline="0" dirty="0" smtClean="0">
+                <a:solidFill>
+                  <a:srgbClr val="000000"/>
+                </a:solidFill>
+                <a:latin typeface="Times New Roman" charset="0"/>
+                <a:ea typeface="+mn-ea"/>
+                <a:cs typeface="+mn-cs"/>
+              </a:rPr>
+              <a:t>And we should have a model of the attitudes, one that is clearly enough explained that we can tell whether it is capable of explaining a given individual’s </a:t>
+            </a:r>
+            <a:r>
+              <a:rPr lang="en-US" sz="1200" kern="1200" baseline="0" dirty="0" err="1" smtClean="0">
+                <a:solidFill>
+                  <a:srgbClr val="000000"/>
+                </a:solidFill>
+                <a:latin typeface="Times New Roman" charset="0"/>
+                <a:ea typeface="+mn-ea"/>
+                <a:cs typeface="+mn-cs"/>
+              </a:rPr>
+              <a:t>behaviour</a:t>
+            </a:r>
+            <a:r>
+              <a:rPr lang="en-US" sz="1200" kern="1200" baseline="0" dirty="0" smtClean="0">
+                <a:solidFill>
+                  <a:srgbClr val="000000"/>
+                </a:solidFill>
+                <a:latin typeface="Times New Roman" charset="0"/>
+                <a:ea typeface="+mn-ea"/>
+                <a:cs typeface="+mn-cs"/>
+              </a:rPr>
+              <a:t> in a particular case.</a:t>
+            </a:r>
+          </a:p>
+          <a:p>
+            <a:r>
+              <a:rPr lang="en-US" sz="1200" kern="1200" baseline="0" dirty="0" smtClean="0">
+                <a:solidFill>
+                  <a:srgbClr val="000000"/>
+                </a:solidFill>
+                <a:latin typeface="Times New Roman" charset="0"/>
+                <a:ea typeface="+mn-ea"/>
+                <a:cs typeface="+mn-cs"/>
+              </a:rPr>
+              <a:t>***use </a:t>
+            </a:r>
+            <a:r>
+              <a:rPr lang="en-US" sz="1200" kern="1200" baseline="0" dirty="0" err="1" smtClean="0">
+                <a:solidFill>
+                  <a:srgbClr val="000000"/>
+                </a:solidFill>
+                <a:latin typeface="Times New Roman" charset="0"/>
+                <a:ea typeface="+mn-ea"/>
+                <a:cs typeface="+mn-cs"/>
+              </a:rPr>
+              <a:t>Dretske</a:t>
+            </a:r>
+            <a:r>
+              <a:rPr lang="en-US" sz="1200" kern="1200" baseline="0" dirty="0" smtClean="0">
+                <a:solidFill>
+                  <a:srgbClr val="000000"/>
+                </a:solidFill>
+                <a:latin typeface="Times New Roman" charset="0"/>
+                <a:ea typeface="+mn-ea"/>
+                <a:cs typeface="+mn-cs"/>
+              </a:rPr>
+              <a:t> naturalism quote?</a:t>
+            </a:r>
+          </a:p>
+          <a:p>
+            <a:r>
+              <a:rPr lang="en-US" sz="1200" kern="1200" baseline="0" dirty="0" smtClean="0">
+                <a:solidFill>
+                  <a:srgbClr val="000000"/>
+                </a:solidFill>
+                <a:latin typeface="Times New Roman" charset="0"/>
+                <a:ea typeface="+mn-ea"/>
+                <a:cs typeface="+mn-cs"/>
+              </a:rPr>
+              <a:t>***start with mere goals and add in states that modulate, or go straight to decision theory?</a:t>
+            </a:r>
+            <a:endParaRPr lang="en-US" dirty="0"/>
+          </a:p>
+        </p:txBody>
+      </p:sp>
+      <p:sp>
+        <p:nvSpPr>
+          <p:cNvPr id="4" name="Slide Number Placeholder 3"/>
+          <p:cNvSpPr>
+            <a:spLocks noGrp="1"/>
+          </p:cNvSpPr>
+          <p:nvPr>
+            <p:ph type="sldNum" idx="10"/>
+          </p:nvPr>
+        </p:nvSpPr>
+        <p:spPr/>
+        <p:txBody>
+          <a:bodyPr/>
+          <a:lstStyle/>
+          <a:p>
+            <a:fld id="{24688D03-F045-B643-BD3A-F95C8B91471A}" type="slidenum">
+              <a:rPr lang="en-GB" smtClean="0"/>
+              <a:pPr/>
+              <a:t>33</a:t>
+            </a:fld>
+            <a:endParaRPr lang="en-GB"/>
+          </a:p>
+        </p:txBody>
+      </p:sp>
+    </p:spTree>
+    <p:extLst>
+      <p:ext uri="{BB962C8B-B14F-4D97-AF65-F5344CB8AC3E}">
+        <p14:creationId xmlns:p14="http://schemas.microsoft.com/office/powerpoint/2010/main" val="2721690599"/>
+      </p:ext>
+    </p:extLst>
+  </p:cSld>
+  <p:clrMapOvr>
+    <a:masterClrMapping/>
+  </p:clrMapOvr>
+</p:notes>
+</file>
+
+<file path=ppt/notesSlides/notesSlide34.xml><?xml version="1.0" encoding="utf-8"?>
+<p:notes xmlns:a="http://schemas.openxmlformats.org/drawingml/2006/main" xmlns:r="http://schemas.openxmlformats.org/officeDocument/2006/relationships" xmlns:p="http://schemas.openxmlformats.org/presentationml/2006/main">
+  <p:cSld>
+    <p:spTree>
+      <p:nvGrpSpPr>
+        <p:cNvPr id="1" name=""/>
+        <p:cNvGrpSpPr/>
+        <p:nvPr/>
+      </p:nvGrpSpPr>
+      <p:grpSpPr>
+        <a:xfrm>
+          <a:off x="0" y="0"/>
+          <a:ext cx="0" cy="0"/>
+          <a:chOff x="0" y="0"/>
+          <a:chExt cx="0" cy="0"/>
+        </a:xfrm>
+      </p:grpSpPr>
+      <p:sp>
+        <p:nvSpPr>
+          <p:cNvPr id="2" name="Slide Image Placeholder 1"/>
+          <p:cNvSpPr>
+            <a:spLocks noGrp="1" noRot="1" noChangeAspect="1"/>
+          </p:cNvSpPr>
+          <p:nvPr>
+            <p:ph type="sldImg"/>
+          </p:nvPr>
+        </p:nvSpPr>
+        <p:spPr/>
+      </p:sp>
+      <p:sp>
+        <p:nvSpPr>
+          <p:cNvPr id="3" name="Notes Placeholder 2"/>
+          <p:cNvSpPr>
+            <a:spLocks noGrp="1"/>
+          </p:cNvSpPr>
+          <p:nvPr>
+            <p:ph type="body" idx="1"/>
+          </p:nvPr>
+        </p:nvSpPr>
+        <p:spPr/>
+        <p:txBody>
+          <a:bodyPr/>
+          <a:lstStyle/>
+          <a:p>
+            <a:endParaRPr lang="en-US" sz="1200" kern="1200" baseline="0" dirty="0" smtClean="0">
+              <a:solidFill>
+                <a:srgbClr val="000000"/>
+              </a:solidFill>
+              <a:latin typeface="Times New Roman" charset="0"/>
+              <a:ea typeface="+mn-ea"/>
+              <a:cs typeface="+mn-cs"/>
+            </a:endParaRPr>
+          </a:p>
+          <a:p>
+            <a:r>
+              <a:rPr lang="en-US" sz="1200" kern="1200" baseline="0" dirty="0" smtClean="0">
+                <a:solidFill>
+                  <a:srgbClr val="000000"/>
+                </a:solidFill>
+                <a:latin typeface="Times New Roman" charset="0"/>
+                <a:ea typeface="+mn-ea"/>
+                <a:cs typeface="+mn-cs"/>
+              </a:rPr>
+              <a:t>Proposal: we should take a constructive approach---creature construction.</a:t>
+            </a:r>
+          </a:p>
+          <a:p>
+            <a:r>
+              <a:rPr lang="en-US" sz="1200" kern="1200" baseline="0" dirty="0" smtClean="0">
+                <a:solidFill>
+                  <a:srgbClr val="000000"/>
+                </a:solidFill>
+                <a:latin typeface="Times New Roman" charset="0"/>
+                <a:ea typeface="+mn-ea"/>
+                <a:cs typeface="+mn-cs"/>
+              </a:rPr>
+              <a:t>And we should have a model of the attitudes, one that is clearly enough explained that we can tell whether it is capable of explaining a given individual’s </a:t>
+            </a:r>
+            <a:r>
+              <a:rPr lang="en-US" sz="1200" kern="1200" baseline="0" dirty="0" err="1" smtClean="0">
+                <a:solidFill>
+                  <a:srgbClr val="000000"/>
+                </a:solidFill>
+                <a:latin typeface="Times New Roman" charset="0"/>
+                <a:ea typeface="+mn-ea"/>
+                <a:cs typeface="+mn-cs"/>
+              </a:rPr>
+              <a:t>behaviour</a:t>
+            </a:r>
+            <a:r>
+              <a:rPr lang="en-US" sz="1200" kern="1200" baseline="0" dirty="0" smtClean="0">
+                <a:solidFill>
+                  <a:srgbClr val="000000"/>
+                </a:solidFill>
+                <a:latin typeface="Times New Roman" charset="0"/>
+                <a:ea typeface="+mn-ea"/>
+                <a:cs typeface="+mn-cs"/>
+              </a:rPr>
+              <a:t> in a particular case.</a:t>
+            </a:r>
+          </a:p>
+          <a:p>
+            <a:r>
+              <a:rPr lang="en-US" sz="1200" kern="1200" baseline="0" dirty="0" smtClean="0">
+                <a:solidFill>
+                  <a:srgbClr val="000000"/>
+                </a:solidFill>
+                <a:latin typeface="Times New Roman" charset="0"/>
+                <a:ea typeface="+mn-ea"/>
+                <a:cs typeface="+mn-cs"/>
+              </a:rPr>
+              <a:t>***use </a:t>
+            </a:r>
+            <a:r>
+              <a:rPr lang="en-US" sz="1200" kern="1200" baseline="0" dirty="0" err="1" smtClean="0">
+                <a:solidFill>
+                  <a:srgbClr val="000000"/>
+                </a:solidFill>
+                <a:latin typeface="Times New Roman" charset="0"/>
+                <a:ea typeface="+mn-ea"/>
+                <a:cs typeface="+mn-cs"/>
+              </a:rPr>
+              <a:t>Dretske</a:t>
+            </a:r>
+            <a:r>
+              <a:rPr lang="en-US" sz="1200" kern="1200" baseline="0" dirty="0" smtClean="0">
+                <a:solidFill>
+                  <a:srgbClr val="000000"/>
+                </a:solidFill>
+                <a:latin typeface="Times New Roman" charset="0"/>
+                <a:ea typeface="+mn-ea"/>
+                <a:cs typeface="+mn-cs"/>
+              </a:rPr>
+              <a:t> naturalism quote?</a:t>
+            </a:r>
+          </a:p>
+          <a:p>
+            <a:r>
+              <a:rPr lang="en-US" sz="1200" kern="1200" baseline="0" dirty="0" smtClean="0">
+                <a:solidFill>
+                  <a:srgbClr val="000000"/>
+                </a:solidFill>
+                <a:latin typeface="Times New Roman" charset="0"/>
+                <a:ea typeface="+mn-ea"/>
+                <a:cs typeface="+mn-cs"/>
+              </a:rPr>
+              <a:t>***start with mere goals and add in states that modulate, or go straight to decision theory?</a:t>
+            </a:r>
+            <a:endParaRPr lang="en-US" dirty="0"/>
+          </a:p>
+        </p:txBody>
+      </p:sp>
+      <p:sp>
+        <p:nvSpPr>
+          <p:cNvPr id="4" name="Slide Number Placeholder 3"/>
+          <p:cNvSpPr>
+            <a:spLocks noGrp="1"/>
+          </p:cNvSpPr>
+          <p:nvPr>
+            <p:ph type="sldNum" idx="10"/>
+          </p:nvPr>
+        </p:nvSpPr>
+        <p:spPr/>
+        <p:txBody>
+          <a:bodyPr/>
+          <a:lstStyle/>
+          <a:p>
+            <a:fld id="{24688D03-F045-B643-BD3A-F95C8B91471A}" type="slidenum">
+              <a:rPr lang="en-GB" smtClean="0"/>
+              <a:pPr/>
+              <a:t>34</a:t>
+            </a:fld>
+            <a:endParaRPr lang="en-GB"/>
+          </a:p>
+        </p:txBody>
+      </p:sp>
+    </p:spTree>
+    <p:extLst>
+      <p:ext uri="{BB962C8B-B14F-4D97-AF65-F5344CB8AC3E}">
+        <p14:creationId xmlns:p14="http://schemas.microsoft.com/office/powerpoint/2010/main" val="2721690599"/>
+      </p:ext>
+    </p:extLst>
+  </p:cSld>
+  <p:clrMapOvr>
+    <a:masterClrMapping/>
+  </p:clrMapOvr>
+</p:notes>
+</file>
+
+<file path=ppt/notesSlides/notesSlide35.xml><?xml version="1.0" encoding="utf-8"?>
+<p:notes xmlns:a="http://schemas.openxmlformats.org/drawingml/2006/main" xmlns:r="http://schemas.openxmlformats.org/officeDocument/2006/relationships" xmlns:p="http://schemas.openxmlformats.org/presentationml/2006/main">
+  <p:cSld>
+    <p:spTree>
+      <p:nvGrpSpPr>
+        <p:cNvPr id="1" name=""/>
+        <p:cNvGrpSpPr/>
+        <p:nvPr/>
+      </p:nvGrpSpPr>
+      <p:grpSpPr>
+        <a:xfrm>
+          <a:off x="0" y="0"/>
+          <a:ext cx="0" cy="0"/>
+          <a:chOff x="0" y="0"/>
+          <a:chExt cx="0" cy="0"/>
+        </a:xfrm>
+      </p:grpSpPr>
+      <p:sp>
+        <p:nvSpPr>
+          <p:cNvPr id="2" name="Slide Image Placeholder 1"/>
+          <p:cNvSpPr>
+            <a:spLocks noGrp="1" noRot="1" noChangeAspect="1"/>
+          </p:cNvSpPr>
+          <p:nvPr>
+            <p:ph type="sldImg"/>
+          </p:nvPr>
+        </p:nvSpPr>
+        <p:spPr/>
+      </p:sp>
+      <p:sp>
+        <p:nvSpPr>
+          <p:cNvPr id="3" name="Notes Placeholder 2"/>
+          <p:cNvSpPr>
+            <a:spLocks noGrp="1"/>
+          </p:cNvSpPr>
+          <p:nvPr>
+            <p:ph type="body" idx="1"/>
+          </p:nvPr>
+        </p:nvSpPr>
+        <p:spPr/>
+        <p:txBody>
+          <a:bodyPr/>
+          <a:lstStyle/>
+          <a:p>
+            <a:endParaRPr lang="en-US" sz="1200" kern="1200" baseline="0" dirty="0" smtClean="0">
+              <a:solidFill>
+                <a:srgbClr val="000000"/>
+              </a:solidFill>
+              <a:latin typeface="Times New Roman" charset="0"/>
+              <a:ea typeface="+mn-ea"/>
+              <a:cs typeface="+mn-cs"/>
+            </a:endParaRPr>
+          </a:p>
+          <a:p>
+            <a:r>
+              <a:rPr lang="en-US" sz="1200" kern="1200" baseline="0" dirty="0" smtClean="0">
+                <a:solidFill>
+                  <a:srgbClr val="000000"/>
+                </a:solidFill>
+                <a:latin typeface="Times New Roman" charset="0"/>
+                <a:ea typeface="+mn-ea"/>
+                <a:cs typeface="+mn-cs"/>
+              </a:rPr>
+              <a:t>Proposal: we should take a constructive approach---creature construction.</a:t>
+            </a:r>
+          </a:p>
+          <a:p>
+            <a:r>
+              <a:rPr lang="en-US" sz="1200" kern="1200" baseline="0" dirty="0" smtClean="0">
+                <a:solidFill>
+                  <a:srgbClr val="000000"/>
+                </a:solidFill>
+                <a:latin typeface="Times New Roman" charset="0"/>
+                <a:ea typeface="+mn-ea"/>
+                <a:cs typeface="+mn-cs"/>
+              </a:rPr>
+              <a:t>And we should have a model of the attitudes, one that is clearly enough explained that we can tell whether it is capable of explaining a given individual’s </a:t>
+            </a:r>
+            <a:r>
+              <a:rPr lang="en-US" sz="1200" kern="1200" baseline="0" dirty="0" err="1" smtClean="0">
+                <a:solidFill>
+                  <a:srgbClr val="000000"/>
+                </a:solidFill>
+                <a:latin typeface="Times New Roman" charset="0"/>
+                <a:ea typeface="+mn-ea"/>
+                <a:cs typeface="+mn-cs"/>
+              </a:rPr>
+              <a:t>behaviour</a:t>
+            </a:r>
+            <a:r>
+              <a:rPr lang="en-US" sz="1200" kern="1200" baseline="0" dirty="0" smtClean="0">
+                <a:solidFill>
+                  <a:srgbClr val="000000"/>
+                </a:solidFill>
+                <a:latin typeface="Times New Roman" charset="0"/>
+                <a:ea typeface="+mn-ea"/>
+                <a:cs typeface="+mn-cs"/>
+              </a:rPr>
+              <a:t> in a particular case.</a:t>
+            </a:r>
+          </a:p>
+          <a:p>
+            <a:r>
+              <a:rPr lang="en-US" sz="1200" kern="1200" baseline="0" dirty="0" smtClean="0">
+                <a:solidFill>
+                  <a:srgbClr val="000000"/>
+                </a:solidFill>
+                <a:latin typeface="Times New Roman" charset="0"/>
+                <a:ea typeface="+mn-ea"/>
+                <a:cs typeface="+mn-cs"/>
+              </a:rPr>
+              <a:t>***use </a:t>
+            </a:r>
+            <a:r>
+              <a:rPr lang="en-US" sz="1200" kern="1200" baseline="0" dirty="0" err="1" smtClean="0">
+                <a:solidFill>
+                  <a:srgbClr val="000000"/>
+                </a:solidFill>
+                <a:latin typeface="Times New Roman" charset="0"/>
+                <a:ea typeface="+mn-ea"/>
+                <a:cs typeface="+mn-cs"/>
+              </a:rPr>
+              <a:t>Dretske</a:t>
+            </a:r>
+            <a:r>
+              <a:rPr lang="en-US" sz="1200" kern="1200" baseline="0" dirty="0" smtClean="0">
+                <a:solidFill>
+                  <a:srgbClr val="000000"/>
+                </a:solidFill>
+                <a:latin typeface="Times New Roman" charset="0"/>
+                <a:ea typeface="+mn-ea"/>
+                <a:cs typeface="+mn-cs"/>
+              </a:rPr>
+              <a:t> naturalism quote?</a:t>
+            </a:r>
+          </a:p>
+          <a:p>
+            <a:r>
+              <a:rPr lang="en-US" sz="1200" kern="1200" baseline="0" dirty="0" smtClean="0">
+                <a:solidFill>
+                  <a:srgbClr val="000000"/>
+                </a:solidFill>
+                <a:latin typeface="Times New Roman" charset="0"/>
+                <a:ea typeface="+mn-ea"/>
+                <a:cs typeface="+mn-cs"/>
+              </a:rPr>
+              <a:t>***start with mere goals and add in states that modulate, or go straight to decision theory?</a:t>
+            </a:r>
+            <a:endParaRPr lang="en-US" dirty="0"/>
+          </a:p>
+        </p:txBody>
+      </p:sp>
+      <p:sp>
+        <p:nvSpPr>
+          <p:cNvPr id="4" name="Slide Number Placeholder 3"/>
+          <p:cNvSpPr>
+            <a:spLocks noGrp="1"/>
+          </p:cNvSpPr>
+          <p:nvPr>
+            <p:ph type="sldNum" idx="10"/>
+          </p:nvPr>
+        </p:nvSpPr>
+        <p:spPr/>
+        <p:txBody>
+          <a:bodyPr/>
+          <a:lstStyle/>
+          <a:p>
+            <a:fld id="{24688D03-F045-B643-BD3A-F95C8B91471A}" type="slidenum">
+              <a:rPr lang="en-GB" smtClean="0"/>
+              <a:pPr/>
+              <a:t>35</a:t>
+            </a:fld>
+            <a:endParaRPr lang="en-GB"/>
+          </a:p>
+        </p:txBody>
+      </p:sp>
+    </p:spTree>
+    <p:extLst>
+      <p:ext uri="{BB962C8B-B14F-4D97-AF65-F5344CB8AC3E}">
+        <p14:creationId xmlns:p14="http://schemas.microsoft.com/office/powerpoint/2010/main" val="2721690599"/>
+      </p:ext>
+    </p:extLst>
+  </p:cSld>
+  <p:clrMapOvr>
+    <a:masterClrMapping/>
+  </p:clrMapOvr>
+</p:notes>
+</file>
+
+<file path=ppt/notesSlides/notesSlide36.xml><?xml version="1.0" encoding="utf-8"?>
+<p:notes xmlns:a="http://schemas.openxmlformats.org/drawingml/2006/main" xmlns:r="http://schemas.openxmlformats.org/officeDocument/2006/relationships" xmlns:p="http://schemas.openxmlformats.org/presentationml/2006/main">
+  <p:cSld>
+    <p:spTree>
+      <p:nvGrpSpPr>
+        <p:cNvPr id="1" name=""/>
+        <p:cNvGrpSpPr/>
+        <p:nvPr/>
+      </p:nvGrpSpPr>
+      <p:grpSpPr>
+        <a:xfrm>
+          <a:off x="0" y="0"/>
+          <a:ext cx="0" cy="0"/>
+          <a:chOff x="0" y="0"/>
+          <a:chExt cx="0" cy="0"/>
+        </a:xfrm>
+      </p:grpSpPr>
+      <p:sp>
+        <p:nvSpPr>
+          <p:cNvPr id="2" name="Slide Image Placeholder 1"/>
+          <p:cNvSpPr>
+            <a:spLocks noGrp="1" noRot="1" noChangeAspect="1"/>
+          </p:cNvSpPr>
+          <p:nvPr>
+            <p:ph type="sldImg"/>
+          </p:nvPr>
+        </p:nvSpPr>
+        <p:spPr/>
+      </p:sp>
+      <p:sp>
+        <p:nvSpPr>
+          <p:cNvPr id="3" name="Notes Placeholder 2"/>
+          <p:cNvSpPr>
+            <a:spLocks noGrp="1"/>
+          </p:cNvSpPr>
+          <p:nvPr>
+            <p:ph type="body" idx="1"/>
+          </p:nvPr>
+        </p:nvSpPr>
+        <p:spPr/>
+        <p:txBody>
+          <a:bodyPr/>
+          <a:lstStyle/>
+          <a:p>
+            <a:endParaRPr lang="en-US" sz="1200" kern="1200" baseline="0" dirty="0" smtClean="0">
+              <a:solidFill>
+                <a:srgbClr val="000000"/>
+              </a:solidFill>
+              <a:latin typeface="Times New Roman" charset="0"/>
+              <a:ea typeface="+mn-ea"/>
+              <a:cs typeface="+mn-cs"/>
+            </a:endParaRPr>
+          </a:p>
+          <a:p>
+            <a:r>
+              <a:rPr lang="en-US" sz="1200" kern="1200" baseline="0" dirty="0" smtClean="0">
+                <a:solidFill>
+                  <a:srgbClr val="000000"/>
+                </a:solidFill>
+                <a:latin typeface="Times New Roman" charset="0"/>
+                <a:ea typeface="+mn-ea"/>
+                <a:cs typeface="+mn-cs"/>
+              </a:rPr>
+              <a:t>Proposal: we should take a constructive approach---creature construction.</a:t>
+            </a:r>
+          </a:p>
+          <a:p>
+            <a:r>
+              <a:rPr lang="en-US" sz="1200" kern="1200" baseline="0" dirty="0" smtClean="0">
+                <a:solidFill>
+                  <a:srgbClr val="000000"/>
+                </a:solidFill>
+                <a:latin typeface="Times New Roman" charset="0"/>
+                <a:ea typeface="+mn-ea"/>
+                <a:cs typeface="+mn-cs"/>
+              </a:rPr>
+              <a:t>And we should have a model of the attitudes, one that is clearly enough explained that we can tell whether it is capable of explaining a given individual’s </a:t>
+            </a:r>
+            <a:r>
+              <a:rPr lang="en-US" sz="1200" kern="1200" baseline="0" dirty="0" err="1" smtClean="0">
+                <a:solidFill>
+                  <a:srgbClr val="000000"/>
+                </a:solidFill>
+                <a:latin typeface="Times New Roman" charset="0"/>
+                <a:ea typeface="+mn-ea"/>
+                <a:cs typeface="+mn-cs"/>
+              </a:rPr>
+              <a:t>behaviour</a:t>
+            </a:r>
+            <a:r>
+              <a:rPr lang="en-US" sz="1200" kern="1200" baseline="0" dirty="0" smtClean="0">
+                <a:solidFill>
+                  <a:srgbClr val="000000"/>
+                </a:solidFill>
+                <a:latin typeface="Times New Roman" charset="0"/>
+                <a:ea typeface="+mn-ea"/>
+                <a:cs typeface="+mn-cs"/>
+              </a:rPr>
+              <a:t> in a particular case.</a:t>
+            </a:r>
+          </a:p>
+          <a:p>
+            <a:r>
+              <a:rPr lang="en-US" sz="1200" kern="1200" baseline="0" dirty="0" smtClean="0">
+                <a:solidFill>
+                  <a:srgbClr val="000000"/>
+                </a:solidFill>
+                <a:latin typeface="Times New Roman" charset="0"/>
+                <a:ea typeface="+mn-ea"/>
+                <a:cs typeface="+mn-cs"/>
+              </a:rPr>
+              <a:t>***use </a:t>
+            </a:r>
+            <a:r>
+              <a:rPr lang="en-US" sz="1200" kern="1200" baseline="0" dirty="0" err="1" smtClean="0">
+                <a:solidFill>
+                  <a:srgbClr val="000000"/>
+                </a:solidFill>
+                <a:latin typeface="Times New Roman" charset="0"/>
+                <a:ea typeface="+mn-ea"/>
+                <a:cs typeface="+mn-cs"/>
+              </a:rPr>
+              <a:t>Dretske</a:t>
+            </a:r>
+            <a:r>
+              <a:rPr lang="en-US" sz="1200" kern="1200" baseline="0" dirty="0" smtClean="0">
+                <a:solidFill>
+                  <a:srgbClr val="000000"/>
+                </a:solidFill>
+                <a:latin typeface="Times New Roman" charset="0"/>
+                <a:ea typeface="+mn-ea"/>
+                <a:cs typeface="+mn-cs"/>
+              </a:rPr>
+              <a:t> naturalism quote?</a:t>
+            </a:r>
+          </a:p>
+          <a:p>
+            <a:r>
+              <a:rPr lang="en-US" sz="1200" kern="1200" baseline="0" dirty="0" smtClean="0">
+                <a:solidFill>
+                  <a:srgbClr val="000000"/>
+                </a:solidFill>
+                <a:latin typeface="Times New Roman" charset="0"/>
+                <a:ea typeface="+mn-ea"/>
+                <a:cs typeface="+mn-cs"/>
+              </a:rPr>
+              <a:t>***start with mere goals and add in states that modulate, or go straight to decision theory?</a:t>
+            </a:r>
+            <a:endParaRPr lang="en-US" dirty="0"/>
+          </a:p>
+        </p:txBody>
+      </p:sp>
+      <p:sp>
+        <p:nvSpPr>
+          <p:cNvPr id="4" name="Slide Number Placeholder 3"/>
+          <p:cNvSpPr>
+            <a:spLocks noGrp="1"/>
+          </p:cNvSpPr>
+          <p:nvPr>
+            <p:ph type="sldNum" idx="10"/>
+          </p:nvPr>
+        </p:nvSpPr>
+        <p:spPr/>
+        <p:txBody>
+          <a:bodyPr/>
+          <a:lstStyle/>
+          <a:p>
+            <a:fld id="{24688D03-F045-B643-BD3A-F95C8B91471A}" type="slidenum">
+              <a:rPr lang="en-GB" smtClean="0"/>
+              <a:pPr/>
+              <a:t>36</a:t>
+            </a:fld>
+            <a:endParaRPr lang="en-GB"/>
+          </a:p>
+        </p:txBody>
+      </p:sp>
+    </p:spTree>
+    <p:extLst>
+      <p:ext uri="{BB962C8B-B14F-4D97-AF65-F5344CB8AC3E}">
+        <p14:creationId xmlns:p14="http://schemas.microsoft.com/office/powerpoint/2010/main" val="2721690599"/>
+      </p:ext>
+    </p:extLst>
+  </p:cSld>
+  <p:clrMapOvr>
+    <a:masterClrMapping/>
+  </p:clrMapOvr>
+</p:notes>
+</file>
+
+<file path=ppt/notesSlides/notesSlide37.xml><?xml version="1.0" encoding="utf-8"?>
+<p:notes xmlns:a="http://schemas.openxmlformats.org/drawingml/2006/main" xmlns:r="http://schemas.openxmlformats.org/officeDocument/2006/relationships" xmlns:p="http://schemas.openxmlformats.org/presentationml/2006/main">
+  <p:cSld>
+    <p:spTree>
+      <p:nvGrpSpPr>
+        <p:cNvPr id="1" name=""/>
+        <p:cNvGrpSpPr/>
+        <p:nvPr/>
+      </p:nvGrpSpPr>
+      <p:grpSpPr>
+        <a:xfrm>
+          <a:off x="0" y="0"/>
+          <a:ext cx="0" cy="0"/>
+          <a:chOff x="0" y="0"/>
+          <a:chExt cx="0" cy="0"/>
+        </a:xfrm>
+      </p:grpSpPr>
+      <p:sp>
+        <p:nvSpPr>
+          <p:cNvPr id="2" name="Slide Image Placeholder 1"/>
+          <p:cNvSpPr>
+            <a:spLocks noGrp="1" noRot="1" noChangeAspect="1"/>
+          </p:cNvSpPr>
+          <p:nvPr>
+            <p:ph type="sldImg"/>
+          </p:nvPr>
+        </p:nvSpPr>
+        <p:spPr/>
+      </p:sp>
+      <p:sp>
+        <p:nvSpPr>
+          <p:cNvPr id="3" name="Notes Placeholder 2"/>
+          <p:cNvSpPr>
+            <a:spLocks noGrp="1"/>
+          </p:cNvSpPr>
+          <p:nvPr>
+            <p:ph type="body" idx="1"/>
+          </p:nvPr>
+        </p:nvSpPr>
+        <p:spPr/>
+        <p:txBody>
+          <a:bodyPr/>
+          <a:lstStyle/>
+          <a:p>
+            <a:endParaRPr lang="en-US" sz="1200" kern="1200" baseline="0" dirty="0" smtClean="0">
+              <a:solidFill>
+                <a:srgbClr val="000000"/>
+              </a:solidFill>
+              <a:latin typeface="Times New Roman" charset="0"/>
+              <a:ea typeface="+mn-ea"/>
+              <a:cs typeface="+mn-cs"/>
+            </a:endParaRPr>
+          </a:p>
+          <a:p>
+            <a:r>
+              <a:rPr lang="en-US" sz="1200" kern="1200" baseline="0" dirty="0" smtClean="0">
+                <a:solidFill>
+                  <a:srgbClr val="000000"/>
+                </a:solidFill>
+                <a:latin typeface="Times New Roman" charset="0"/>
+                <a:ea typeface="+mn-ea"/>
+                <a:cs typeface="+mn-cs"/>
+              </a:rPr>
+              <a:t>Proposal: we should take a constructive approach---creature construction.</a:t>
+            </a:r>
+          </a:p>
+          <a:p>
+            <a:r>
+              <a:rPr lang="en-US" sz="1200" kern="1200" baseline="0" dirty="0" smtClean="0">
+                <a:solidFill>
+                  <a:srgbClr val="000000"/>
+                </a:solidFill>
+                <a:latin typeface="Times New Roman" charset="0"/>
+                <a:ea typeface="+mn-ea"/>
+                <a:cs typeface="+mn-cs"/>
+              </a:rPr>
+              <a:t>And we should have a model of the attitudes, one that is clearly enough explained that we can tell whether it is capable of explaining a given individual’s </a:t>
+            </a:r>
+            <a:r>
+              <a:rPr lang="en-US" sz="1200" kern="1200" baseline="0" dirty="0" err="1" smtClean="0">
+                <a:solidFill>
+                  <a:srgbClr val="000000"/>
+                </a:solidFill>
+                <a:latin typeface="Times New Roman" charset="0"/>
+                <a:ea typeface="+mn-ea"/>
+                <a:cs typeface="+mn-cs"/>
+              </a:rPr>
+              <a:t>behaviour</a:t>
+            </a:r>
+            <a:r>
+              <a:rPr lang="en-US" sz="1200" kern="1200" baseline="0" dirty="0" smtClean="0">
+                <a:solidFill>
+                  <a:srgbClr val="000000"/>
+                </a:solidFill>
+                <a:latin typeface="Times New Roman" charset="0"/>
+                <a:ea typeface="+mn-ea"/>
+                <a:cs typeface="+mn-cs"/>
+              </a:rPr>
+              <a:t> in a particular case.</a:t>
+            </a:r>
+          </a:p>
+          <a:p>
+            <a:r>
+              <a:rPr lang="en-US" sz="1200" kern="1200" baseline="0" dirty="0" smtClean="0">
+                <a:solidFill>
+                  <a:srgbClr val="000000"/>
+                </a:solidFill>
+                <a:latin typeface="Times New Roman" charset="0"/>
+                <a:ea typeface="+mn-ea"/>
+                <a:cs typeface="+mn-cs"/>
+              </a:rPr>
+              <a:t>***use </a:t>
+            </a:r>
+            <a:r>
+              <a:rPr lang="en-US" sz="1200" kern="1200" baseline="0" dirty="0" err="1" smtClean="0">
+                <a:solidFill>
+                  <a:srgbClr val="000000"/>
+                </a:solidFill>
+                <a:latin typeface="Times New Roman" charset="0"/>
+                <a:ea typeface="+mn-ea"/>
+                <a:cs typeface="+mn-cs"/>
+              </a:rPr>
+              <a:t>Dretske</a:t>
+            </a:r>
+            <a:r>
+              <a:rPr lang="en-US" sz="1200" kern="1200" baseline="0" dirty="0" smtClean="0">
+                <a:solidFill>
+                  <a:srgbClr val="000000"/>
+                </a:solidFill>
+                <a:latin typeface="Times New Roman" charset="0"/>
+                <a:ea typeface="+mn-ea"/>
+                <a:cs typeface="+mn-cs"/>
+              </a:rPr>
+              <a:t> naturalism quote?</a:t>
+            </a:r>
+          </a:p>
+          <a:p>
+            <a:r>
+              <a:rPr lang="en-US" sz="1200" kern="1200" baseline="0" dirty="0" smtClean="0">
+                <a:solidFill>
+                  <a:srgbClr val="000000"/>
+                </a:solidFill>
+                <a:latin typeface="Times New Roman" charset="0"/>
+                <a:ea typeface="+mn-ea"/>
+                <a:cs typeface="+mn-cs"/>
+              </a:rPr>
+              <a:t>***start with mere goals and add in states that modulate, or go straight to decision theory?</a:t>
+            </a:r>
+            <a:endParaRPr lang="en-US" dirty="0"/>
+          </a:p>
+        </p:txBody>
+      </p:sp>
+      <p:sp>
+        <p:nvSpPr>
+          <p:cNvPr id="4" name="Slide Number Placeholder 3"/>
+          <p:cNvSpPr>
+            <a:spLocks noGrp="1"/>
+          </p:cNvSpPr>
+          <p:nvPr>
+            <p:ph type="sldNum" idx="10"/>
+          </p:nvPr>
+        </p:nvSpPr>
+        <p:spPr/>
+        <p:txBody>
+          <a:bodyPr/>
+          <a:lstStyle/>
+          <a:p>
+            <a:fld id="{24688D03-F045-B643-BD3A-F95C8B91471A}" type="slidenum">
+              <a:rPr lang="en-GB" smtClean="0"/>
+              <a:pPr/>
+              <a:t>37</a:t>
+            </a:fld>
+            <a:endParaRPr lang="en-GB"/>
+          </a:p>
+        </p:txBody>
+      </p:sp>
+    </p:spTree>
+    <p:extLst>
+      <p:ext uri="{BB962C8B-B14F-4D97-AF65-F5344CB8AC3E}">
+        <p14:creationId xmlns:p14="http://schemas.microsoft.com/office/powerpoint/2010/main" val="2721690599"/>
+      </p:ext>
+    </p:extLst>
+  </p:cSld>
+  <p:clrMapOvr>
+    <a:masterClrMapping/>
+  </p:clrMapOvr>
+</p:notes>
+</file>
+
+<file path=ppt/notesSlides/notesSlide38.xml><?xml version="1.0" encoding="utf-8"?>
+<p:notes xmlns:a="http://schemas.openxmlformats.org/drawingml/2006/main" xmlns:r="http://schemas.openxmlformats.org/officeDocument/2006/relationships" xmlns:p="http://schemas.openxmlformats.org/presentationml/2006/main">
+  <p:cSld>
+    <p:spTree>
+      <p:nvGrpSpPr>
+        <p:cNvPr id="1" name=""/>
+        <p:cNvGrpSpPr/>
+        <p:nvPr/>
+      </p:nvGrpSpPr>
+      <p:grpSpPr>
+        <a:xfrm>
+          <a:off x="0" y="0"/>
+          <a:ext cx="0" cy="0"/>
+          <a:chOff x="0" y="0"/>
+          <a:chExt cx="0" cy="0"/>
+        </a:xfrm>
+      </p:grpSpPr>
+      <p:sp>
+        <p:nvSpPr>
+          <p:cNvPr id="2" name="Slide Image Placeholder 1"/>
+          <p:cNvSpPr>
+            <a:spLocks noGrp="1" noRot="1" noChangeAspect="1"/>
+          </p:cNvSpPr>
+          <p:nvPr>
+            <p:ph type="sldImg"/>
+          </p:nvPr>
+        </p:nvSpPr>
+        <p:spPr/>
+      </p:sp>
+      <p:sp>
+        <p:nvSpPr>
+          <p:cNvPr id="3" name="Notes Placeholder 2"/>
+          <p:cNvSpPr>
+            <a:spLocks noGrp="1"/>
+          </p:cNvSpPr>
+          <p:nvPr>
+            <p:ph type="body" idx="1"/>
+          </p:nvPr>
+        </p:nvSpPr>
+        <p:spPr/>
+        <p:txBody>
+          <a:bodyPr/>
+          <a:lstStyle/>
+          <a:p>
+            <a:endParaRPr lang="en-US" sz="1200" kern="1200" baseline="0" dirty="0" smtClean="0">
+              <a:solidFill>
+                <a:srgbClr val="000000"/>
+              </a:solidFill>
+              <a:latin typeface="Times New Roman" charset="0"/>
+              <a:ea typeface="+mn-ea"/>
+              <a:cs typeface="+mn-cs"/>
+            </a:endParaRPr>
+          </a:p>
+          <a:p>
+            <a:r>
+              <a:rPr lang="en-US" sz="1200" kern="1200" baseline="0" dirty="0" smtClean="0">
+                <a:solidFill>
+                  <a:srgbClr val="000000"/>
+                </a:solidFill>
+                <a:latin typeface="Times New Roman" charset="0"/>
+                <a:ea typeface="+mn-ea"/>
+                <a:cs typeface="+mn-cs"/>
+              </a:rPr>
+              <a:t>Proposal: we should take a constructive approach---creature construction.</a:t>
+            </a:r>
+          </a:p>
+          <a:p>
+            <a:r>
+              <a:rPr lang="en-US" sz="1200" kern="1200" baseline="0" dirty="0" smtClean="0">
+                <a:solidFill>
+                  <a:srgbClr val="000000"/>
+                </a:solidFill>
+                <a:latin typeface="Times New Roman" charset="0"/>
+                <a:ea typeface="+mn-ea"/>
+                <a:cs typeface="+mn-cs"/>
+              </a:rPr>
+              <a:t>And we should have a model of the attitudes, one that is clearly enough explained that we can tell whether it is capable of explaining a given individual’s </a:t>
+            </a:r>
+            <a:r>
+              <a:rPr lang="en-US" sz="1200" kern="1200" baseline="0" dirty="0" err="1" smtClean="0">
+                <a:solidFill>
+                  <a:srgbClr val="000000"/>
+                </a:solidFill>
+                <a:latin typeface="Times New Roman" charset="0"/>
+                <a:ea typeface="+mn-ea"/>
+                <a:cs typeface="+mn-cs"/>
+              </a:rPr>
+              <a:t>behaviour</a:t>
+            </a:r>
+            <a:r>
+              <a:rPr lang="en-US" sz="1200" kern="1200" baseline="0" dirty="0" smtClean="0">
+                <a:solidFill>
+                  <a:srgbClr val="000000"/>
+                </a:solidFill>
+                <a:latin typeface="Times New Roman" charset="0"/>
+                <a:ea typeface="+mn-ea"/>
+                <a:cs typeface="+mn-cs"/>
+              </a:rPr>
+              <a:t> in a particular case.</a:t>
+            </a:r>
+          </a:p>
+          <a:p>
+            <a:r>
+              <a:rPr lang="en-US" sz="1200" kern="1200" baseline="0" dirty="0" smtClean="0">
+                <a:solidFill>
+                  <a:srgbClr val="000000"/>
+                </a:solidFill>
+                <a:latin typeface="Times New Roman" charset="0"/>
+                <a:ea typeface="+mn-ea"/>
+                <a:cs typeface="+mn-cs"/>
+              </a:rPr>
+              <a:t>***use </a:t>
+            </a:r>
+            <a:r>
+              <a:rPr lang="en-US" sz="1200" kern="1200" baseline="0" dirty="0" err="1" smtClean="0">
+                <a:solidFill>
+                  <a:srgbClr val="000000"/>
+                </a:solidFill>
+                <a:latin typeface="Times New Roman" charset="0"/>
+                <a:ea typeface="+mn-ea"/>
+                <a:cs typeface="+mn-cs"/>
+              </a:rPr>
+              <a:t>Dretske</a:t>
+            </a:r>
+            <a:r>
+              <a:rPr lang="en-US" sz="1200" kern="1200" baseline="0" dirty="0" smtClean="0">
+                <a:solidFill>
+                  <a:srgbClr val="000000"/>
+                </a:solidFill>
+                <a:latin typeface="Times New Roman" charset="0"/>
+                <a:ea typeface="+mn-ea"/>
+                <a:cs typeface="+mn-cs"/>
+              </a:rPr>
+              <a:t> naturalism quote?</a:t>
+            </a:r>
+          </a:p>
+          <a:p>
+            <a:r>
+              <a:rPr lang="en-US" sz="1200" kern="1200" baseline="0" dirty="0" smtClean="0">
+                <a:solidFill>
+                  <a:srgbClr val="000000"/>
+                </a:solidFill>
+                <a:latin typeface="Times New Roman" charset="0"/>
+                <a:ea typeface="+mn-ea"/>
+                <a:cs typeface="+mn-cs"/>
+              </a:rPr>
+              <a:t>***start with mere goals and add in states that modulate, or go straight to decision theory?</a:t>
+            </a:r>
+            <a:endParaRPr lang="en-US" dirty="0"/>
+          </a:p>
+        </p:txBody>
+      </p:sp>
+      <p:sp>
+        <p:nvSpPr>
+          <p:cNvPr id="4" name="Slide Number Placeholder 3"/>
+          <p:cNvSpPr>
+            <a:spLocks noGrp="1"/>
+          </p:cNvSpPr>
+          <p:nvPr>
+            <p:ph type="sldNum" idx="10"/>
+          </p:nvPr>
+        </p:nvSpPr>
+        <p:spPr/>
+        <p:txBody>
+          <a:bodyPr/>
+          <a:lstStyle/>
+          <a:p>
+            <a:fld id="{24688D03-F045-B643-BD3A-F95C8B91471A}" type="slidenum">
+              <a:rPr lang="en-GB" smtClean="0"/>
+              <a:pPr/>
+              <a:t>38</a:t>
+            </a:fld>
+            <a:endParaRPr lang="en-GB"/>
+          </a:p>
+        </p:txBody>
+      </p:sp>
+    </p:spTree>
+    <p:extLst>
+      <p:ext uri="{BB962C8B-B14F-4D97-AF65-F5344CB8AC3E}">
+        <p14:creationId xmlns:p14="http://schemas.microsoft.com/office/powerpoint/2010/main" val="2721690599"/>
+      </p:ext>
+    </p:extLst>
+  </p:cSld>
+  <p:clrMapOvr>
+    <a:masterClrMapping/>
+  </p:clrMapOvr>
+</p:notes>
+</file>
+
+<file path=ppt/notesSlides/notesSlide39.xml><?xml version="1.0" encoding="utf-8"?>
+<p:notes xmlns:a="http://schemas.openxmlformats.org/drawingml/2006/main" xmlns:r="http://schemas.openxmlformats.org/officeDocument/2006/relationships" xmlns:p="http://schemas.openxmlformats.org/presentationml/2006/main">
+  <p:cSld>
+    <p:spTree>
+      <p:nvGrpSpPr>
+        <p:cNvPr id="1" name=""/>
+        <p:cNvGrpSpPr/>
+        <p:nvPr/>
+      </p:nvGrpSpPr>
+      <p:grpSpPr>
+        <a:xfrm>
+          <a:off x="0" y="0"/>
+          <a:ext cx="0" cy="0"/>
+          <a:chOff x="0" y="0"/>
+          <a:chExt cx="0" cy="0"/>
+        </a:xfrm>
+      </p:grpSpPr>
+      <p:sp>
+        <p:nvSpPr>
+          <p:cNvPr id="2" name="Slide Image Placeholder 1"/>
+          <p:cNvSpPr>
+            <a:spLocks noGrp="1" noRot="1" noChangeAspect="1"/>
+          </p:cNvSpPr>
+          <p:nvPr>
+            <p:ph type="sldImg"/>
+          </p:nvPr>
+        </p:nvSpPr>
+        <p:spPr/>
+      </p:sp>
+      <p:sp>
+        <p:nvSpPr>
+          <p:cNvPr id="3" name="Notes Placeholder 2"/>
+          <p:cNvSpPr>
+            <a:spLocks noGrp="1"/>
+          </p:cNvSpPr>
+          <p:nvPr>
+            <p:ph type="body" idx="1"/>
+          </p:nvPr>
+        </p:nvSpPr>
+        <p:spPr/>
+        <p:txBody>
+          <a:bodyPr/>
+          <a:lstStyle/>
+          <a:p>
+            <a:endParaRPr lang="en-US" sz="1200" kern="1200" baseline="0" dirty="0" smtClean="0">
+              <a:solidFill>
+                <a:srgbClr val="000000"/>
+              </a:solidFill>
+              <a:latin typeface="Times New Roman" charset="0"/>
+              <a:ea typeface="+mn-ea"/>
+              <a:cs typeface="+mn-cs"/>
+            </a:endParaRPr>
+          </a:p>
+          <a:p>
+            <a:r>
+              <a:rPr lang="en-US" sz="1200" kern="1200" baseline="0" dirty="0" smtClean="0">
+                <a:solidFill>
+                  <a:srgbClr val="000000"/>
+                </a:solidFill>
+                <a:latin typeface="Times New Roman" charset="0"/>
+                <a:ea typeface="+mn-ea"/>
+                <a:cs typeface="+mn-cs"/>
+              </a:rPr>
+              <a:t>Proposal: we should take a constructive approach---creature construction.</a:t>
+            </a:r>
+          </a:p>
+          <a:p>
+            <a:r>
+              <a:rPr lang="en-US" sz="1200" kern="1200" baseline="0" dirty="0" smtClean="0">
+                <a:solidFill>
+                  <a:srgbClr val="000000"/>
+                </a:solidFill>
+                <a:latin typeface="Times New Roman" charset="0"/>
+                <a:ea typeface="+mn-ea"/>
+                <a:cs typeface="+mn-cs"/>
+              </a:rPr>
+              <a:t>And we should have a model of the attitudes, one that is clearly enough explained that we can tell whether it is capable of explaining a given individual’s </a:t>
+            </a:r>
+            <a:r>
+              <a:rPr lang="en-US" sz="1200" kern="1200" baseline="0" dirty="0" err="1" smtClean="0">
+                <a:solidFill>
+                  <a:srgbClr val="000000"/>
+                </a:solidFill>
+                <a:latin typeface="Times New Roman" charset="0"/>
+                <a:ea typeface="+mn-ea"/>
+                <a:cs typeface="+mn-cs"/>
+              </a:rPr>
+              <a:t>behaviour</a:t>
+            </a:r>
+            <a:r>
+              <a:rPr lang="en-US" sz="1200" kern="1200" baseline="0" dirty="0" smtClean="0">
+                <a:solidFill>
+                  <a:srgbClr val="000000"/>
+                </a:solidFill>
+                <a:latin typeface="Times New Roman" charset="0"/>
+                <a:ea typeface="+mn-ea"/>
+                <a:cs typeface="+mn-cs"/>
+              </a:rPr>
+              <a:t> in a particular case.</a:t>
+            </a:r>
+          </a:p>
+          <a:p>
+            <a:r>
+              <a:rPr lang="en-US" sz="1200" kern="1200" baseline="0" dirty="0" smtClean="0">
+                <a:solidFill>
+                  <a:srgbClr val="000000"/>
+                </a:solidFill>
+                <a:latin typeface="Times New Roman" charset="0"/>
+                <a:ea typeface="+mn-ea"/>
+                <a:cs typeface="+mn-cs"/>
+              </a:rPr>
+              <a:t>***use </a:t>
+            </a:r>
+            <a:r>
+              <a:rPr lang="en-US" sz="1200" kern="1200" baseline="0" dirty="0" err="1" smtClean="0">
+                <a:solidFill>
+                  <a:srgbClr val="000000"/>
+                </a:solidFill>
+                <a:latin typeface="Times New Roman" charset="0"/>
+                <a:ea typeface="+mn-ea"/>
+                <a:cs typeface="+mn-cs"/>
+              </a:rPr>
+              <a:t>Dretske</a:t>
+            </a:r>
+            <a:r>
+              <a:rPr lang="en-US" sz="1200" kern="1200" baseline="0" dirty="0" smtClean="0">
+                <a:solidFill>
+                  <a:srgbClr val="000000"/>
+                </a:solidFill>
+                <a:latin typeface="Times New Roman" charset="0"/>
+                <a:ea typeface="+mn-ea"/>
+                <a:cs typeface="+mn-cs"/>
+              </a:rPr>
+              <a:t> naturalism quote?</a:t>
+            </a:r>
+          </a:p>
+          <a:p>
+            <a:r>
+              <a:rPr lang="en-US" sz="1200" kern="1200" baseline="0" dirty="0" smtClean="0">
+                <a:solidFill>
+                  <a:srgbClr val="000000"/>
+                </a:solidFill>
+                <a:latin typeface="Times New Roman" charset="0"/>
+                <a:ea typeface="+mn-ea"/>
+                <a:cs typeface="+mn-cs"/>
+              </a:rPr>
+              <a:t>***start with mere goals and add in states that modulate, or go straight to decision theory?</a:t>
+            </a:r>
+            <a:endParaRPr lang="en-US" dirty="0"/>
+          </a:p>
+        </p:txBody>
+      </p:sp>
+      <p:sp>
+        <p:nvSpPr>
+          <p:cNvPr id="4" name="Slide Number Placeholder 3"/>
+          <p:cNvSpPr>
+            <a:spLocks noGrp="1"/>
+          </p:cNvSpPr>
+          <p:nvPr>
+            <p:ph type="sldNum" idx="10"/>
+          </p:nvPr>
+        </p:nvSpPr>
+        <p:spPr/>
+        <p:txBody>
+          <a:bodyPr/>
+          <a:lstStyle/>
+          <a:p>
+            <a:fld id="{24688D03-F045-B643-BD3A-F95C8B91471A}" type="slidenum">
+              <a:rPr lang="en-GB" smtClean="0"/>
+              <a:pPr/>
+              <a:t>39</a:t>
+            </a:fld>
+            <a:endParaRPr lang="en-GB"/>
+          </a:p>
+        </p:txBody>
+      </p:sp>
+    </p:spTree>
+    <p:extLst>
+      <p:ext uri="{BB962C8B-B14F-4D97-AF65-F5344CB8AC3E}">
+        <p14:creationId xmlns:p14="http://schemas.microsoft.com/office/powerpoint/2010/main" val="2721690599"/>
+      </p:ext>
+    </p:extLst>
   </p:cSld>
   <p:clrMapOvr>
     <a:masterClrMapping/>
@@ -7146,6 +8929,1004 @@
         <p14:creationId xmlns:p14="http://schemas.microsoft.com/office/powerpoint/2010/main" val="3734826348"/>
       </p:ext>
     </p:extLst>
+  </p:cSld>
+  <p:clrMapOvr>
+    <a:masterClrMapping/>
+  </p:clrMapOvr>
+</p:notes>
+</file>
+
+<file path=ppt/notesSlides/notesSlide40.xml><?xml version="1.0" encoding="utf-8"?>
+<p:notes xmlns:a="http://schemas.openxmlformats.org/drawingml/2006/main" xmlns:r="http://schemas.openxmlformats.org/officeDocument/2006/relationships" xmlns:p="http://schemas.openxmlformats.org/presentationml/2006/main">
+  <p:cSld>
+    <p:spTree>
+      <p:nvGrpSpPr>
+        <p:cNvPr id="1" name=""/>
+        <p:cNvGrpSpPr/>
+        <p:nvPr/>
+      </p:nvGrpSpPr>
+      <p:grpSpPr>
+        <a:xfrm>
+          <a:off x="0" y="0"/>
+          <a:ext cx="0" cy="0"/>
+          <a:chOff x="0" y="0"/>
+          <a:chExt cx="0" cy="0"/>
+        </a:xfrm>
+      </p:grpSpPr>
+      <p:sp>
+        <p:nvSpPr>
+          <p:cNvPr id="2" name="Slide Image Placeholder 1"/>
+          <p:cNvSpPr>
+            <a:spLocks noGrp="1" noRot="1" noChangeAspect="1"/>
+          </p:cNvSpPr>
+          <p:nvPr>
+            <p:ph type="sldImg"/>
+          </p:nvPr>
+        </p:nvSpPr>
+        <p:spPr/>
+      </p:sp>
+      <p:sp>
+        <p:nvSpPr>
+          <p:cNvPr id="3" name="Notes Placeholder 2"/>
+          <p:cNvSpPr>
+            <a:spLocks noGrp="1"/>
+          </p:cNvSpPr>
+          <p:nvPr>
+            <p:ph type="body" idx="1"/>
+          </p:nvPr>
+        </p:nvSpPr>
+        <p:spPr/>
+        <p:txBody>
+          <a:bodyPr/>
+          <a:lstStyle/>
+          <a:p>
+            <a:endParaRPr lang="en-US" sz="1200" kern="1200" baseline="0" dirty="0" smtClean="0">
+              <a:solidFill>
+                <a:srgbClr val="000000"/>
+              </a:solidFill>
+              <a:latin typeface="Times New Roman" charset="0"/>
+              <a:ea typeface="+mn-ea"/>
+              <a:cs typeface="+mn-cs"/>
+            </a:endParaRPr>
+          </a:p>
+          <a:p>
+            <a:r>
+              <a:rPr lang="en-US" sz="1200" kern="1200" baseline="0" dirty="0" smtClean="0">
+                <a:solidFill>
+                  <a:srgbClr val="000000"/>
+                </a:solidFill>
+                <a:latin typeface="Times New Roman" charset="0"/>
+                <a:ea typeface="+mn-ea"/>
+                <a:cs typeface="+mn-cs"/>
+              </a:rPr>
+              <a:t>Proposal: we should take a constructive approach---creature construction.</a:t>
+            </a:r>
+          </a:p>
+          <a:p>
+            <a:r>
+              <a:rPr lang="en-US" sz="1200" kern="1200" baseline="0" dirty="0" smtClean="0">
+                <a:solidFill>
+                  <a:srgbClr val="000000"/>
+                </a:solidFill>
+                <a:latin typeface="Times New Roman" charset="0"/>
+                <a:ea typeface="+mn-ea"/>
+                <a:cs typeface="+mn-cs"/>
+              </a:rPr>
+              <a:t>And we should have a model of the attitudes, one that is clearly enough explained that we can tell whether it is capable of explaining a given individual’s </a:t>
+            </a:r>
+            <a:r>
+              <a:rPr lang="en-US" sz="1200" kern="1200" baseline="0" dirty="0" err="1" smtClean="0">
+                <a:solidFill>
+                  <a:srgbClr val="000000"/>
+                </a:solidFill>
+                <a:latin typeface="Times New Roman" charset="0"/>
+                <a:ea typeface="+mn-ea"/>
+                <a:cs typeface="+mn-cs"/>
+              </a:rPr>
+              <a:t>behaviour</a:t>
+            </a:r>
+            <a:r>
+              <a:rPr lang="en-US" sz="1200" kern="1200" baseline="0" dirty="0" smtClean="0">
+                <a:solidFill>
+                  <a:srgbClr val="000000"/>
+                </a:solidFill>
+                <a:latin typeface="Times New Roman" charset="0"/>
+                <a:ea typeface="+mn-ea"/>
+                <a:cs typeface="+mn-cs"/>
+              </a:rPr>
+              <a:t> in a particular case.</a:t>
+            </a:r>
+          </a:p>
+          <a:p>
+            <a:r>
+              <a:rPr lang="en-US" sz="1200" kern="1200" baseline="0" dirty="0" smtClean="0">
+                <a:solidFill>
+                  <a:srgbClr val="000000"/>
+                </a:solidFill>
+                <a:latin typeface="Times New Roman" charset="0"/>
+                <a:ea typeface="+mn-ea"/>
+                <a:cs typeface="+mn-cs"/>
+              </a:rPr>
+              <a:t>***use </a:t>
+            </a:r>
+            <a:r>
+              <a:rPr lang="en-US" sz="1200" kern="1200" baseline="0" dirty="0" err="1" smtClean="0">
+                <a:solidFill>
+                  <a:srgbClr val="000000"/>
+                </a:solidFill>
+                <a:latin typeface="Times New Roman" charset="0"/>
+                <a:ea typeface="+mn-ea"/>
+                <a:cs typeface="+mn-cs"/>
+              </a:rPr>
+              <a:t>Dretske</a:t>
+            </a:r>
+            <a:r>
+              <a:rPr lang="en-US" sz="1200" kern="1200" baseline="0" dirty="0" smtClean="0">
+                <a:solidFill>
+                  <a:srgbClr val="000000"/>
+                </a:solidFill>
+                <a:latin typeface="Times New Roman" charset="0"/>
+                <a:ea typeface="+mn-ea"/>
+                <a:cs typeface="+mn-cs"/>
+              </a:rPr>
+              <a:t> naturalism quote?</a:t>
+            </a:r>
+          </a:p>
+          <a:p>
+            <a:r>
+              <a:rPr lang="en-US" sz="1200" kern="1200" baseline="0" dirty="0" smtClean="0">
+                <a:solidFill>
+                  <a:srgbClr val="000000"/>
+                </a:solidFill>
+                <a:latin typeface="Times New Roman" charset="0"/>
+                <a:ea typeface="+mn-ea"/>
+                <a:cs typeface="+mn-cs"/>
+              </a:rPr>
+              <a:t>***start with mere goals and add in states that modulate, or go straight to decision theory?</a:t>
+            </a:r>
+            <a:endParaRPr lang="en-US" dirty="0"/>
+          </a:p>
+        </p:txBody>
+      </p:sp>
+      <p:sp>
+        <p:nvSpPr>
+          <p:cNvPr id="4" name="Slide Number Placeholder 3"/>
+          <p:cNvSpPr>
+            <a:spLocks noGrp="1"/>
+          </p:cNvSpPr>
+          <p:nvPr>
+            <p:ph type="sldNum" idx="10"/>
+          </p:nvPr>
+        </p:nvSpPr>
+        <p:spPr/>
+        <p:txBody>
+          <a:bodyPr/>
+          <a:lstStyle/>
+          <a:p>
+            <a:fld id="{24688D03-F045-B643-BD3A-F95C8B91471A}" type="slidenum">
+              <a:rPr lang="en-GB" smtClean="0"/>
+              <a:pPr/>
+              <a:t>40</a:t>
+            </a:fld>
+            <a:endParaRPr lang="en-GB"/>
+          </a:p>
+        </p:txBody>
+      </p:sp>
+    </p:spTree>
+    <p:extLst>
+      <p:ext uri="{BB962C8B-B14F-4D97-AF65-F5344CB8AC3E}">
+        <p14:creationId xmlns:p14="http://schemas.microsoft.com/office/powerpoint/2010/main" val="2721690599"/>
+      </p:ext>
+    </p:extLst>
+  </p:cSld>
+  <p:clrMapOvr>
+    <a:masterClrMapping/>
+  </p:clrMapOvr>
+</p:notes>
+</file>
+
+<file path=ppt/notesSlides/notesSlide41.xml><?xml version="1.0" encoding="utf-8"?>
+<p:notes xmlns:a="http://schemas.openxmlformats.org/drawingml/2006/main" xmlns:r="http://schemas.openxmlformats.org/officeDocument/2006/relationships" xmlns:p="http://schemas.openxmlformats.org/presentationml/2006/main">
+  <p:cSld>
+    <p:spTree>
+      <p:nvGrpSpPr>
+        <p:cNvPr id="1" name=""/>
+        <p:cNvGrpSpPr/>
+        <p:nvPr/>
+      </p:nvGrpSpPr>
+      <p:grpSpPr>
+        <a:xfrm>
+          <a:off x="0" y="0"/>
+          <a:ext cx="0" cy="0"/>
+          <a:chOff x="0" y="0"/>
+          <a:chExt cx="0" cy="0"/>
+        </a:xfrm>
+      </p:grpSpPr>
+      <p:sp>
+        <p:nvSpPr>
+          <p:cNvPr id="2" name="Slide Image Placeholder 1"/>
+          <p:cNvSpPr>
+            <a:spLocks noGrp="1" noRot="1" noChangeAspect="1"/>
+          </p:cNvSpPr>
+          <p:nvPr>
+            <p:ph type="sldImg"/>
+          </p:nvPr>
+        </p:nvSpPr>
+        <p:spPr/>
+      </p:sp>
+      <p:sp>
+        <p:nvSpPr>
+          <p:cNvPr id="3" name="Notes Placeholder 2"/>
+          <p:cNvSpPr>
+            <a:spLocks noGrp="1"/>
+          </p:cNvSpPr>
+          <p:nvPr>
+            <p:ph type="body" idx="1"/>
+          </p:nvPr>
+        </p:nvSpPr>
+        <p:spPr/>
+        <p:txBody>
+          <a:bodyPr/>
+          <a:lstStyle/>
+          <a:p>
+            <a:endParaRPr lang="en-US" sz="1200" kern="1200" baseline="0" dirty="0" smtClean="0">
+              <a:solidFill>
+                <a:srgbClr val="000000"/>
+              </a:solidFill>
+              <a:latin typeface="Times New Roman" charset="0"/>
+              <a:ea typeface="+mn-ea"/>
+              <a:cs typeface="+mn-cs"/>
+            </a:endParaRPr>
+          </a:p>
+          <a:p>
+            <a:r>
+              <a:rPr lang="en-US" sz="1200" kern="1200" baseline="0" dirty="0" smtClean="0">
+                <a:solidFill>
+                  <a:srgbClr val="000000"/>
+                </a:solidFill>
+                <a:latin typeface="Times New Roman" charset="0"/>
+                <a:ea typeface="+mn-ea"/>
+                <a:cs typeface="+mn-cs"/>
+              </a:rPr>
+              <a:t>Proposal: we should take a constructive approach---creature construction.</a:t>
+            </a:r>
+          </a:p>
+          <a:p>
+            <a:r>
+              <a:rPr lang="en-US" sz="1200" kern="1200" baseline="0" dirty="0" smtClean="0">
+                <a:solidFill>
+                  <a:srgbClr val="000000"/>
+                </a:solidFill>
+                <a:latin typeface="Times New Roman" charset="0"/>
+                <a:ea typeface="+mn-ea"/>
+                <a:cs typeface="+mn-cs"/>
+              </a:rPr>
+              <a:t>And we should have a model of the attitudes, one that is clearly enough explained that we can tell whether it is capable of explaining a given individual’s </a:t>
+            </a:r>
+            <a:r>
+              <a:rPr lang="en-US" sz="1200" kern="1200" baseline="0" dirty="0" err="1" smtClean="0">
+                <a:solidFill>
+                  <a:srgbClr val="000000"/>
+                </a:solidFill>
+                <a:latin typeface="Times New Roman" charset="0"/>
+                <a:ea typeface="+mn-ea"/>
+                <a:cs typeface="+mn-cs"/>
+              </a:rPr>
+              <a:t>behaviour</a:t>
+            </a:r>
+            <a:r>
+              <a:rPr lang="en-US" sz="1200" kern="1200" baseline="0" dirty="0" smtClean="0">
+                <a:solidFill>
+                  <a:srgbClr val="000000"/>
+                </a:solidFill>
+                <a:latin typeface="Times New Roman" charset="0"/>
+                <a:ea typeface="+mn-ea"/>
+                <a:cs typeface="+mn-cs"/>
+              </a:rPr>
+              <a:t> in a particular case.</a:t>
+            </a:r>
+          </a:p>
+          <a:p>
+            <a:r>
+              <a:rPr lang="en-US" sz="1200" kern="1200" baseline="0" dirty="0" smtClean="0">
+                <a:solidFill>
+                  <a:srgbClr val="000000"/>
+                </a:solidFill>
+                <a:latin typeface="Times New Roman" charset="0"/>
+                <a:ea typeface="+mn-ea"/>
+                <a:cs typeface="+mn-cs"/>
+              </a:rPr>
+              <a:t>***use </a:t>
+            </a:r>
+            <a:r>
+              <a:rPr lang="en-US" sz="1200" kern="1200" baseline="0" dirty="0" err="1" smtClean="0">
+                <a:solidFill>
+                  <a:srgbClr val="000000"/>
+                </a:solidFill>
+                <a:latin typeface="Times New Roman" charset="0"/>
+                <a:ea typeface="+mn-ea"/>
+                <a:cs typeface="+mn-cs"/>
+              </a:rPr>
+              <a:t>Dretske</a:t>
+            </a:r>
+            <a:r>
+              <a:rPr lang="en-US" sz="1200" kern="1200" baseline="0" dirty="0" smtClean="0">
+                <a:solidFill>
+                  <a:srgbClr val="000000"/>
+                </a:solidFill>
+                <a:latin typeface="Times New Roman" charset="0"/>
+                <a:ea typeface="+mn-ea"/>
+                <a:cs typeface="+mn-cs"/>
+              </a:rPr>
+              <a:t> naturalism quote?</a:t>
+            </a:r>
+          </a:p>
+          <a:p>
+            <a:r>
+              <a:rPr lang="en-US" sz="1200" kern="1200" baseline="0" dirty="0" smtClean="0">
+                <a:solidFill>
+                  <a:srgbClr val="000000"/>
+                </a:solidFill>
+                <a:latin typeface="Times New Roman" charset="0"/>
+                <a:ea typeface="+mn-ea"/>
+                <a:cs typeface="+mn-cs"/>
+              </a:rPr>
+              <a:t>***start with mere goals and add in states that modulate, or go straight to decision theory?</a:t>
+            </a:r>
+            <a:endParaRPr lang="en-US" dirty="0"/>
+          </a:p>
+        </p:txBody>
+      </p:sp>
+      <p:sp>
+        <p:nvSpPr>
+          <p:cNvPr id="4" name="Slide Number Placeholder 3"/>
+          <p:cNvSpPr>
+            <a:spLocks noGrp="1"/>
+          </p:cNvSpPr>
+          <p:nvPr>
+            <p:ph type="sldNum" idx="10"/>
+          </p:nvPr>
+        </p:nvSpPr>
+        <p:spPr/>
+        <p:txBody>
+          <a:bodyPr/>
+          <a:lstStyle/>
+          <a:p>
+            <a:fld id="{24688D03-F045-B643-BD3A-F95C8B91471A}" type="slidenum">
+              <a:rPr lang="en-GB" smtClean="0"/>
+              <a:pPr/>
+              <a:t>41</a:t>
+            </a:fld>
+            <a:endParaRPr lang="en-GB"/>
+          </a:p>
+        </p:txBody>
+      </p:sp>
+    </p:spTree>
+    <p:extLst>
+      <p:ext uri="{BB962C8B-B14F-4D97-AF65-F5344CB8AC3E}">
+        <p14:creationId xmlns:p14="http://schemas.microsoft.com/office/powerpoint/2010/main" val="2721690599"/>
+      </p:ext>
+    </p:extLst>
+  </p:cSld>
+  <p:clrMapOvr>
+    <a:masterClrMapping/>
+  </p:clrMapOvr>
+</p:notes>
+</file>
+
+<file path=ppt/notesSlides/notesSlide42.xml><?xml version="1.0" encoding="utf-8"?>
+<p:notes xmlns:a="http://schemas.openxmlformats.org/drawingml/2006/main" xmlns:r="http://schemas.openxmlformats.org/officeDocument/2006/relationships" xmlns:p="http://schemas.openxmlformats.org/presentationml/2006/main">
+  <p:cSld>
+    <p:spTree>
+      <p:nvGrpSpPr>
+        <p:cNvPr id="1" name=""/>
+        <p:cNvGrpSpPr/>
+        <p:nvPr/>
+      </p:nvGrpSpPr>
+      <p:grpSpPr>
+        <a:xfrm>
+          <a:off x="0" y="0"/>
+          <a:ext cx="0" cy="0"/>
+          <a:chOff x="0" y="0"/>
+          <a:chExt cx="0" cy="0"/>
+        </a:xfrm>
+      </p:grpSpPr>
+      <p:sp>
+        <p:nvSpPr>
+          <p:cNvPr id="2" name="Slide Image Placeholder 1"/>
+          <p:cNvSpPr>
+            <a:spLocks noGrp="1" noRot="1" noChangeAspect="1"/>
+          </p:cNvSpPr>
+          <p:nvPr>
+            <p:ph type="sldImg"/>
+          </p:nvPr>
+        </p:nvSpPr>
+        <p:spPr/>
+      </p:sp>
+      <p:sp>
+        <p:nvSpPr>
+          <p:cNvPr id="3" name="Notes Placeholder 2"/>
+          <p:cNvSpPr>
+            <a:spLocks noGrp="1"/>
+          </p:cNvSpPr>
+          <p:nvPr>
+            <p:ph type="body" idx="1"/>
+          </p:nvPr>
+        </p:nvSpPr>
+        <p:spPr/>
+        <p:txBody>
+          <a:bodyPr/>
+          <a:lstStyle/>
+          <a:p>
+            <a:endParaRPr lang="en-US" sz="1200" kern="1200" baseline="0" dirty="0" smtClean="0">
+              <a:solidFill>
+                <a:srgbClr val="000000"/>
+              </a:solidFill>
+              <a:latin typeface="Times New Roman" charset="0"/>
+              <a:ea typeface="+mn-ea"/>
+              <a:cs typeface="+mn-cs"/>
+            </a:endParaRPr>
+          </a:p>
+          <a:p>
+            <a:r>
+              <a:rPr lang="en-US" sz="1200" kern="1200" baseline="0" dirty="0" smtClean="0">
+                <a:solidFill>
+                  <a:srgbClr val="000000"/>
+                </a:solidFill>
+                <a:latin typeface="Times New Roman" charset="0"/>
+                <a:ea typeface="+mn-ea"/>
+                <a:cs typeface="+mn-cs"/>
+              </a:rPr>
+              <a:t>Proposal: we should take a constructive approach---creature construction.</a:t>
+            </a:r>
+          </a:p>
+          <a:p>
+            <a:r>
+              <a:rPr lang="en-US" sz="1200" kern="1200" baseline="0" dirty="0" smtClean="0">
+                <a:solidFill>
+                  <a:srgbClr val="000000"/>
+                </a:solidFill>
+                <a:latin typeface="Times New Roman" charset="0"/>
+                <a:ea typeface="+mn-ea"/>
+                <a:cs typeface="+mn-cs"/>
+              </a:rPr>
+              <a:t>And we should have a model of the attitudes, one that is clearly enough explained that we can tell whether it is capable of explaining a given individual’s </a:t>
+            </a:r>
+            <a:r>
+              <a:rPr lang="en-US" sz="1200" kern="1200" baseline="0" dirty="0" err="1" smtClean="0">
+                <a:solidFill>
+                  <a:srgbClr val="000000"/>
+                </a:solidFill>
+                <a:latin typeface="Times New Roman" charset="0"/>
+                <a:ea typeface="+mn-ea"/>
+                <a:cs typeface="+mn-cs"/>
+              </a:rPr>
+              <a:t>behaviour</a:t>
+            </a:r>
+            <a:r>
+              <a:rPr lang="en-US" sz="1200" kern="1200" baseline="0" dirty="0" smtClean="0">
+                <a:solidFill>
+                  <a:srgbClr val="000000"/>
+                </a:solidFill>
+                <a:latin typeface="Times New Roman" charset="0"/>
+                <a:ea typeface="+mn-ea"/>
+                <a:cs typeface="+mn-cs"/>
+              </a:rPr>
+              <a:t> in a particular case.</a:t>
+            </a:r>
+          </a:p>
+          <a:p>
+            <a:r>
+              <a:rPr lang="en-US" sz="1200" kern="1200" baseline="0" dirty="0" smtClean="0">
+                <a:solidFill>
+                  <a:srgbClr val="000000"/>
+                </a:solidFill>
+                <a:latin typeface="Times New Roman" charset="0"/>
+                <a:ea typeface="+mn-ea"/>
+                <a:cs typeface="+mn-cs"/>
+              </a:rPr>
+              <a:t>***use </a:t>
+            </a:r>
+            <a:r>
+              <a:rPr lang="en-US" sz="1200" kern="1200" baseline="0" dirty="0" err="1" smtClean="0">
+                <a:solidFill>
+                  <a:srgbClr val="000000"/>
+                </a:solidFill>
+                <a:latin typeface="Times New Roman" charset="0"/>
+                <a:ea typeface="+mn-ea"/>
+                <a:cs typeface="+mn-cs"/>
+              </a:rPr>
+              <a:t>Dretske</a:t>
+            </a:r>
+            <a:r>
+              <a:rPr lang="en-US" sz="1200" kern="1200" baseline="0" dirty="0" smtClean="0">
+                <a:solidFill>
+                  <a:srgbClr val="000000"/>
+                </a:solidFill>
+                <a:latin typeface="Times New Roman" charset="0"/>
+                <a:ea typeface="+mn-ea"/>
+                <a:cs typeface="+mn-cs"/>
+              </a:rPr>
+              <a:t> naturalism quote?</a:t>
+            </a:r>
+          </a:p>
+          <a:p>
+            <a:r>
+              <a:rPr lang="en-US" sz="1200" kern="1200" baseline="0" dirty="0" smtClean="0">
+                <a:solidFill>
+                  <a:srgbClr val="000000"/>
+                </a:solidFill>
+                <a:latin typeface="Times New Roman" charset="0"/>
+                <a:ea typeface="+mn-ea"/>
+                <a:cs typeface="+mn-cs"/>
+              </a:rPr>
+              <a:t>***start with mere goals and add in states that modulate, or go straight to decision theory?</a:t>
+            </a:r>
+            <a:endParaRPr lang="en-US" dirty="0"/>
+          </a:p>
+        </p:txBody>
+      </p:sp>
+      <p:sp>
+        <p:nvSpPr>
+          <p:cNvPr id="4" name="Slide Number Placeholder 3"/>
+          <p:cNvSpPr>
+            <a:spLocks noGrp="1"/>
+          </p:cNvSpPr>
+          <p:nvPr>
+            <p:ph type="sldNum" idx="10"/>
+          </p:nvPr>
+        </p:nvSpPr>
+        <p:spPr/>
+        <p:txBody>
+          <a:bodyPr/>
+          <a:lstStyle/>
+          <a:p>
+            <a:fld id="{24688D03-F045-B643-BD3A-F95C8B91471A}" type="slidenum">
+              <a:rPr lang="en-GB" smtClean="0"/>
+              <a:pPr/>
+              <a:t>42</a:t>
+            </a:fld>
+            <a:endParaRPr lang="en-GB"/>
+          </a:p>
+        </p:txBody>
+      </p:sp>
+    </p:spTree>
+    <p:extLst>
+      <p:ext uri="{BB962C8B-B14F-4D97-AF65-F5344CB8AC3E}">
+        <p14:creationId xmlns:p14="http://schemas.microsoft.com/office/powerpoint/2010/main" val="2721690599"/>
+      </p:ext>
+    </p:extLst>
+  </p:cSld>
+  <p:clrMapOvr>
+    <a:masterClrMapping/>
+  </p:clrMapOvr>
+</p:notes>
+</file>
+
+<file path=ppt/notesSlides/notesSlide43.xml><?xml version="1.0" encoding="utf-8"?>
+<p:notes xmlns:a="http://schemas.openxmlformats.org/drawingml/2006/main" xmlns:r="http://schemas.openxmlformats.org/officeDocument/2006/relationships" xmlns:p="http://schemas.openxmlformats.org/presentationml/2006/main">
+  <p:cSld>
+    <p:bg>
+      <p:bgPr>
+        <a:solidFill>
+          <a:srgbClr val="FFFFFF"/>
+        </a:solidFill>
+        <a:effectLst/>
+      </p:bgPr>
+    </p:bg>
+    <p:spTree>
+      <p:nvGrpSpPr>
+        <p:cNvPr id="1" name=""/>
+        <p:cNvGrpSpPr/>
+        <p:nvPr/>
+      </p:nvGrpSpPr>
+      <p:grpSpPr>
+        <a:xfrm>
+          <a:off x="0" y="0"/>
+          <a:ext cx="0" cy="0"/>
+          <a:chOff x="0" y="0"/>
+          <a:chExt cx="0" cy="0"/>
+        </a:xfrm>
+      </p:grpSpPr>
+      <p:sp>
+        <p:nvSpPr>
+          <p:cNvPr id="4" name="Rectangle 7"/>
+          <p:cNvSpPr>
+            <a:spLocks noGrp="1" noChangeArrowheads="1"/>
+          </p:cNvSpPr>
+          <p:nvPr>
+            <p:ph type="sldNum"/>
+          </p:nvPr>
+        </p:nvSpPr>
+        <p:spPr>
+          <a:ln/>
+        </p:spPr>
+        <p:txBody>
+          <a:bodyPr/>
+          <a:lstStyle/>
+          <a:p>
+            <a:fld id="{0C23BE51-E56D-C34D-8751-203456E9F0D8}" type="slidenum">
+              <a:rPr lang="en-GB"/>
+              <a:pPr/>
+              <a:t>43</a:t>
+            </a:fld>
+            <a:endParaRPr lang="en-GB" dirty="0"/>
+          </a:p>
+        </p:txBody>
+      </p:sp>
+      <p:sp>
+        <p:nvSpPr>
+          <p:cNvPr id="14337" name="Text Box 1"/>
+          <p:cNvSpPr txBox="1">
+            <a:spLocks noGrp="1" noRot="1" noChangeAspect="1" noChangeArrowheads="1"/>
+          </p:cNvSpPr>
+          <p:nvPr>
+            <p:ph type="sldImg"/>
+          </p:nvPr>
+        </p:nvSpPr>
+        <p:spPr bwMode="auto">
+          <a:xfrm>
+            <a:off x="3263900" y="509588"/>
+            <a:ext cx="3398838" cy="2549525"/>
+          </a:xfrm>
+          <a:prstGeom prst="rect">
+            <a:avLst/>
+          </a:prstGeom>
+          <a:solidFill>
+            <a:srgbClr val="FFFFFF"/>
+          </a:solidFill>
+          <a:ln>
+            <a:solidFill>
+              <a:srgbClr val="000000"/>
+            </a:solidFill>
+            <a:miter lim="800000"/>
+            <a:headEnd/>
+            <a:tailEnd/>
+          </a:ln>
+        </p:spPr>
+      </p:sp>
+      <p:sp>
+        <p:nvSpPr>
+          <p:cNvPr id="14338" name="Text Box 2"/>
+          <p:cNvSpPr txBox="1">
+            <a:spLocks noGrp="1" noChangeArrowheads="1"/>
+          </p:cNvSpPr>
+          <p:nvPr>
+            <p:ph type="body" idx="1"/>
+          </p:nvPr>
+        </p:nvSpPr>
+        <p:spPr bwMode="auto">
+          <a:xfrm>
+            <a:off x="992274" y="3228468"/>
+            <a:ext cx="7942821" cy="3123027"/>
+          </a:xfrm>
+          <a:prstGeom prst="rect">
+            <a:avLst/>
+          </a:prstGeom>
+          <a:noFill/>
+          <a:ln>
+            <a:round/>
+            <a:headEnd/>
+            <a:tailEnd/>
+          </a:ln>
+        </p:spPr>
+        <p:txBody>
+          <a:bodyPr wrap="none" anchor="ctr">
+            <a:prstTxWarp prst="textNoShape">
+              <a:avLst/>
+            </a:prstTxWarp>
+          </a:bodyPr>
+          <a:lstStyle/>
+          <a:p>
+            <a:pPr marL="0" marR="0" indent="0" algn="l" defTabSz="449263" rtl="0" eaLnBrk="0" fontAlgn="base" latinLnBrk="0" hangingPunct="0">
+              <a:lnSpc>
+                <a:spcPct val="100000"/>
+              </a:lnSpc>
+              <a:spcBef>
+                <a:spcPct val="30000"/>
+              </a:spcBef>
+              <a:spcAft>
+                <a:spcPct val="0"/>
+              </a:spcAft>
+              <a:buClr>
+                <a:srgbClr val="000000"/>
+              </a:buClr>
+              <a:buSzPct val="100000"/>
+              <a:buFont typeface="Times New Roman" charset="0"/>
+              <a:buNone/>
+              <a:tabLst/>
+              <a:defRPr/>
+            </a:pPr>
+            <a:endParaRPr lang="en-GB" i="0" baseline="0" dirty="0" smtClean="0">
+              <a:effectLst>
+                <a:glow rad="101600">
+                  <a:srgbClr val="000000"/>
+                </a:glow>
+              </a:effectLst>
+            </a:endParaRPr>
+          </a:p>
+        </p:txBody>
+      </p:sp>
+    </p:spTree>
+  </p:cSld>
+  <p:clrMapOvr>
+    <a:masterClrMapping/>
+  </p:clrMapOvr>
+</p:notes>
+</file>
+
+<file path=ppt/notesSlides/notesSlide44.xml><?xml version="1.0" encoding="utf-8"?>
+<p:notes xmlns:a="http://schemas.openxmlformats.org/drawingml/2006/main" xmlns:r="http://schemas.openxmlformats.org/officeDocument/2006/relationships" xmlns:p="http://schemas.openxmlformats.org/presentationml/2006/main">
+  <p:cSld>
+    <p:bg>
+      <p:bgPr>
+        <a:solidFill>
+          <a:srgbClr val="FFFFFF"/>
+        </a:solidFill>
+        <a:effectLst/>
+      </p:bgPr>
+    </p:bg>
+    <p:spTree>
+      <p:nvGrpSpPr>
+        <p:cNvPr id="1" name=""/>
+        <p:cNvGrpSpPr/>
+        <p:nvPr/>
+      </p:nvGrpSpPr>
+      <p:grpSpPr>
+        <a:xfrm>
+          <a:off x="0" y="0"/>
+          <a:ext cx="0" cy="0"/>
+          <a:chOff x="0" y="0"/>
+          <a:chExt cx="0" cy="0"/>
+        </a:xfrm>
+      </p:grpSpPr>
+      <p:sp>
+        <p:nvSpPr>
+          <p:cNvPr id="4" name="Rectangle 7"/>
+          <p:cNvSpPr>
+            <a:spLocks noGrp="1" noChangeArrowheads="1"/>
+          </p:cNvSpPr>
+          <p:nvPr>
+            <p:ph type="sldNum"/>
+          </p:nvPr>
+        </p:nvSpPr>
+        <p:spPr>
+          <a:ln/>
+        </p:spPr>
+        <p:txBody>
+          <a:bodyPr/>
+          <a:lstStyle/>
+          <a:p>
+            <a:fld id="{0C23BE51-E56D-C34D-8751-203456E9F0D8}" type="slidenum">
+              <a:rPr lang="en-GB"/>
+              <a:pPr/>
+              <a:t>44</a:t>
+            </a:fld>
+            <a:endParaRPr lang="en-GB" dirty="0"/>
+          </a:p>
+        </p:txBody>
+      </p:sp>
+      <p:sp>
+        <p:nvSpPr>
+          <p:cNvPr id="14337" name="Text Box 1"/>
+          <p:cNvSpPr txBox="1">
+            <a:spLocks noGrp="1" noRot="1" noChangeAspect="1" noChangeArrowheads="1"/>
+          </p:cNvSpPr>
+          <p:nvPr>
+            <p:ph type="sldImg"/>
+          </p:nvPr>
+        </p:nvSpPr>
+        <p:spPr bwMode="auto">
+          <a:xfrm>
+            <a:off x="3263900" y="509588"/>
+            <a:ext cx="3398838" cy="2549525"/>
+          </a:xfrm>
+          <a:prstGeom prst="rect">
+            <a:avLst/>
+          </a:prstGeom>
+          <a:solidFill>
+            <a:srgbClr val="FFFFFF"/>
+          </a:solidFill>
+          <a:ln>
+            <a:solidFill>
+              <a:srgbClr val="000000"/>
+            </a:solidFill>
+            <a:miter lim="800000"/>
+            <a:headEnd/>
+            <a:tailEnd/>
+          </a:ln>
+        </p:spPr>
+      </p:sp>
+      <p:sp>
+        <p:nvSpPr>
+          <p:cNvPr id="14338" name="Text Box 2"/>
+          <p:cNvSpPr txBox="1">
+            <a:spLocks noGrp="1" noChangeArrowheads="1"/>
+          </p:cNvSpPr>
+          <p:nvPr>
+            <p:ph type="body" idx="1"/>
+          </p:nvPr>
+        </p:nvSpPr>
+        <p:spPr bwMode="auto">
+          <a:xfrm>
+            <a:off x="992274" y="3228468"/>
+            <a:ext cx="7942821" cy="3123027"/>
+          </a:xfrm>
+          <a:prstGeom prst="rect">
+            <a:avLst/>
+          </a:prstGeom>
+          <a:noFill/>
+          <a:ln>
+            <a:round/>
+            <a:headEnd/>
+            <a:tailEnd/>
+          </a:ln>
+        </p:spPr>
+        <p:txBody>
+          <a:bodyPr wrap="none" anchor="ctr">
+            <a:prstTxWarp prst="textNoShape">
+              <a:avLst/>
+            </a:prstTxWarp>
+          </a:bodyPr>
+          <a:lstStyle/>
+          <a:p>
+            <a:pPr marL="0" marR="0" indent="0" algn="l" defTabSz="449263" rtl="0" eaLnBrk="0" fontAlgn="base" latinLnBrk="0" hangingPunct="0">
+              <a:lnSpc>
+                <a:spcPct val="100000"/>
+              </a:lnSpc>
+              <a:spcBef>
+                <a:spcPct val="30000"/>
+              </a:spcBef>
+              <a:spcAft>
+                <a:spcPct val="0"/>
+              </a:spcAft>
+              <a:buClr>
+                <a:srgbClr val="000000"/>
+              </a:buClr>
+              <a:buSzPct val="100000"/>
+              <a:buFont typeface="Times New Roman" charset="0"/>
+              <a:buNone/>
+              <a:tabLst/>
+              <a:defRPr/>
+            </a:pPr>
+            <a:endParaRPr lang="en-GB" i="0" baseline="0" dirty="0" smtClean="0">
+              <a:effectLst>
+                <a:glow rad="101600">
+                  <a:srgbClr val="000000"/>
+                </a:glow>
+              </a:effectLst>
+            </a:endParaRPr>
+          </a:p>
+        </p:txBody>
+      </p:sp>
+    </p:spTree>
+  </p:cSld>
+  <p:clrMapOvr>
+    <a:masterClrMapping/>
+  </p:clrMapOvr>
+</p:notes>
+</file>
+
+<file path=ppt/notesSlides/notesSlide45.xml><?xml version="1.0" encoding="utf-8"?>
+<p:notes xmlns:a="http://schemas.openxmlformats.org/drawingml/2006/main" xmlns:r="http://schemas.openxmlformats.org/officeDocument/2006/relationships" xmlns:p="http://schemas.openxmlformats.org/presentationml/2006/main">
+  <p:cSld>
+    <p:bg>
+      <p:bgPr>
+        <a:solidFill>
+          <a:srgbClr val="FFFFFF"/>
+        </a:solidFill>
+        <a:effectLst/>
+      </p:bgPr>
+    </p:bg>
+    <p:spTree>
+      <p:nvGrpSpPr>
+        <p:cNvPr id="1" name=""/>
+        <p:cNvGrpSpPr/>
+        <p:nvPr/>
+      </p:nvGrpSpPr>
+      <p:grpSpPr>
+        <a:xfrm>
+          <a:off x="0" y="0"/>
+          <a:ext cx="0" cy="0"/>
+          <a:chOff x="0" y="0"/>
+          <a:chExt cx="0" cy="0"/>
+        </a:xfrm>
+      </p:grpSpPr>
+      <p:sp>
+        <p:nvSpPr>
+          <p:cNvPr id="4" name="Rectangle 7"/>
+          <p:cNvSpPr>
+            <a:spLocks noGrp="1" noChangeArrowheads="1"/>
+          </p:cNvSpPr>
+          <p:nvPr>
+            <p:ph type="sldNum"/>
+          </p:nvPr>
+        </p:nvSpPr>
+        <p:spPr>
+          <a:ln/>
+        </p:spPr>
+        <p:txBody>
+          <a:bodyPr/>
+          <a:lstStyle/>
+          <a:p>
+            <a:fld id="{0C23BE51-E56D-C34D-8751-203456E9F0D8}" type="slidenum">
+              <a:rPr lang="en-GB"/>
+              <a:pPr/>
+              <a:t>45</a:t>
+            </a:fld>
+            <a:endParaRPr lang="en-GB"/>
+          </a:p>
+        </p:txBody>
+      </p:sp>
+      <p:sp>
+        <p:nvSpPr>
+          <p:cNvPr id="14337" name="Text Box 1"/>
+          <p:cNvSpPr txBox="1">
+            <a:spLocks noGrp="1" noRot="1" noChangeAspect="1" noChangeArrowheads="1"/>
+          </p:cNvSpPr>
+          <p:nvPr>
+            <p:ph type="sldImg"/>
+          </p:nvPr>
+        </p:nvSpPr>
+        <p:spPr bwMode="auto">
+          <a:xfrm>
+            <a:off x="3263900" y="509588"/>
+            <a:ext cx="3398838" cy="2549525"/>
+          </a:xfrm>
+          <a:prstGeom prst="rect">
+            <a:avLst/>
+          </a:prstGeom>
+          <a:solidFill>
+            <a:srgbClr val="FFFFFF"/>
+          </a:solidFill>
+          <a:ln>
+            <a:solidFill>
+              <a:srgbClr val="000000"/>
+            </a:solidFill>
+            <a:miter lim="800000"/>
+            <a:headEnd/>
+            <a:tailEnd/>
+          </a:ln>
+        </p:spPr>
+      </p:sp>
+      <p:sp>
+        <p:nvSpPr>
+          <p:cNvPr id="14338" name="Text Box 2"/>
+          <p:cNvSpPr txBox="1">
+            <a:spLocks noGrp="1" noChangeArrowheads="1"/>
+          </p:cNvSpPr>
+          <p:nvPr>
+            <p:ph type="body" idx="1"/>
+          </p:nvPr>
+        </p:nvSpPr>
+        <p:spPr bwMode="auto">
+          <a:xfrm>
+            <a:off x="992274" y="3228468"/>
+            <a:ext cx="7942821" cy="3123027"/>
+          </a:xfrm>
+          <a:prstGeom prst="rect">
+            <a:avLst/>
+          </a:prstGeom>
+          <a:noFill/>
+          <a:ln>
+            <a:round/>
+            <a:headEnd/>
+            <a:tailEnd/>
+          </a:ln>
+        </p:spPr>
+        <p:txBody>
+          <a:bodyPr wrap="none" anchor="ctr">
+            <a:prstTxWarp prst="textNoShape">
+              <a:avLst/>
+            </a:prstTxWarp>
+          </a:bodyPr>
+          <a:lstStyle/>
+          <a:p>
+            <a:endParaRPr lang="en-US" dirty="0"/>
+          </a:p>
+        </p:txBody>
+      </p:sp>
+    </p:spTree>
   </p:cSld>
   <p:clrMapOvr>
     <a:masterClrMapping/>
@@ -25254,6 +28035,49 @@
           <a:chExt cx="0" cy="0"/>
         </a:xfrm>
       </p:grpSpPr>
+      <p:cxnSp>
+        <p:nvCxnSpPr>
+          <p:cNvPr id="3" name="Straight Arrow Connector 2"/>
+          <p:cNvCxnSpPr/>
+          <p:nvPr/>
+        </p:nvCxnSpPr>
+        <p:spPr bwMode="auto">
+          <a:xfrm>
+            <a:off x="2123728" y="1052736"/>
+            <a:ext cx="4608512" cy="4824536"/>
+          </a:xfrm>
+          <a:prstGeom prst="straightConnector1">
+            <a:avLst/>
+          </a:prstGeom>
+          <a:solidFill>
+            <a:srgbClr val="00B8FF"/>
+          </a:solidFill>
+          <a:ln w="38100" cap="flat" cmpd="sng" algn="ctr">
+            <a:gradFill flip="none" rotWithShape="1">
+              <a:gsLst>
+                <a:gs pos="0">
+                  <a:srgbClr val="FFFFFF"/>
+                </a:gs>
+                <a:gs pos="100000">
+                  <a:schemeClr val="bg1"/>
+                </a:gs>
+                <a:gs pos="50000">
+                  <a:schemeClr val="tx1">
+                    <a:alpha val="0"/>
+                  </a:schemeClr>
+                </a:gs>
+              </a:gsLst>
+              <a:lin ang="0" scaled="1"/>
+              <a:tileRect/>
+            </a:gradFill>
+            <a:prstDash val="dash"/>
+            <a:round/>
+            <a:headEnd type="arrow" w="lg" len="lg"/>
+            <a:tailEnd type="arrow" w="lg" len="lg"/>
+          </a:ln>
+          <a:effectLst/>
+        </p:spPr>
+      </p:cxnSp>
       <p:sp>
         <p:nvSpPr>
           <p:cNvPr id="15362" name="Rectangle 4"/>
@@ -25310,6 +28134,139 @@
                 </a:effectLst>
               </a:rPr>
               <a:t>Creature construction</a:t>
+            </a:r>
+            <a:endParaRPr lang="en-GB" i="0" dirty="0">
+              <a:effectLst>
+                <a:glow rad="101600">
+                  <a:srgbClr val="000000"/>
+                </a:glow>
+              </a:effectLst>
+            </a:endParaRPr>
+          </a:p>
+        </p:txBody>
+      </p:sp>
+      <p:sp>
+        <p:nvSpPr>
+          <p:cNvPr id="6" name="Rectangle 4"/>
+          <p:cNvSpPr>
+            <a:spLocks noChangeArrowheads="1"/>
+          </p:cNvSpPr>
+          <p:nvPr/>
+        </p:nvSpPr>
+        <p:spPr bwMode="auto">
+          <a:xfrm>
+            <a:off x="467147" y="404664"/>
+            <a:ext cx="5761037" cy="430887"/>
+          </a:xfrm>
+          <a:prstGeom prst="rect">
+            <a:avLst/>
+          </a:prstGeom>
+          <a:noFill/>
+          <a:ln>
+            <a:noFill/>
+          </a:ln>
+          <a:extLst>
+            <a:ext uri="{909E8E84-426E-40dd-AFC4-6F175D3DCCD1}">
+              <a14:hiddenFill xmlns:a14="http://schemas.microsoft.com/office/drawing/2010/main">
+                <a:solidFill>
+                  <a:srgbClr val="FFFFFF"/>
+                </a:solidFill>
+              </a14:hiddenFill>
+            </a:ext>
+            <a:ext uri="{91240B29-F687-4f45-9708-019B960494DF}">
+              <a14:hiddenLine xmlns:a14="http://schemas.microsoft.com/office/drawing/2010/main" w="9525">
+                <a:solidFill>
+                  <a:srgbClr val="000000"/>
+                </a:solidFill>
+                <a:miter lim="800000"/>
+                <a:headEnd/>
+                <a:tailEnd/>
+              </a14:hiddenLine>
+            </a:ext>
+          </a:extLst>
+        </p:spPr>
+        <p:txBody>
+          <a:bodyPr anchor="ctr">
+            <a:spAutoFit/>
+          </a:bodyPr>
+          <a:lstStyle/>
+          <a:p>
+            <a:r>
+              <a:rPr lang="en-GB" altLang="ja-JP" i="0" dirty="0" smtClean="0">
+                <a:effectLst>
+                  <a:glow rad="101600">
+                    <a:srgbClr val="000000"/>
+                  </a:glow>
+                </a:effectLst>
+              </a:rPr>
+              <a:t>Merely purposive agent </a:t>
+            </a:r>
+            <a:endParaRPr lang="en-GB" i="0" dirty="0">
+              <a:effectLst>
+                <a:glow rad="101600">
+                  <a:srgbClr val="000000"/>
+                </a:glow>
+              </a:effectLst>
+            </a:endParaRPr>
+          </a:p>
+        </p:txBody>
+      </p:sp>
+      <p:sp>
+        <p:nvSpPr>
+          <p:cNvPr id="7" name="Rectangle 4"/>
+          <p:cNvSpPr>
+            <a:spLocks noChangeArrowheads="1"/>
+          </p:cNvSpPr>
+          <p:nvPr/>
+        </p:nvSpPr>
+        <p:spPr bwMode="auto">
+          <a:xfrm>
+            <a:off x="1259632" y="6093296"/>
+            <a:ext cx="7489229" cy="430887"/>
+          </a:xfrm>
+          <a:prstGeom prst="rect">
+            <a:avLst/>
+          </a:prstGeom>
+          <a:noFill/>
+          <a:ln>
+            <a:noFill/>
+          </a:ln>
+          <a:extLst>
+            <a:ext uri="{909E8E84-426E-40dd-AFC4-6F175D3DCCD1}">
+              <a14:hiddenFill xmlns:a14="http://schemas.microsoft.com/office/drawing/2010/main">
+                <a:solidFill>
+                  <a:srgbClr val="FFFFFF"/>
+                </a:solidFill>
+              </a14:hiddenFill>
+            </a:ext>
+            <a:ext uri="{91240B29-F687-4f45-9708-019B960494DF}">
+              <a14:hiddenLine xmlns:a14="http://schemas.microsoft.com/office/drawing/2010/main" w="9525">
+                <a:solidFill>
+                  <a:srgbClr val="000000"/>
+                </a:solidFill>
+                <a:miter lim="800000"/>
+                <a:headEnd/>
+                <a:tailEnd/>
+              </a14:hiddenLine>
+            </a:ext>
+          </a:extLst>
+        </p:spPr>
+        <p:txBody>
+          <a:bodyPr wrap="square" anchor="ctr">
+            <a:spAutoFit/>
+          </a:bodyPr>
+          <a:lstStyle/>
+          <a:p>
+            <a:pPr algn="r"/>
+            <a:r>
+              <a:rPr lang="en-GB" altLang="ja-JP" i="0" dirty="0" smtClean="0">
+                <a:effectLst>
+                  <a:glow rad="101600">
+                    <a:srgbClr val="000000"/>
+                  </a:glow>
+                </a:effectLst>
+              </a:rPr>
+              <a:t>Self-knowing, truth-seeking ...</a:t>
             </a:r>
             <a:endParaRPr lang="en-GB" i="0" dirty="0">
               <a:effectLst>
@@ -25792,40 +28749,302 @@
           <a:chExt cx="0" cy="0"/>
         </a:xfrm>
       </p:grpSpPr>
+      <p:sp>
+        <p:nvSpPr>
+          <p:cNvPr id="15362" name="Rectangle 4"/>
+          <p:cNvSpPr>
+            <a:spLocks noChangeArrowheads="1"/>
+          </p:cNvSpPr>
+          <p:nvPr/>
+        </p:nvSpPr>
+        <p:spPr bwMode="auto">
+          <a:xfrm>
+            <a:off x="1691482" y="980728"/>
+            <a:ext cx="5761037" cy="430887"/>
+          </a:xfrm>
+          <a:prstGeom prst="rect">
+            <a:avLst/>
+          </a:prstGeom>
+          <a:noFill/>
+          <a:ln>
+            <a:noFill/>
+          </a:ln>
+          <a:extLst>
+            <a:ext uri="{909E8E84-426E-40dd-AFC4-6F175D3DCCD1}">
+              <a14:hiddenFill xmlns:a14="http://schemas.microsoft.com/office/drawing/2010/main">
+                <a:solidFill>
+                  <a:srgbClr val="FFFFFF"/>
+                </a:solidFill>
+              </a14:hiddenFill>
+            </a:ext>
+            <a:ext uri="{91240B29-F687-4f45-9708-019B960494DF}">
+              <a14:hiddenLine xmlns:a14="http://schemas.microsoft.com/office/drawing/2010/main" w="9525">
+                <a:solidFill>
+                  <a:srgbClr val="000000"/>
+                </a:solidFill>
+                <a:miter lim="800000"/>
+                <a:headEnd/>
+                <a:tailEnd/>
+              </a14:hiddenLine>
+            </a:ext>
+          </a:extLst>
+        </p:spPr>
+        <p:txBody>
+          <a:bodyPr anchor="ctr">
+            <a:spAutoFit/>
+          </a:bodyPr>
+          <a:lstStyle/>
+          <a:p>
+            <a:pPr algn="ctr"/>
+            <a:r>
+              <a:rPr lang="en-GB" altLang="ja-JP" i="0" dirty="0" smtClean="0">
+                <a:effectLst>
+                  <a:glow rad="101600">
+                    <a:srgbClr val="000000"/>
+                  </a:glow>
+                </a:effectLst>
+              </a:rPr>
+              <a:t>Actions, outcomes &amp; conditions</a:t>
+            </a:r>
+            <a:endParaRPr lang="en-GB" i="0" dirty="0">
+              <a:effectLst>
+                <a:glow rad="101600">
+                  <a:srgbClr val="000000"/>
+                </a:glow>
+              </a:effectLst>
+            </a:endParaRPr>
+          </a:p>
+        </p:txBody>
+      </p:sp>
       <p:pic>
         <p:nvPicPr>
-          <p:cNvPr id="5" name="Picture 4" descr="DSC_0303.JPG"/>
+          <p:cNvPr id="4" name="Picture 3"/>
           <p:cNvPicPr>
             <a:picLocks noChangeAspect="1"/>
           </p:cNvPicPr>
           <p:nvPr/>
         </p:nvPicPr>
         <p:blipFill>
-          <a:blip r:embed="rId3">
-            <a:extLst>
-              <a:ext uri="{28A0092B-C50C-407E-A947-70E740481C1C}">
-                <a14:useLocalDpi xmlns:a14="http://schemas.microsoft.com/office/drawing/2010/main" val="0"/>
-              </a:ext>
-            </a:extLst>
-          </a:blip>
+          <a:blip r:embed="rId3"/>
           <a:stretch>
             <a:fillRect/>
           </a:stretch>
         </p:blipFill>
         <p:spPr>
           <a:xfrm>
-            <a:off x="-1" y="0"/>
-            <a:ext cx="9120249" cy="6858000"/>
+            <a:off x="0" y="2463800"/>
+            <a:ext cx="9144000" cy="1925053"/>
           </a:xfrm>
           <a:prstGeom prst="rect">
             <a:avLst/>
           </a:prstGeom>
         </p:spPr>
       </p:pic>
+      <p:sp>
+        <p:nvSpPr>
+          <p:cNvPr id="5" name="Rectangle 4"/>
+          <p:cNvSpPr/>
+          <p:nvPr/>
+        </p:nvSpPr>
+        <p:spPr bwMode="auto">
+          <a:xfrm>
+            <a:off x="0" y="2252214"/>
+            <a:ext cx="9036496" cy="1368152"/>
+          </a:xfrm>
+          <a:prstGeom prst="rect">
+            <a:avLst/>
+          </a:prstGeom>
+          <a:solidFill>
+            <a:srgbClr val="000000"/>
+          </a:solidFill>
+          <a:ln w="9525" cap="flat" cmpd="sng" algn="ctr">
+            <a:solidFill>
+              <a:schemeClr val="tx1"/>
+            </a:solidFill>
+            <a:prstDash val="solid"/>
+            <a:round/>
+            <a:headEnd type="none" w="med" len="med"/>
+            <a:tailEnd type="none" w="med" len="med"/>
+          </a:ln>
+          <a:effectLst/>
+        </p:spPr>
+        <p:txBody>
+          <a:bodyPr vert="horz" wrap="square" lIns="91440" tIns="45720" rIns="91440" bIns="45720" numCol="1" rtlCol="0" anchor="t" anchorCtr="0" compatLnSpc="1">
+            <a:prstTxWarp prst="textNoShape">
+              <a:avLst/>
+            </a:prstTxWarp>
+          </a:bodyPr>
+          <a:lstStyle/>
+          <a:p>
+            <a:pPr marL="0" marR="0" indent="0" algn="l" defTabSz="449263" rtl="0" eaLnBrk="1" fontAlgn="base" latinLnBrk="0" hangingPunct="1">
+              <a:lnSpc>
+                <a:spcPct val="100000"/>
+              </a:lnSpc>
+              <a:spcBef>
+                <a:spcPct val="0"/>
+              </a:spcBef>
+              <a:spcAft>
+                <a:spcPct val="0"/>
+              </a:spcAft>
+              <a:buClr>
+                <a:srgbClr val="000000"/>
+              </a:buClr>
+              <a:buSzPct val="100000"/>
+              <a:buFont typeface="Times New Roman" charset="0"/>
+              <a:buNone/>
+              <a:tabLst/>
+            </a:pPr>
+            <a:endParaRPr kumimoji="0" lang="en-US" sz="2200" b="0" i="1" u="none" strike="noStrike" cap="none" normalizeH="0" baseline="0">
+              <a:ln>
+                <a:noFill/>
+              </a:ln>
+              <a:solidFill>
+                <a:schemeClr val="bg1"/>
+              </a:solidFill>
+              <a:effectLst/>
+              <a:latin typeface="Myriad Web" charset="0"/>
+            </a:endParaRPr>
+          </a:p>
+        </p:txBody>
+      </p:sp>
+      <p:sp>
+        <p:nvSpPr>
+          <p:cNvPr id="9" name="Rectangle 8"/>
+          <p:cNvSpPr/>
+          <p:nvPr/>
+        </p:nvSpPr>
+        <p:spPr bwMode="auto">
+          <a:xfrm>
+            <a:off x="107504" y="2996952"/>
+            <a:ext cx="1584176" cy="1368152"/>
+          </a:xfrm>
+          <a:prstGeom prst="rect">
+            <a:avLst/>
+          </a:prstGeom>
+          <a:solidFill>
+            <a:srgbClr val="000000"/>
+          </a:solidFill>
+          <a:ln w="9525" cap="flat" cmpd="sng" algn="ctr">
+            <a:solidFill>
+              <a:schemeClr val="tx1"/>
+            </a:solidFill>
+            <a:prstDash val="solid"/>
+            <a:round/>
+            <a:headEnd type="none" w="med" len="med"/>
+            <a:tailEnd type="none" w="med" len="med"/>
+          </a:ln>
+          <a:effectLst/>
+        </p:spPr>
+        <p:txBody>
+          <a:bodyPr vert="horz" wrap="square" lIns="91440" tIns="45720" rIns="91440" bIns="45720" numCol="1" rtlCol="0" anchor="t" anchorCtr="0" compatLnSpc="1">
+            <a:prstTxWarp prst="textNoShape">
+              <a:avLst/>
+            </a:prstTxWarp>
+          </a:bodyPr>
+          <a:lstStyle/>
+          <a:p>
+            <a:pPr marL="0" marR="0" indent="0" algn="l" defTabSz="449263" rtl="0" eaLnBrk="1" fontAlgn="base" latinLnBrk="0" hangingPunct="1">
+              <a:lnSpc>
+                <a:spcPct val="100000"/>
+              </a:lnSpc>
+              <a:spcBef>
+                <a:spcPct val="0"/>
+              </a:spcBef>
+              <a:spcAft>
+                <a:spcPct val="0"/>
+              </a:spcAft>
+              <a:buClr>
+                <a:srgbClr val="000000"/>
+              </a:buClr>
+              <a:buSzPct val="100000"/>
+              <a:buFont typeface="Times New Roman" charset="0"/>
+              <a:buNone/>
+              <a:tabLst/>
+            </a:pPr>
+            <a:endParaRPr kumimoji="0" lang="en-US" sz="2200" b="0" i="1" u="none" strike="noStrike" cap="none" normalizeH="0" baseline="0">
+              <a:ln>
+                <a:noFill/>
+              </a:ln>
+              <a:solidFill>
+                <a:schemeClr val="bg1"/>
+              </a:solidFill>
+              <a:effectLst/>
+              <a:latin typeface="Myriad Web" charset="0"/>
+            </a:endParaRPr>
+          </a:p>
+        </p:txBody>
+      </p:sp>
+      <p:sp>
+        <p:nvSpPr>
+          <p:cNvPr id="10" name="Rectangle 9"/>
+          <p:cNvSpPr/>
+          <p:nvPr/>
+        </p:nvSpPr>
+        <p:spPr bwMode="auto">
+          <a:xfrm>
+            <a:off x="107504" y="4200362"/>
+            <a:ext cx="9036496" cy="1368152"/>
+          </a:xfrm>
+          <a:prstGeom prst="rect">
+            <a:avLst/>
+          </a:prstGeom>
+          <a:solidFill>
+            <a:srgbClr val="000000"/>
+          </a:solidFill>
+          <a:ln w="9525" cap="flat" cmpd="sng" algn="ctr">
+            <a:solidFill>
+              <a:schemeClr val="tx1"/>
+            </a:solidFill>
+            <a:prstDash val="solid"/>
+            <a:round/>
+            <a:headEnd type="none" w="med" len="med"/>
+            <a:tailEnd type="none" w="med" len="med"/>
+          </a:ln>
+          <a:effectLst/>
+        </p:spPr>
+        <p:txBody>
+          <a:bodyPr vert="horz" wrap="square" lIns="91440" tIns="45720" rIns="91440" bIns="45720" numCol="1" rtlCol="0" anchor="t" anchorCtr="0" compatLnSpc="1">
+            <a:prstTxWarp prst="textNoShape">
+              <a:avLst/>
+            </a:prstTxWarp>
+          </a:bodyPr>
+          <a:lstStyle/>
+          <a:p>
+            <a:pPr marL="0" marR="0" indent="0" algn="l" defTabSz="449263" rtl="0" eaLnBrk="1" fontAlgn="base" latinLnBrk="0" hangingPunct="1">
+              <a:lnSpc>
+                <a:spcPct val="100000"/>
+              </a:lnSpc>
+              <a:spcBef>
+                <a:spcPct val="0"/>
+              </a:spcBef>
+              <a:spcAft>
+                <a:spcPct val="0"/>
+              </a:spcAft>
+              <a:buClr>
+                <a:srgbClr val="000000"/>
+              </a:buClr>
+              <a:buSzPct val="100000"/>
+              <a:buFont typeface="Times New Roman" charset="0"/>
+              <a:buNone/>
+              <a:tabLst/>
+            </a:pPr>
+            <a:endParaRPr kumimoji="0" lang="en-US" sz="2200" b="0" i="1" u="none" strike="noStrike" cap="none" normalizeH="0" baseline="0">
+              <a:ln>
+                <a:noFill/>
+              </a:ln>
+              <a:solidFill>
+                <a:schemeClr val="bg1"/>
+              </a:solidFill>
+              <a:effectLst/>
+              <a:latin typeface="Myriad Web" charset="0"/>
+            </a:endParaRPr>
+          </a:p>
+        </p:txBody>
+      </p:sp>
     </p:spTree>
     <p:extLst>
       <p:ext uri="{BB962C8B-B14F-4D97-AF65-F5344CB8AC3E}">
-        <p14:creationId xmlns:p14="http://schemas.microsoft.com/office/powerpoint/2010/main" val="2990400612"/>
+        <p14:creationId xmlns:p14="http://schemas.microsoft.com/office/powerpoint/2010/main" val="3637171361"/>
       </p:ext>
     </p:extLst>
   </p:cSld>
@@ -25836,27 +29055,3073 @@
   <p:timing>
     <p:tnLst>
       <p:par>
-        <p:cTn xmlns:p14="http://schemas.microsoft.com/office/powerpoint/2010/main" id="1" dur="indefinite" restart="never" nodeType="tmRoot">
-          <p:childTnLst>
-            <p:seq concurrent="1" nextAc="seek">
-              <p:cTn id="2" dur="0" nodeType="mainSeq"/>
-              <p:prevCondLst>
-                <p:cond evt="onPrev" delay="0">
-                  <p:tgtEl>
-                    <p:sldTgt/>
-                  </p:tgtEl>
-                </p:cond>
-              </p:prevCondLst>
-              <p:nextCondLst>
-                <p:cond evt="onNext" delay="0">
-                  <p:tgtEl>
-                    <p:sldTgt/>
-                  </p:tgtEl>
-                </p:cond>
-              </p:nextCondLst>
-            </p:seq>
-          </p:childTnLst>
-        </p:cTn>
+        <p:cTn xmlns:p14="http://schemas.microsoft.com/office/powerpoint/2010/main" id="1" dur="indefinite" restart="never" nodeType="tmRoot"/>
+      </p:par>
+    </p:tnLst>
+  </p:timing>
+</p:sld>
+</file>
+
+<file path=ppt/slides/slide31.xml><?xml version="1.0" encoding="utf-8"?>
+<p:sld xmlns:a="http://schemas.openxmlformats.org/drawingml/2006/main" xmlns:r="http://schemas.openxmlformats.org/officeDocument/2006/relationships" xmlns:p="http://schemas.openxmlformats.org/presentationml/2006/main">
+  <p:cSld>
+    <p:spTree>
+      <p:nvGrpSpPr>
+        <p:cNvPr id="1" name=""/>
+        <p:cNvGrpSpPr/>
+        <p:nvPr/>
+      </p:nvGrpSpPr>
+      <p:grpSpPr>
+        <a:xfrm>
+          <a:off x="0" y="0"/>
+          <a:ext cx="0" cy="0"/>
+          <a:chOff x="0" y="0"/>
+          <a:chExt cx="0" cy="0"/>
+        </a:xfrm>
+      </p:grpSpPr>
+      <p:sp>
+        <p:nvSpPr>
+          <p:cNvPr id="15362" name="Rectangle 4"/>
+          <p:cNvSpPr>
+            <a:spLocks noChangeArrowheads="1"/>
+          </p:cNvSpPr>
+          <p:nvPr/>
+        </p:nvSpPr>
+        <p:spPr bwMode="auto">
+          <a:xfrm>
+            <a:off x="1691482" y="980728"/>
+            <a:ext cx="5761037" cy="430887"/>
+          </a:xfrm>
+          <a:prstGeom prst="rect">
+            <a:avLst/>
+          </a:prstGeom>
+          <a:noFill/>
+          <a:ln>
+            <a:noFill/>
+          </a:ln>
+          <a:extLst>
+            <a:ext uri="{909E8E84-426E-40dd-AFC4-6F175D3DCCD1}">
+              <a14:hiddenFill xmlns:a14="http://schemas.microsoft.com/office/drawing/2010/main">
+                <a:solidFill>
+                  <a:srgbClr val="FFFFFF"/>
+                </a:solidFill>
+              </a14:hiddenFill>
+            </a:ext>
+            <a:ext uri="{91240B29-F687-4f45-9708-019B960494DF}">
+              <a14:hiddenLine xmlns:a14="http://schemas.microsoft.com/office/drawing/2010/main" w="9525">
+                <a:solidFill>
+                  <a:srgbClr val="000000"/>
+                </a:solidFill>
+                <a:miter lim="800000"/>
+                <a:headEnd/>
+                <a:tailEnd/>
+              </a14:hiddenLine>
+            </a:ext>
+          </a:extLst>
+        </p:spPr>
+        <p:txBody>
+          <a:bodyPr anchor="ctr">
+            <a:spAutoFit/>
+          </a:bodyPr>
+          <a:lstStyle/>
+          <a:p>
+            <a:pPr algn="ctr"/>
+            <a:r>
+              <a:rPr lang="en-GB" altLang="ja-JP" i="0" dirty="0" smtClean="0">
+                <a:effectLst>
+                  <a:glow rad="101600">
+                    <a:srgbClr val="000000"/>
+                  </a:glow>
+                </a:effectLst>
+              </a:rPr>
+              <a:t>Actions, outcomes &amp; conditions</a:t>
+            </a:r>
+            <a:endParaRPr lang="en-GB" i="0" dirty="0">
+              <a:effectLst>
+                <a:glow rad="101600">
+                  <a:srgbClr val="000000"/>
+                </a:glow>
+              </a:effectLst>
+            </a:endParaRPr>
+          </a:p>
+        </p:txBody>
+      </p:sp>
+      <p:pic>
+        <p:nvPicPr>
+          <p:cNvPr id="4" name="Picture 3"/>
+          <p:cNvPicPr>
+            <a:picLocks noChangeAspect="1"/>
+          </p:cNvPicPr>
+          <p:nvPr/>
+        </p:nvPicPr>
+        <p:blipFill>
+          <a:blip r:embed="rId3"/>
+          <a:stretch>
+            <a:fillRect/>
+          </a:stretch>
+        </p:blipFill>
+        <p:spPr>
+          <a:xfrm>
+            <a:off x="0" y="2463800"/>
+            <a:ext cx="9144000" cy="1925053"/>
+          </a:xfrm>
+          <a:prstGeom prst="rect">
+            <a:avLst/>
+          </a:prstGeom>
+        </p:spPr>
+      </p:pic>
+      <p:sp>
+        <p:nvSpPr>
+          <p:cNvPr id="5" name="Rectangle 4"/>
+          <p:cNvSpPr/>
+          <p:nvPr/>
+        </p:nvSpPr>
+        <p:spPr bwMode="auto">
+          <a:xfrm>
+            <a:off x="1043608" y="2252214"/>
+            <a:ext cx="7992888" cy="1176786"/>
+          </a:xfrm>
+          <a:prstGeom prst="rect">
+            <a:avLst/>
+          </a:prstGeom>
+          <a:solidFill>
+            <a:srgbClr val="000000"/>
+          </a:solidFill>
+          <a:ln w="9525" cap="flat" cmpd="sng" algn="ctr">
+            <a:solidFill>
+              <a:schemeClr val="tx1"/>
+            </a:solidFill>
+            <a:prstDash val="solid"/>
+            <a:round/>
+            <a:headEnd type="none" w="med" len="med"/>
+            <a:tailEnd type="none" w="med" len="med"/>
+          </a:ln>
+          <a:effectLst/>
+        </p:spPr>
+        <p:txBody>
+          <a:bodyPr vert="horz" wrap="square" lIns="91440" tIns="45720" rIns="91440" bIns="45720" numCol="1" rtlCol="0" anchor="t" anchorCtr="0" compatLnSpc="1">
+            <a:prstTxWarp prst="textNoShape">
+              <a:avLst/>
+            </a:prstTxWarp>
+          </a:bodyPr>
+          <a:lstStyle/>
+          <a:p>
+            <a:pPr marL="0" marR="0" indent="0" algn="l" defTabSz="449263" rtl="0" eaLnBrk="1" fontAlgn="base" latinLnBrk="0" hangingPunct="1">
+              <a:lnSpc>
+                <a:spcPct val="100000"/>
+              </a:lnSpc>
+              <a:spcBef>
+                <a:spcPct val="0"/>
+              </a:spcBef>
+              <a:spcAft>
+                <a:spcPct val="0"/>
+              </a:spcAft>
+              <a:buClr>
+                <a:srgbClr val="000000"/>
+              </a:buClr>
+              <a:buSzPct val="100000"/>
+              <a:buFont typeface="Times New Roman" charset="0"/>
+              <a:buNone/>
+              <a:tabLst/>
+            </a:pPr>
+            <a:endParaRPr kumimoji="0" lang="en-US" sz="2200" b="0" i="1" u="none" strike="noStrike" cap="none" normalizeH="0" baseline="0">
+              <a:ln>
+                <a:noFill/>
+              </a:ln>
+              <a:solidFill>
+                <a:schemeClr val="bg1"/>
+              </a:solidFill>
+              <a:effectLst/>
+              <a:latin typeface="Myriad Web" charset="0"/>
+            </a:endParaRPr>
+          </a:p>
+        </p:txBody>
+      </p:sp>
+      <p:sp>
+        <p:nvSpPr>
+          <p:cNvPr id="10" name="Rectangle 9"/>
+          <p:cNvSpPr/>
+          <p:nvPr/>
+        </p:nvSpPr>
+        <p:spPr bwMode="auto">
+          <a:xfrm>
+            <a:off x="107504" y="4200362"/>
+            <a:ext cx="9036496" cy="1368152"/>
+          </a:xfrm>
+          <a:prstGeom prst="rect">
+            <a:avLst/>
+          </a:prstGeom>
+          <a:solidFill>
+            <a:srgbClr val="000000"/>
+          </a:solidFill>
+          <a:ln w="9525" cap="flat" cmpd="sng" algn="ctr">
+            <a:solidFill>
+              <a:schemeClr val="tx1"/>
+            </a:solidFill>
+            <a:prstDash val="solid"/>
+            <a:round/>
+            <a:headEnd type="none" w="med" len="med"/>
+            <a:tailEnd type="none" w="med" len="med"/>
+          </a:ln>
+          <a:effectLst/>
+        </p:spPr>
+        <p:txBody>
+          <a:bodyPr vert="horz" wrap="square" lIns="91440" tIns="45720" rIns="91440" bIns="45720" numCol="1" rtlCol="0" anchor="t" anchorCtr="0" compatLnSpc="1">
+            <a:prstTxWarp prst="textNoShape">
+              <a:avLst/>
+            </a:prstTxWarp>
+          </a:bodyPr>
+          <a:lstStyle/>
+          <a:p>
+            <a:pPr marL="0" marR="0" indent="0" algn="l" defTabSz="449263" rtl="0" eaLnBrk="1" fontAlgn="base" latinLnBrk="0" hangingPunct="1">
+              <a:lnSpc>
+                <a:spcPct val="100000"/>
+              </a:lnSpc>
+              <a:spcBef>
+                <a:spcPct val="0"/>
+              </a:spcBef>
+              <a:spcAft>
+                <a:spcPct val="0"/>
+              </a:spcAft>
+              <a:buClr>
+                <a:srgbClr val="000000"/>
+              </a:buClr>
+              <a:buSzPct val="100000"/>
+              <a:buFont typeface="Times New Roman" charset="0"/>
+              <a:buNone/>
+              <a:tabLst/>
+            </a:pPr>
+            <a:endParaRPr kumimoji="0" lang="en-US" sz="2200" b="0" i="1" u="none" strike="noStrike" cap="none" normalizeH="0" baseline="0">
+              <a:ln>
+                <a:noFill/>
+              </a:ln>
+              <a:solidFill>
+                <a:schemeClr val="bg1"/>
+              </a:solidFill>
+              <a:effectLst/>
+              <a:latin typeface="Myriad Web" charset="0"/>
+            </a:endParaRPr>
+          </a:p>
+        </p:txBody>
+      </p:sp>
+      <p:sp>
+        <p:nvSpPr>
+          <p:cNvPr id="7" name="Rectangle 6"/>
+          <p:cNvSpPr/>
+          <p:nvPr/>
+        </p:nvSpPr>
+        <p:spPr bwMode="auto">
+          <a:xfrm>
+            <a:off x="107504" y="1772816"/>
+            <a:ext cx="1224136" cy="1176786"/>
+          </a:xfrm>
+          <a:prstGeom prst="rect">
+            <a:avLst/>
+          </a:prstGeom>
+          <a:solidFill>
+            <a:srgbClr val="000000"/>
+          </a:solidFill>
+          <a:ln w="9525" cap="flat" cmpd="sng" algn="ctr">
+            <a:solidFill>
+              <a:schemeClr val="tx1"/>
+            </a:solidFill>
+            <a:prstDash val="solid"/>
+            <a:round/>
+            <a:headEnd type="none" w="med" len="med"/>
+            <a:tailEnd type="none" w="med" len="med"/>
+          </a:ln>
+          <a:effectLst/>
+        </p:spPr>
+        <p:txBody>
+          <a:bodyPr vert="horz" wrap="square" lIns="91440" tIns="45720" rIns="91440" bIns="45720" numCol="1" rtlCol="0" anchor="t" anchorCtr="0" compatLnSpc="1">
+            <a:prstTxWarp prst="textNoShape">
+              <a:avLst/>
+            </a:prstTxWarp>
+          </a:bodyPr>
+          <a:lstStyle/>
+          <a:p>
+            <a:pPr marL="0" marR="0" indent="0" algn="l" defTabSz="449263" rtl="0" eaLnBrk="1" fontAlgn="base" latinLnBrk="0" hangingPunct="1">
+              <a:lnSpc>
+                <a:spcPct val="100000"/>
+              </a:lnSpc>
+              <a:spcBef>
+                <a:spcPct val="0"/>
+              </a:spcBef>
+              <a:spcAft>
+                <a:spcPct val="0"/>
+              </a:spcAft>
+              <a:buClr>
+                <a:srgbClr val="000000"/>
+              </a:buClr>
+              <a:buSzPct val="100000"/>
+              <a:buFont typeface="Times New Roman" charset="0"/>
+              <a:buNone/>
+              <a:tabLst/>
+            </a:pPr>
+            <a:endParaRPr kumimoji="0" lang="en-US" sz="2200" b="0" i="1" u="none" strike="noStrike" cap="none" normalizeH="0" baseline="0">
+              <a:ln>
+                <a:noFill/>
+              </a:ln>
+              <a:solidFill>
+                <a:schemeClr val="bg1"/>
+              </a:solidFill>
+              <a:effectLst/>
+              <a:latin typeface="Myriad Web" charset="0"/>
+            </a:endParaRPr>
+          </a:p>
+        </p:txBody>
+      </p:sp>
+    </p:spTree>
+    <p:extLst>
+      <p:ext uri="{BB962C8B-B14F-4D97-AF65-F5344CB8AC3E}">
+        <p14:creationId xmlns:p14="http://schemas.microsoft.com/office/powerpoint/2010/main" val="4074731064"/>
+      </p:ext>
+    </p:extLst>
+  </p:cSld>
+  <p:clrMapOvr>
+    <a:masterClrMapping/>
+  </p:clrMapOvr>
+  <p:transition xmlns:p14="http://schemas.microsoft.com/office/powerpoint/2010/main"/>
+  <p:timing>
+    <p:tnLst>
+      <p:par>
+        <p:cTn xmlns:p14="http://schemas.microsoft.com/office/powerpoint/2010/main" id="1" dur="indefinite" restart="never" nodeType="tmRoot"/>
+      </p:par>
+    </p:tnLst>
+  </p:timing>
+</p:sld>
+</file>
+
+<file path=ppt/slides/slide32.xml><?xml version="1.0" encoding="utf-8"?>
+<p:sld xmlns:a="http://schemas.openxmlformats.org/drawingml/2006/main" xmlns:r="http://schemas.openxmlformats.org/officeDocument/2006/relationships" xmlns:p="http://schemas.openxmlformats.org/presentationml/2006/main">
+  <p:cSld>
+    <p:spTree>
+      <p:nvGrpSpPr>
+        <p:cNvPr id="1" name=""/>
+        <p:cNvGrpSpPr/>
+        <p:nvPr/>
+      </p:nvGrpSpPr>
+      <p:grpSpPr>
+        <a:xfrm>
+          <a:off x="0" y="0"/>
+          <a:ext cx="0" cy="0"/>
+          <a:chOff x="0" y="0"/>
+          <a:chExt cx="0" cy="0"/>
+        </a:xfrm>
+      </p:grpSpPr>
+      <p:sp>
+        <p:nvSpPr>
+          <p:cNvPr id="15362" name="Rectangle 4"/>
+          <p:cNvSpPr>
+            <a:spLocks noChangeArrowheads="1"/>
+          </p:cNvSpPr>
+          <p:nvPr/>
+        </p:nvSpPr>
+        <p:spPr bwMode="auto">
+          <a:xfrm>
+            <a:off x="1691482" y="980728"/>
+            <a:ext cx="5761037" cy="430887"/>
+          </a:xfrm>
+          <a:prstGeom prst="rect">
+            <a:avLst/>
+          </a:prstGeom>
+          <a:noFill/>
+          <a:ln>
+            <a:noFill/>
+          </a:ln>
+          <a:extLst>
+            <a:ext uri="{909E8E84-426E-40dd-AFC4-6F175D3DCCD1}">
+              <a14:hiddenFill xmlns:a14="http://schemas.microsoft.com/office/drawing/2010/main">
+                <a:solidFill>
+                  <a:srgbClr val="FFFFFF"/>
+                </a:solidFill>
+              </a14:hiddenFill>
+            </a:ext>
+            <a:ext uri="{91240B29-F687-4f45-9708-019B960494DF}">
+              <a14:hiddenLine xmlns:a14="http://schemas.microsoft.com/office/drawing/2010/main" w="9525">
+                <a:solidFill>
+                  <a:srgbClr val="000000"/>
+                </a:solidFill>
+                <a:miter lim="800000"/>
+                <a:headEnd/>
+                <a:tailEnd/>
+              </a14:hiddenLine>
+            </a:ext>
+          </a:extLst>
+        </p:spPr>
+        <p:txBody>
+          <a:bodyPr anchor="ctr">
+            <a:spAutoFit/>
+          </a:bodyPr>
+          <a:lstStyle/>
+          <a:p>
+            <a:pPr algn="ctr"/>
+            <a:r>
+              <a:rPr lang="en-GB" altLang="ja-JP" i="0" dirty="0" smtClean="0">
+                <a:effectLst>
+                  <a:glow rad="101600">
+                    <a:srgbClr val="000000"/>
+                  </a:glow>
+                </a:effectLst>
+              </a:rPr>
+              <a:t>Actions, outcomes &amp; conditions</a:t>
+            </a:r>
+            <a:endParaRPr lang="en-GB" i="0" dirty="0">
+              <a:effectLst>
+                <a:glow rad="101600">
+                  <a:srgbClr val="000000"/>
+                </a:glow>
+              </a:effectLst>
+            </a:endParaRPr>
+          </a:p>
+        </p:txBody>
+      </p:sp>
+      <p:pic>
+        <p:nvPicPr>
+          <p:cNvPr id="4" name="Picture 3"/>
+          <p:cNvPicPr>
+            <a:picLocks noChangeAspect="1"/>
+          </p:cNvPicPr>
+          <p:nvPr/>
+        </p:nvPicPr>
+        <p:blipFill>
+          <a:blip r:embed="rId3"/>
+          <a:stretch>
+            <a:fillRect/>
+          </a:stretch>
+        </p:blipFill>
+        <p:spPr>
+          <a:xfrm>
+            <a:off x="0" y="2463800"/>
+            <a:ext cx="9144000" cy="1925053"/>
+          </a:xfrm>
+          <a:prstGeom prst="rect">
+            <a:avLst/>
+          </a:prstGeom>
+        </p:spPr>
+      </p:pic>
+      <p:sp>
+        <p:nvSpPr>
+          <p:cNvPr id="9" name="Rectangle 8"/>
+          <p:cNvSpPr/>
+          <p:nvPr/>
+        </p:nvSpPr>
+        <p:spPr bwMode="auto">
+          <a:xfrm>
+            <a:off x="3263526" y="3548358"/>
+            <a:ext cx="1368152" cy="360040"/>
+          </a:xfrm>
+          <a:prstGeom prst="rect">
+            <a:avLst/>
+          </a:prstGeom>
+          <a:solidFill>
+            <a:srgbClr val="000000">
+              <a:alpha val="70000"/>
+            </a:srgbClr>
+          </a:solidFill>
+          <a:ln w="9525" cap="flat" cmpd="sng" algn="ctr">
+            <a:noFill/>
+            <a:prstDash val="solid"/>
+            <a:round/>
+            <a:headEnd type="none" w="med" len="med"/>
+            <a:tailEnd type="none" w="med" len="med"/>
+          </a:ln>
+          <a:effectLst/>
+        </p:spPr>
+        <p:txBody>
+          <a:bodyPr vert="horz" wrap="square" lIns="91440" tIns="45720" rIns="91440" bIns="45720" numCol="1" rtlCol="0" anchor="t" anchorCtr="0" compatLnSpc="1">
+            <a:prstTxWarp prst="textNoShape">
+              <a:avLst/>
+            </a:prstTxWarp>
+          </a:bodyPr>
+          <a:lstStyle/>
+          <a:p>
+            <a:pPr marL="0" marR="0" indent="0" algn="l" defTabSz="449263" rtl="0" eaLnBrk="1" fontAlgn="base" latinLnBrk="0" hangingPunct="1">
+              <a:lnSpc>
+                <a:spcPct val="100000"/>
+              </a:lnSpc>
+              <a:spcBef>
+                <a:spcPct val="0"/>
+              </a:spcBef>
+              <a:spcAft>
+                <a:spcPct val="0"/>
+              </a:spcAft>
+              <a:buClr>
+                <a:srgbClr val="000000"/>
+              </a:buClr>
+              <a:buSzPct val="100000"/>
+              <a:buFont typeface="Times New Roman" charset="0"/>
+              <a:buNone/>
+              <a:tabLst/>
+            </a:pPr>
+            <a:endParaRPr kumimoji="0" lang="en-US" sz="2200" b="0" i="1" u="none" strike="noStrike" cap="none" normalizeH="0" baseline="0">
+              <a:ln>
+                <a:noFill/>
+              </a:ln>
+              <a:solidFill>
+                <a:schemeClr val="bg1"/>
+              </a:solidFill>
+              <a:effectLst/>
+              <a:latin typeface="Myriad Web" charset="0"/>
+            </a:endParaRPr>
+          </a:p>
+        </p:txBody>
+      </p:sp>
+      <p:sp>
+        <p:nvSpPr>
+          <p:cNvPr id="10" name="Rectangle 9"/>
+          <p:cNvSpPr/>
+          <p:nvPr/>
+        </p:nvSpPr>
+        <p:spPr bwMode="auto">
+          <a:xfrm>
+            <a:off x="107504" y="4200362"/>
+            <a:ext cx="9036496" cy="1368152"/>
+          </a:xfrm>
+          <a:prstGeom prst="rect">
+            <a:avLst/>
+          </a:prstGeom>
+          <a:solidFill>
+            <a:srgbClr val="000000"/>
+          </a:solidFill>
+          <a:ln w="9525" cap="flat" cmpd="sng" algn="ctr">
+            <a:solidFill>
+              <a:schemeClr val="tx1"/>
+            </a:solidFill>
+            <a:prstDash val="solid"/>
+            <a:round/>
+            <a:headEnd type="none" w="med" len="med"/>
+            <a:tailEnd type="none" w="med" len="med"/>
+          </a:ln>
+          <a:effectLst/>
+        </p:spPr>
+        <p:txBody>
+          <a:bodyPr vert="horz" wrap="square" lIns="91440" tIns="45720" rIns="91440" bIns="45720" numCol="1" rtlCol="0" anchor="t" anchorCtr="0" compatLnSpc="1">
+            <a:prstTxWarp prst="textNoShape">
+              <a:avLst/>
+            </a:prstTxWarp>
+          </a:bodyPr>
+          <a:lstStyle/>
+          <a:p>
+            <a:pPr marL="0" marR="0" indent="0" algn="l" defTabSz="449263" rtl="0" eaLnBrk="1" fontAlgn="base" latinLnBrk="0" hangingPunct="1">
+              <a:lnSpc>
+                <a:spcPct val="100000"/>
+              </a:lnSpc>
+              <a:spcBef>
+                <a:spcPct val="0"/>
+              </a:spcBef>
+              <a:spcAft>
+                <a:spcPct val="0"/>
+              </a:spcAft>
+              <a:buClr>
+                <a:srgbClr val="000000"/>
+              </a:buClr>
+              <a:buSzPct val="100000"/>
+              <a:buFont typeface="Times New Roman" charset="0"/>
+              <a:buNone/>
+              <a:tabLst/>
+            </a:pPr>
+            <a:endParaRPr kumimoji="0" lang="en-US" sz="2200" b="0" i="1" u="none" strike="noStrike" cap="none" normalizeH="0" baseline="0">
+              <a:ln>
+                <a:noFill/>
+              </a:ln>
+              <a:solidFill>
+                <a:schemeClr val="bg1"/>
+              </a:solidFill>
+              <a:effectLst/>
+              <a:latin typeface="Myriad Web" charset="0"/>
+            </a:endParaRPr>
+          </a:p>
+        </p:txBody>
+      </p:sp>
+      <p:sp>
+        <p:nvSpPr>
+          <p:cNvPr id="7" name="Rectangle 6"/>
+          <p:cNvSpPr/>
+          <p:nvPr/>
+        </p:nvSpPr>
+        <p:spPr bwMode="auto">
+          <a:xfrm>
+            <a:off x="3407542" y="3908398"/>
+            <a:ext cx="1368152" cy="360040"/>
+          </a:xfrm>
+          <a:prstGeom prst="rect">
+            <a:avLst/>
+          </a:prstGeom>
+          <a:solidFill>
+            <a:srgbClr val="000000">
+              <a:alpha val="70000"/>
+            </a:srgbClr>
+          </a:solidFill>
+          <a:ln w="9525" cap="flat" cmpd="sng" algn="ctr">
+            <a:noFill/>
+            <a:prstDash val="solid"/>
+            <a:round/>
+            <a:headEnd type="none" w="med" len="med"/>
+            <a:tailEnd type="none" w="med" len="med"/>
+          </a:ln>
+          <a:effectLst/>
+        </p:spPr>
+        <p:txBody>
+          <a:bodyPr vert="horz" wrap="square" lIns="91440" tIns="45720" rIns="91440" bIns="45720" numCol="1" rtlCol="0" anchor="t" anchorCtr="0" compatLnSpc="1">
+            <a:prstTxWarp prst="textNoShape">
+              <a:avLst/>
+            </a:prstTxWarp>
+          </a:bodyPr>
+          <a:lstStyle/>
+          <a:p>
+            <a:pPr marL="0" marR="0" indent="0" algn="l" defTabSz="449263" rtl="0" eaLnBrk="1" fontAlgn="base" latinLnBrk="0" hangingPunct="1">
+              <a:lnSpc>
+                <a:spcPct val="100000"/>
+              </a:lnSpc>
+              <a:spcBef>
+                <a:spcPct val="0"/>
+              </a:spcBef>
+              <a:spcAft>
+                <a:spcPct val="0"/>
+              </a:spcAft>
+              <a:buClr>
+                <a:srgbClr val="000000"/>
+              </a:buClr>
+              <a:buSzPct val="100000"/>
+              <a:buFont typeface="Times New Roman" charset="0"/>
+              <a:buNone/>
+              <a:tabLst/>
+            </a:pPr>
+            <a:endParaRPr kumimoji="0" lang="en-US" sz="2200" b="0" i="1" u="none" strike="noStrike" cap="none" normalizeH="0" baseline="0">
+              <a:ln>
+                <a:noFill/>
+              </a:ln>
+              <a:solidFill>
+                <a:schemeClr val="bg1"/>
+              </a:solidFill>
+              <a:effectLst/>
+              <a:latin typeface="Myriad Web" charset="0"/>
+            </a:endParaRPr>
+          </a:p>
+        </p:txBody>
+      </p:sp>
+      <p:sp>
+        <p:nvSpPr>
+          <p:cNvPr id="8" name="Rectangle 7"/>
+          <p:cNvSpPr/>
+          <p:nvPr/>
+        </p:nvSpPr>
+        <p:spPr bwMode="auto">
+          <a:xfrm>
+            <a:off x="5436096" y="3573016"/>
+            <a:ext cx="2952328" cy="720080"/>
+          </a:xfrm>
+          <a:prstGeom prst="rect">
+            <a:avLst/>
+          </a:prstGeom>
+          <a:solidFill>
+            <a:srgbClr val="000000">
+              <a:alpha val="70000"/>
+            </a:srgbClr>
+          </a:solidFill>
+          <a:ln w="9525" cap="flat" cmpd="sng" algn="ctr">
+            <a:noFill/>
+            <a:prstDash val="solid"/>
+            <a:round/>
+            <a:headEnd type="none" w="med" len="med"/>
+            <a:tailEnd type="none" w="med" len="med"/>
+          </a:ln>
+          <a:effectLst/>
+        </p:spPr>
+        <p:txBody>
+          <a:bodyPr vert="horz" wrap="square" lIns="91440" tIns="45720" rIns="91440" bIns="45720" numCol="1" rtlCol="0" anchor="t" anchorCtr="0" compatLnSpc="1">
+            <a:prstTxWarp prst="textNoShape">
+              <a:avLst/>
+            </a:prstTxWarp>
+          </a:bodyPr>
+          <a:lstStyle/>
+          <a:p>
+            <a:pPr marL="0" marR="0" indent="0" algn="l" defTabSz="449263" rtl="0" eaLnBrk="1" fontAlgn="base" latinLnBrk="0" hangingPunct="1">
+              <a:lnSpc>
+                <a:spcPct val="100000"/>
+              </a:lnSpc>
+              <a:spcBef>
+                <a:spcPct val="0"/>
+              </a:spcBef>
+              <a:spcAft>
+                <a:spcPct val="0"/>
+              </a:spcAft>
+              <a:buClr>
+                <a:srgbClr val="000000"/>
+              </a:buClr>
+              <a:buSzPct val="100000"/>
+              <a:buFont typeface="Times New Roman" charset="0"/>
+              <a:buNone/>
+              <a:tabLst/>
+            </a:pPr>
+            <a:endParaRPr kumimoji="0" lang="en-US" sz="2200" b="0" i="1" u="none" strike="noStrike" cap="none" normalizeH="0" baseline="0">
+              <a:ln>
+                <a:noFill/>
+              </a:ln>
+              <a:solidFill>
+                <a:schemeClr val="bg1"/>
+              </a:solidFill>
+              <a:effectLst/>
+              <a:latin typeface="Myriad Web" charset="0"/>
+            </a:endParaRPr>
+          </a:p>
+        </p:txBody>
+      </p:sp>
+      <p:sp>
+        <p:nvSpPr>
+          <p:cNvPr id="11" name="Rectangle 10"/>
+          <p:cNvSpPr/>
+          <p:nvPr/>
+        </p:nvSpPr>
+        <p:spPr bwMode="auto">
+          <a:xfrm>
+            <a:off x="1043608" y="2252214"/>
+            <a:ext cx="7992888" cy="1176786"/>
+          </a:xfrm>
+          <a:prstGeom prst="rect">
+            <a:avLst/>
+          </a:prstGeom>
+          <a:solidFill>
+            <a:srgbClr val="000000"/>
+          </a:solidFill>
+          <a:ln w="9525" cap="flat" cmpd="sng" algn="ctr">
+            <a:solidFill>
+              <a:schemeClr val="tx1"/>
+            </a:solidFill>
+            <a:prstDash val="solid"/>
+            <a:round/>
+            <a:headEnd type="none" w="med" len="med"/>
+            <a:tailEnd type="none" w="med" len="med"/>
+          </a:ln>
+          <a:effectLst/>
+        </p:spPr>
+        <p:txBody>
+          <a:bodyPr vert="horz" wrap="square" lIns="91440" tIns="45720" rIns="91440" bIns="45720" numCol="1" rtlCol="0" anchor="t" anchorCtr="0" compatLnSpc="1">
+            <a:prstTxWarp prst="textNoShape">
+              <a:avLst/>
+            </a:prstTxWarp>
+          </a:bodyPr>
+          <a:lstStyle/>
+          <a:p>
+            <a:pPr marL="0" marR="0" indent="0" algn="l" defTabSz="449263" rtl="0" eaLnBrk="1" fontAlgn="base" latinLnBrk="0" hangingPunct="1">
+              <a:lnSpc>
+                <a:spcPct val="100000"/>
+              </a:lnSpc>
+              <a:spcBef>
+                <a:spcPct val="0"/>
+              </a:spcBef>
+              <a:spcAft>
+                <a:spcPct val="0"/>
+              </a:spcAft>
+              <a:buClr>
+                <a:srgbClr val="000000"/>
+              </a:buClr>
+              <a:buSzPct val="100000"/>
+              <a:buFont typeface="Times New Roman" charset="0"/>
+              <a:buNone/>
+              <a:tabLst/>
+            </a:pPr>
+            <a:endParaRPr kumimoji="0" lang="en-US" sz="2200" b="0" i="1" u="none" strike="noStrike" cap="none" normalizeH="0" baseline="0">
+              <a:ln>
+                <a:noFill/>
+              </a:ln>
+              <a:solidFill>
+                <a:schemeClr val="bg1"/>
+              </a:solidFill>
+              <a:effectLst/>
+              <a:latin typeface="Myriad Web" charset="0"/>
+            </a:endParaRPr>
+          </a:p>
+        </p:txBody>
+      </p:sp>
+      <p:sp>
+        <p:nvSpPr>
+          <p:cNvPr id="12" name="Rectangle 11"/>
+          <p:cNvSpPr/>
+          <p:nvPr/>
+        </p:nvSpPr>
+        <p:spPr bwMode="auto">
+          <a:xfrm>
+            <a:off x="107504" y="1772816"/>
+            <a:ext cx="1224136" cy="1176786"/>
+          </a:xfrm>
+          <a:prstGeom prst="rect">
+            <a:avLst/>
+          </a:prstGeom>
+          <a:solidFill>
+            <a:srgbClr val="000000"/>
+          </a:solidFill>
+          <a:ln w="9525" cap="flat" cmpd="sng" algn="ctr">
+            <a:solidFill>
+              <a:schemeClr val="tx1"/>
+            </a:solidFill>
+            <a:prstDash val="solid"/>
+            <a:round/>
+            <a:headEnd type="none" w="med" len="med"/>
+            <a:tailEnd type="none" w="med" len="med"/>
+          </a:ln>
+          <a:effectLst/>
+        </p:spPr>
+        <p:txBody>
+          <a:bodyPr vert="horz" wrap="square" lIns="91440" tIns="45720" rIns="91440" bIns="45720" numCol="1" rtlCol="0" anchor="t" anchorCtr="0" compatLnSpc="1">
+            <a:prstTxWarp prst="textNoShape">
+              <a:avLst/>
+            </a:prstTxWarp>
+          </a:bodyPr>
+          <a:lstStyle/>
+          <a:p>
+            <a:pPr marL="0" marR="0" indent="0" algn="l" defTabSz="449263" rtl="0" eaLnBrk="1" fontAlgn="base" latinLnBrk="0" hangingPunct="1">
+              <a:lnSpc>
+                <a:spcPct val="100000"/>
+              </a:lnSpc>
+              <a:spcBef>
+                <a:spcPct val="0"/>
+              </a:spcBef>
+              <a:spcAft>
+                <a:spcPct val="0"/>
+              </a:spcAft>
+              <a:buClr>
+                <a:srgbClr val="000000"/>
+              </a:buClr>
+              <a:buSzPct val="100000"/>
+              <a:buFont typeface="Times New Roman" charset="0"/>
+              <a:buNone/>
+              <a:tabLst/>
+            </a:pPr>
+            <a:endParaRPr kumimoji="0" lang="en-US" sz="2200" b="0" i="1" u="none" strike="noStrike" cap="none" normalizeH="0" baseline="0">
+              <a:ln>
+                <a:noFill/>
+              </a:ln>
+              <a:solidFill>
+                <a:schemeClr val="bg1"/>
+              </a:solidFill>
+              <a:effectLst/>
+              <a:latin typeface="Myriad Web" charset="0"/>
+            </a:endParaRPr>
+          </a:p>
+        </p:txBody>
+      </p:sp>
+    </p:spTree>
+    <p:extLst>
+      <p:ext uri="{BB962C8B-B14F-4D97-AF65-F5344CB8AC3E}">
+        <p14:creationId xmlns:p14="http://schemas.microsoft.com/office/powerpoint/2010/main" val="1384041209"/>
+      </p:ext>
+    </p:extLst>
+  </p:cSld>
+  <p:clrMapOvr>
+    <a:masterClrMapping/>
+  </p:clrMapOvr>
+  <p:transition xmlns:p14="http://schemas.microsoft.com/office/powerpoint/2010/main"/>
+  <p:timing>
+    <p:tnLst>
+      <p:par>
+        <p:cTn xmlns:p14="http://schemas.microsoft.com/office/powerpoint/2010/main" id="1" dur="indefinite" restart="never" nodeType="tmRoot"/>
+      </p:par>
+    </p:tnLst>
+  </p:timing>
+</p:sld>
+</file>
+
+<file path=ppt/slides/slide33.xml><?xml version="1.0" encoding="utf-8"?>
+<p:sld xmlns:a="http://schemas.openxmlformats.org/drawingml/2006/main" xmlns:r="http://schemas.openxmlformats.org/officeDocument/2006/relationships" xmlns:p="http://schemas.openxmlformats.org/presentationml/2006/main">
+  <p:cSld>
+    <p:spTree>
+      <p:nvGrpSpPr>
+        <p:cNvPr id="1" name=""/>
+        <p:cNvGrpSpPr/>
+        <p:nvPr/>
+      </p:nvGrpSpPr>
+      <p:grpSpPr>
+        <a:xfrm>
+          <a:off x="0" y="0"/>
+          <a:ext cx="0" cy="0"/>
+          <a:chOff x="0" y="0"/>
+          <a:chExt cx="0" cy="0"/>
+        </a:xfrm>
+      </p:grpSpPr>
+      <p:sp>
+        <p:nvSpPr>
+          <p:cNvPr id="15362" name="Rectangle 4"/>
+          <p:cNvSpPr>
+            <a:spLocks noChangeArrowheads="1"/>
+          </p:cNvSpPr>
+          <p:nvPr/>
+        </p:nvSpPr>
+        <p:spPr bwMode="auto">
+          <a:xfrm>
+            <a:off x="1691482" y="980728"/>
+            <a:ext cx="5761037" cy="430887"/>
+          </a:xfrm>
+          <a:prstGeom prst="rect">
+            <a:avLst/>
+          </a:prstGeom>
+          <a:noFill/>
+          <a:ln>
+            <a:noFill/>
+          </a:ln>
+          <a:extLst>
+            <a:ext uri="{909E8E84-426E-40dd-AFC4-6F175D3DCCD1}">
+              <a14:hiddenFill xmlns:a14="http://schemas.microsoft.com/office/drawing/2010/main">
+                <a:solidFill>
+                  <a:srgbClr val="FFFFFF"/>
+                </a:solidFill>
+              </a14:hiddenFill>
+            </a:ext>
+            <a:ext uri="{91240B29-F687-4f45-9708-019B960494DF}">
+              <a14:hiddenLine xmlns:a14="http://schemas.microsoft.com/office/drawing/2010/main" w="9525">
+                <a:solidFill>
+                  <a:srgbClr val="000000"/>
+                </a:solidFill>
+                <a:miter lim="800000"/>
+                <a:headEnd/>
+                <a:tailEnd/>
+              </a14:hiddenLine>
+            </a:ext>
+          </a:extLst>
+        </p:spPr>
+        <p:txBody>
+          <a:bodyPr anchor="ctr">
+            <a:spAutoFit/>
+          </a:bodyPr>
+          <a:lstStyle/>
+          <a:p>
+            <a:pPr algn="ctr"/>
+            <a:r>
+              <a:rPr lang="en-GB" altLang="ja-JP" i="0" dirty="0" smtClean="0">
+                <a:effectLst>
+                  <a:glow rad="101600">
+                    <a:srgbClr val="000000"/>
+                  </a:glow>
+                </a:effectLst>
+              </a:rPr>
+              <a:t>Actions, outcomes &amp; conditions</a:t>
+            </a:r>
+            <a:endParaRPr lang="en-GB" i="0" dirty="0">
+              <a:effectLst>
+                <a:glow rad="101600">
+                  <a:srgbClr val="000000"/>
+                </a:glow>
+              </a:effectLst>
+            </a:endParaRPr>
+          </a:p>
+        </p:txBody>
+      </p:sp>
+      <p:pic>
+        <p:nvPicPr>
+          <p:cNvPr id="4" name="Picture 3"/>
+          <p:cNvPicPr>
+            <a:picLocks noChangeAspect="1"/>
+          </p:cNvPicPr>
+          <p:nvPr/>
+        </p:nvPicPr>
+        <p:blipFill>
+          <a:blip r:embed="rId3"/>
+          <a:stretch>
+            <a:fillRect/>
+          </a:stretch>
+        </p:blipFill>
+        <p:spPr>
+          <a:xfrm>
+            <a:off x="0" y="2463800"/>
+            <a:ext cx="9144000" cy="1925053"/>
+          </a:xfrm>
+          <a:prstGeom prst="rect">
+            <a:avLst/>
+          </a:prstGeom>
+        </p:spPr>
+      </p:pic>
+      <p:sp>
+        <p:nvSpPr>
+          <p:cNvPr id="9" name="Rectangle 8"/>
+          <p:cNvSpPr/>
+          <p:nvPr/>
+        </p:nvSpPr>
+        <p:spPr bwMode="auto">
+          <a:xfrm>
+            <a:off x="1835696" y="3501008"/>
+            <a:ext cx="1800200" cy="360040"/>
+          </a:xfrm>
+          <a:prstGeom prst="rect">
+            <a:avLst/>
+          </a:prstGeom>
+          <a:solidFill>
+            <a:srgbClr val="000000">
+              <a:alpha val="70000"/>
+            </a:srgbClr>
+          </a:solidFill>
+          <a:ln w="9525" cap="flat" cmpd="sng" algn="ctr">
+            <a:noFill/>
+            <a:prstDash val="solid"/>
+            <a:round/>
+            <a:headEnd type="none" w="med" len="med"/>
+            <a:tailEnd type="none" w="med" len="med"/>
+          </a:ln>
+          <a:effectLst/>
+        </p:spPr>
+        <p:txBody>
+          <a:bodyPr vert="horz" wrap="square" lIns="91440" tIns="45720" rIns="91440" bIns="45720" numCol="1" rtlCol="0" anchor="t" anchorCtr="0" compatLnSpc="1">
+            <a:prstTxWarp prst="textNoShape">
+              <a:avLst/>
+            </a:prstTxWarp>
+          </a:bodyPr>
+          <a:lstStyle/>
+          <a:p>
+            <a:pPr marL="0" marR="0" indent="0" algn="l" defTabSz="449263" rtl="0" eaLnBrk="1" fontAlgn="base" latinLnBrk="0" hangingPunct="1">
+              <a:lnSpc>
+                <a:spcPct val="100000"/>
+              </a:lnSpc>
+              <a:spcBef>
+                <a:spcPct val="0"/>
+              </a:spcBef>
+              <a:spcAft>
+                <a:spcPct val="0"/>
+              </a:spcAft>
+              <a:buClr>
+                <a:srgbClr val="000000"/>
+              </a:buClr>
+              <a:buSzPct val="100000"/>
+              <a:buFont typeface="Times New Roman" charset="0"/>
+              <a:buNone/>
+              <a:tabLst/>
+            </a:pPr>
+            <a:endParaRPr kumimoji="0" lang="en-US" sz="2200" b="0" i="1" u="none" strike="noStrike" cap="none" normalizeH="0" baseline="0">
+              <a:ln>
+                <a:noFill/>
+              </a:ln>
+              <a:solidFill>
+                <a:schemeClr val="bg1"/>
+              </a:solidFill>
+              <a:effectLst/>
+              <a:latin typeface="Myriad Web" charset="0"/>
+            </a:endParaRPr>
+          </a:p>
+        </p:txBody>
+      </p:sp>
+      <p:sp>
+        <p:nvSpPr>
+          <p:cNvPr id="10" name="Rectangle 9"/>
+          <p:cNvSpPr/>
+          <p:nvPr/>
+        </p:nvSpPr>
+        <p:spPr bwMode="auto">
+          <a:xfrm>
+            <a:off x="107504" y="4200362"/>
+            <a:ext cx="9036496" cy="1368152"/>
+          </a:xfrm>
+          <a:prstGeom prst="rect">
+            <a:avLst/>
+          </a:prstGeom>
+          <a:solidFill>
+            <a:srgbClr val="000000"/>
+          </a:solidFill>
+          <a:ln w="9525" cap="flat" cmpd="sng" algn="ctr">
+            <a:solidFill>
+              <a:schemeClr val="tx1"/>
+            </a:solidFill>
+            <a:prstDash val="solid"/>
+            <a:round/>
+            <a:headEnd type="none" w="med" len="med"/>
+            <a:tailEnd type="none" w="med" len="med"/>
+          </a:ln>
+          <a:effectLst/>
+        </p:spPr>
+        <p:txBody>
+          <a:bodyPr vert="horz" wrap="square" lIns="91440" tIns="45720" rIns="91440" bIns="45720" numCol="1" rtlCol="0" anchor="t" anchorCtr="0" compatLnSpc="1">
+            <a:prstTxWarp prst="textNoShape">
+              <a:avLst/>
+            </a:prstTxWarp>
+          </a:bodyPr>
+          <a:lstStyle/>
+          <a:p>
+            <a:pPr marL="0" marR="0" indent="0" algn="l" defTabSz="449263" rtl="0" eaLnBrk="1" fontAlgn="base" latinLnBrk="0" hangingPunct="1">
+              <a:lnSpc>
+                <a:spcPct val="100000"/>
+              </a:lnSpc>
+              <a:spcBef>
+                <a:spcPct val="0"/>
+              </a:spcBef>
+              <a:spcAft>
+                <a:spcPct val="0"/>
+              </a:spcAft>
+              <a:buClr>
+                <a:srgbClr val="000000"/>
+              </a:buClr>
+              <a:buSzPct val="100000"/>
+              <a:buFont typeface="Times New Roman" charset="0"/>
+              <a:buNone/>
+              <a:tabLst/>
+            </a:pPr>
+            <a:endParaRPr kumimoji="0" lang="en-US" sz="2200" b="0" i="1" u="none" strike="noStrike" cap="none" normalizeH="0" baseline="0">
+              <a:ln>
+                <a:noFill/>
+              </a:ln>
+              <a:solidFill>
+                <a:schemeClr val="bg1"/>
+              </a:solidFill>
+              <a:effectLst/>
+              <a:latin typeface="Myriad Web" charset="0"/>
+            </a:endParaRPr>
+          </a:p>
+        </p:txBody>
+      </p:sp>
+      <p:sp>
+        <p:nvSpPr>
+          <p:cNvPr id="7" name="Rectangle 6"/>
+          <p:cNvSpPr/>
+          <p:nvPr/>
+        </p:nvSpPr>
+        <p:spPr bwMode="auto">
+          <a:xfrm>
+            <a:off x="1691680" y="3908398"/>
+            <a:ext cx="3084014" cy="360040"/>
+          </a:xfrm>
+          <a:prstGeom prst="rect">
+            <a:avLst/>
+          </a:prstGeom>
+          <a:solidFill>
+            <a:srgbClr val="000000">
+              <a:alpha val="70000"/>
+            </a:srgbClr>
+          </a:solidFill>
+          <a:ln w="9525" cap="flat" cmpd="sng" algn="ctr">
+            <a:noFill/>
+            <a:prstDash val="solid"/>
+            <a:round/>
+            <a:headEnd type="none" w="med" len="med"/>
+            <a:tailEnd type="none" w="med" len="med"/>
+          </a:ln>
+          <a:effectLst/>
+        </p:spPr>
+        <p:txBody>
+          <a:bodyPr vert="horz" wrap="square" lIns="91440" tIns="45720" rIns="91440" bIns="45720" numCol="1" rtlCol="0" anchor="t" anchorCtr="0" compatLnSpc="1">
+            <a:prstTxWarp prst="textNoShape">
+              <a:avLst/>
+            </a:prstTxWarp>
+          </a:bodyPr>
+          <a:lstStyle/>
+          <a:p>
+            <a:pPr marL="0" marR="0" indent="0" algn="l" defTabSz="449263" rtl="0" eaLnBrk="1" fontAlgn="base" latinLnBrk="0" hangingPunct="1">
+              <a:lnSpc>
+                <a:spcPct val="100000"/>
+              </a:lnSpc>
+              <a:spcBef>
+                <a:spcPct val="0"/>
+              </a:spcBef>
+              <a:spcAft>
+                <a:spcPct val="0"/>
+              </a:spcAft>
+              <a:buClr>
+                <a:srgbClr val="000000"/>
+              </a:buClr>
+              <a:buSzPct val="100000"/>
+              <a:buFont typeface="Times New Roman" charset="0"/>
+              <a:buNone/>
+              <a:tabLst/>
+            </a:pPr>
+            <a:endParaRPr kumimoji="0" lang="en-US" sz="2200" b="0" i="1" u="none" strike="noStrike" cap="none" normalizeH="0" baseline="0">
+              <a:ln>
+                <a:noFill/>
+              </a:ln>
+              <a:solidFill>
+                <a:schemeClr val="bg1"/>
+              </a:solidFill>
+              <a:effectLst/>
+              <a:latin typeface="Myriad Web" charset="0"/>
+            </a:endParaRPr>
+          </a:p>
+        </p:txBody>
+      </p:sp>
+      <p:sp>
+        <p:nvSpPr>
+          <p:cNvPr id="8" name="Rectangle 7"/>
+          <p:cNvSpPr/>
+          <p:nvPr/>
+        </p:nvSpPr>
+        <p:spPr bwMode="auto">
+          <a:xfrm>
+            <a:off x="5436096" y="3861048"/>
+            <a:ext cx="2952328" cy="432048"/>
+          </a:xfrm>
+          <a:prstGeom prst="rect">
+            <a:avLst/>
+          </a:prstGeom>
+          <a:solidFill>
+            <a:srgbClr val="000000">
+              <a:alpha val="70000"/>
+            </a:srgbClr>
+          </a:solidFill>
+          <a:ln w="9525" cap="flat" cmpd="sng" algn="ctr">
+            <a:noFill/>
+            <a:prstDash val="solid"/>
+            <a:round/>
+            <a:headEnd type="none" w="med" len="med"/>
+            <a:tailEnd type="none" w="med" len="med"/>
+          </a:ln>
+          <a:effectLst/>
+        </p:spPr>
+        <p:txBody>
+          <a:bodyPr vert="horz" wrap="square" lIns="91440" tIns="45720" rIns="91440" bIns="45720" numCol="1" rtlCol="0" anchor="t" anchorCtr="0" compatLnSpc="1">
+            <a:prstTxWarp prst="textNoShape">
+              <a:avLst/>
+            </a:prstTxWarp>
+          </a:bodyPr>
+          <a:lstStyle/>
+          <a:p>
+            <a:pPr marL="0" marR="0" indent="0" algn="l" defTabSz="449263" rtl="0" eaLnBrk="1" fontAlgn="base" latinLnBrk="0" hangingPunct="1">
+              <a:lnSpc>
+                <a:spcPct val="100000"/>
+              </a:lnSpc>
+              <a:spcBef>
+                <a:spcPct val="0"/>
+              </a:spcBef>
+              <a:spcAft>
+                <a:spcPct val="0"/>
+              </a:spcAft>
+              <a:buClr>
+                <a:srgbClr val="000000"/>
+              </a:buClr>
+              <a:buSzPct val="100000"/>
+              <a:buFont typeface="Times New Roman" charset="0"/>
+              <a:buNone/>
+              <a:tabLst/>
+            </a:pPr>
+            <a:endParaRPr kumimoji="0" lang="en-US" sz="2200" b="0" i="1" u="none" strike="noStrike" cap="none" normalizeH="0" baseline="0">
+              <a:ln>
+                <a:noFill/>
+              </a:ln>
+              <a:solidFill>
+                <a:schemeClr val="bg1"/>
+              </a:solidFill>
+              <a:effectLst/>
+              <a:latin typeface="Myriad Web" charset="0"/>
+            </a:endParaRPr>
+          </a:p>
+        </p:txBody>
+      </p:sp>
+      <p:sp>
+        <p:nvSpPr>
+          <p:cNvPr id="11" name="Rectangle 10"/>
+          <p:cNvSpPr/>
+          <p:nvPr/>
+        </p:nvSpPr>
+        <p:spPr bwMode="auto">
+          <a:xfrm>
+            <a:off x="5506132" y="3513337"/>
+            <a:ext cx="1800200" cy="360040"/>
+          </a:xfrm>
+          <a:prstGeom prst="rect">
+            <a:avLst/>
+          </a:prstGeom>
+          <a:solidFill>
+            <a:srgbClr val="000000">
+              <a:alpha val="70000"/>
+            </a:srgbClr>
+          </a:solidFill>
+          <a:ln w="9525" cap="flat" cmpd="sng" algn="ctr">
+            <a:noFill/>
+            <a:prstDash val="solid"/>
+            <a:round/>
+            <a:headEnd type="none" w="med" len="med"/>
+            <a:tailEnd type="none" w="med" len="med"/>
+          </a:ln>
+          <a:effectLst/>
+        </p:spPr>
+        <p:txBody>
+          <a:bodyPr vert="horz" wrap="square" lIns="91440" tIns="45720" rIns="91440" bIns="45720" numCol="1" rtlCol="0" anchor="t" anchorCtr="0" compatLnSpc="1">
+            <a:prstTxWarp prst="textNoShape">
+              <a:avLst/>
+            </a:prstTxWarp>
+          </a:bodyPr>
+          <a:lstStyle/>
+          <a:p>
+            <a:pPr marL="0" marR="0" indent="0" algn="l" defTabSz="449263" rtl="0" eaLnBrk="1" fontAlgn="base" latinLnBrk="0" hangingPunct="1">
+              <a:lnSpc>
+                <a:spcPct val="100000"/>
+              </a:lnSpc>
+              <a:spcBef>
+                <a:spcPct val="0"/>
+              </a:spcBef>
+              <a:spcAft>
+                <a:spcPct val="0"/>
+              </a:spcAft>
+              <a:buClr>
+                <a:srgbClr val="000000"/>
+              </a:buClr>
+              <a:buSzPct val="100000"/>
+              <a:buFont typeface="Times New Roman" charset="0"/>
+              <a:buNone/>
+              <a:tabLst/>
+            </a:pPr>
+            <a:endParaRPr kumimoji="0" lang="en-US" sz="2200" b="0" i="1" u="none" strike="noStrike" cap="none" normalizeH="0" baseline="0">
+              <a:ln>
+                <a:noFill/>
+              </a:ln>
+              <a:solidFill>
+                <a:schemeClr val="bg1"/>
+              </a:solidFill>
+              <a:effectLst/>
+              <a:latin typeface="Myriad Web" charset="0"/>
+            </a:endParaRPr>
+          </a:p>
+        </p:txBody>
+      </p:sp>
+      <p:sp>
+        <p:nvSpPr>
+          <p:cNvPr id="12" name="Rectangle 11"/>
+          <p:cNvSpPr/>
+          <p:nvPr/>
+        </p:nvSpPr>
+        <p:spPr bwMode="auto">
+          <a:xfrm>
+            <a:off x="1043608" y="2252214"/>
+            <a:ext cx="7992888" cy="1176786"/>
+          </a:xfrm>
+          <a:prstGeom prst="rect">
+            <a:avLst/>
+          </a:prstGeom>
+          <a:solidFill>
+            <a:srgbClr val="000000"/>
+          </a:solidFill>
+          <a:ln w="9525" cap="flat" cmpd="sng" algn="ctr">
+            <a:solidFill>
+              <a:schemeClr val="tx1"/>
+            </a:solidFill>
+            <a:prstDash val="solid"/>
+            <a:round/>
+            <a:headEnd type="none" w="med" len="med"/>
+            <a:tailEnd type="none" w="med" len="med"/>
+          </a:ln>
+          <a:effectLst/>
+        </p:spPr>
+        <p:txBody>
+          <a:bodyPr vert="horz" wrap="square" lIns="91440" tIns="45720" rIns="91440" bIns="45720" numCol="1" rtlCol="0" anchor="t" anchorCtr="0" compatLnSpc="1">
+            <a:prstTxWarp prst="textNoShape">
+              <a:avLst/>
+            </a:prstTxWarp>
+          </a:bodyPr>
+          <a:lstStyle/>
+          <a:p>
+            <a:pPr marL="0" marR="0" indent="0" algn="l" defTabSz="449263" rtl="0" eaLnBrk="1" fontAlgn="base" latinLnBrk="0" hangingPunct="1">
+              <a:lnSpc>
+                <a:spcPct val="100000"/>
+              </a:lnSpc>
+              <a:spcBef>
+                <a:spcPct val="0"/>
+              </a:spcBef>
+              <a:spcAft>
+                <a:spcPct val="0"/>
+              </a:spcAft>
+              <a:buClr>
+                <a:srgbClr val="000000"/>
+              </a:buClr>
+              <a:buSzPct val="100000"/>
+              <a:buFont typeface="Times New Roman" charset="0"/>
+              <a:buNone/>
+              <a:tabLst/>
+            </a:pPr>
+            <a:endParaRPr kumimoji="0" lang="en-US" sz="2200" b="0" i="1" u="none" strike="noStrike" cap="none" normalizeH="0" baseline="0">
+              <a:ln>
+                <a:noFill/>
+              </a:ln>
+              <a:solidFill>
+                <a:schemeClr val="bg1"/>
+              </a:solidFill>
+              <a:effectLst/>
+              <a:latin typeface="Myriad Web" charset="0"/>
+            </a:endParaRPr>
+          </a:p>
+        </p:txBody>
+      </p:sp>
+      <p:sp>
+        <p:nvSpPr>
+          <p:cNvPr id="13" name="Rectangle 12"/>
+          <p:cNvSpPr/>
+          <p:nvPr/>
+        </p:nvSpPr>
+        <p:spPr bwMode="auto">
+          <a:xfrm>
+            <a:off x="107504" y="1772816"/>
+            <a:ext cx="1224136" cy="1176786"/>
+          </a:xfrm>
+          <a:prstGeom prst="rect">
+            <a:avLst/>
+          </a:prstGeom>
+          <a:solidFill>
+            <a:srgbClr val="000000"/>
+          </a:solidFill>
+          <a:ln w="9525" cap="flat" cmpd="sng" algn="ctr">
+            <a:solidFill>
+              <a:schemeClr val="tx1"/>
+            </a:solidFill>
+            <a:prstDash val="solid"/>
+            <a:round/>
+            <a:headEnd type="none" w="med" len="med"/>
+            <a:tailEnd type="none" w="med" len="med"/>
+          </a:ln>
+          <a:effectLst/>
+        </p:spPr>
+        <p:txBody>
+          <a:bodyPr vert="horz" wrap="square" lIns="91440" tIns="45720" rIns="91440" bIns="45720" numCol="1" rtlCol="0" anchor="t" anchorCtr="0" compatLnSpc="1">
+            <a:prstTxWarp prst="textNoShape">
+              <a:avLst/>
+            </a:prstTxWarp>
+          </a:bodyPr>
+          <a:lstStyle/>
+          <a:p>
+            <a:pPr marL="0" marR="0" indent="0" algn="l" defTabSz="449263" rtl="0" eaLnBrk="1" fontAlgn="base" latinLnBrk="0" hangingPunct="1">
+              <a:lnSpc>
+                <a:spcPct val="100000"/>
+              </a:lnSpc>
+              <a:spcBef>
+                <a:spcPct val="0"/>
+              </a:spcBef>
+              <a:spcAft>
+                <a:spcPct val="0"/>
+              </a:spcAft>
+              <a:buClr>
+                <a:srgbClr val="000000"/>
+              </a:buClr>
+              <a:buSzPct val="100000"/>
+              <a:buFont typeface="Times New Roman" charset="0"/>
+              <a:buNone/>
+              <a:tabLst/>
+            </a:pPr>
+            <a:endParaRPr kumimoji="0" lang="en-US" sz="2200" b="0" i="1" u="none" strike="noStrike" cap="none" normalizeH="0" baseline="0">
+              <a:ln>
+                <a:noFill/>
+              </a:ln>
+              <a:solidFill>
+                <a:schemeClr val="bg1"/>
+              </a:solidFill>
+              <a:effectLst/>
+              <a:latin typeface="Myriad Web" charset="0"/>
+            </a:endParaRPr>
+          </a:p>
+        </p:txBody>
+      </p:sp>
+    </p:spTree>
+    <p:extLst>
+      <p:ext uri="{BB962C8B-B14F-4D97-AF65-F5344CB8AC3E}">
+        <p14:creationId xmlns:p14="http://schemas.microsoft.com/office/powerpoint/2010/main" val="4247926626"/>
+      </p:ext>
+    </p:extLst>
+  </p:cSld>
+  <p:clrMapOvr>
+    <a:masterClrMapping/>
+  </p:clrMapOvr>
+  <p:transition xmlns:p14="http://schemas.microsoft.com/office/powerpoint/2010/main"/>
+  <p:timing>
+    <p:tnLst>
+      <p:par>
+        <p:cTn xmlns:p14="http://schemas.microsoft.com/office/powerpoint/2010/main" id="1" dur="indefinite" restart="never" nodeType="tmRoot"/>
+      </p:par>
+    </p:tnLst>
+  </p:timing>
+</p:sld>
+</file>
+
+<file path=ppt/slides/slide34.xml><?xml version="1.0" encoding="utf-8"?>
+<p:sld xmlns:a="http://schemas.openxmlformats.org/drawingml/2006/main" xmlns:r="http://schemas.openxmlformats.org/officeDocument/2006/relationships" xmlns:p="http://schemas.openxmlformats.org/presentationml/2006/main">
+  <p:cSld>
+    <p:spTree>
+      <p:nvGrpSpPr>
+        <p:cNvPr id="1" name=""/>
+        <p:cNvGrpSpPr/>
+        <p:nvPr/>
+      </p:nvGrpSpPr>
+      <p:grpSpPr>
+        <a:xfrm>
+          <a:off x="0" y="0"/>
+          <a:ext cx="0" cy="0"/>
+          <a:chOff x="0" y="0"/>
+          <a:chExt cx="0" cy="0"/>
+        </a:xfrm>
+      </p:grpSpPr>
+      <p:sp>
+        <p:nvSpPr>
+          <p:cNvPr id="15362" name="Rectangle 4"/>
+          <p:cNvSpPr>
+            <a:spLocks noChangeArrowheads="1"/>
+          </p:cNvSpPr>
+          <p:nvPr/>
+        </p:nvSpPr>
+        <p:spPr bwMode="auto">
+          <a:xfrm>
+            <a:off x="1691482" y="980728"/>
+            <a:ext cx="5761037" cy="430887"/>
+          </a:xfrm>
+          <a:prstGeom prst="rect">
+            <a:avLst/>
+          </a:prstGeom>
+          <a:noFill/>
+          <a:ln>
+            <a:noFill/>
+          </a:ln>
+          <a:extLst>
+            <a:ext uri="{909E8E84-426E-40dd-AFC4-6F175D3DCCD1}">
+              <a14:hiddenFill xmlns:a14="http://schemas.microsoft.com/office/drawing/2010/main">
+                <a:solidFill>
+                  <a:srgbClr val="FFFFFF"/>
+                </a:solidFill>
+              </a14:hiddenFill>
+            </a:ext>
+            <a:ext uri="{91240B29-F687-4f45-9708-019B960494DF}">
+              <a14:hiddenLine xmlns:a14="http://schemas.microsoft.com/office/drawing/2010/main" w="9525">
+                <a:solidFill>
+                  <a:srgbClr val="000000"/>
+                </a:solidFill>
+                <a:miter lim="800000"/>
+                <a:headEnd/>
+                <a:tailEnd/>
+              </a14:hiddenLine>
+            </a:ext>
+          </a:extLst>
+        </p:spPr>
+        <p:txBody>
+          <a:bodyPr anchor="ctr">
+            <a:spAutoFit/>
+          </a:bodyPr>
+          <a:lstStyle/>
+          <a:p>
+            <a:pPr algn="ctr"/>
+            <a:r>
+              <a:rPr lang="en-GB" altLang="ja-JP" i="0" dirty="0" smtClean="0">
+                <a:effectLst>
+                  <a:glow rad="101600">
+                    <a:srgbClr val="000000"/>
+                  </a:glow>
+                </a:effectLst>
+              </a:rPr>
+              <a:t>Actions, outcomes &amp; conditions</a:t>
+            </a:r>
+            <a:endParaRPr lang="en-GB" i="0" dirty="0">
+              <a:effectLst>
+                <a:glow rad="101600">
+                  <a:srgbClr val="000000"/>
+                </a:glow>
+              </a:effectLst>
+            </a:endParaRPr>
+          </a:p>
+        </p:txBody>
+      </p:sp>
+      <p:pic>
+        <p:nvPicPr>
+          <p:cNvPr id="4" name="Picture 3"/>
+          <p:cNvPicPr>
+            <a:picLocks noChangeAspect="1"/>
+          </p:cNvPicPr>
+          <p:nvPr/>
+        </p:nvPicPr>
+        <p:blipFill>
+          <a:blip r:embed="rId3"/>
+          <a:stretch>
+            <a:fillRect/>
+          </a:stretch>
+        </p:blipFill>
+        <p:spPr>
+          <a:xfrm>
+            <a:off x="0" y="2463800"/>
+            <a:ext cx="9144000" cy="1925053"/>
+          </a:xfrm>
+          <a:prstGeom prst="rect">
+            <a:avLst/>
+          </a:prstGeom>
+        </p:spPr>
+      </p:pic>
+      <p:sp>
+        <p:nvSpPr>
+          <p:cNvPr id="9" name="Rectangle 8"/>
+          <p:cNvSpPr/>
+          <p:nvPr/>
+        </p:nvSpPr>
+        <p:spPr bwMode="auto">
+          <a:xfrm>
+            <a:off x="1835696" y="3501008"/>
+            <a:ext cx="1800200" cy="360040"/>
+          </a:xfrm>
+          <a:prstGeom prst="rect">
+            <a:avLst/>
+          </a:prstGeom>
+          <a:solidFill>
+            <a:srgbClr val="000000">
+              <a:alpha val="70000"/>
+            </a:srgbClr>
+          </a:solidFill>
+          <a:ln w="9525" cap="flat" cmpd="sng" algn="ctr">
+            <a:noFill/>
+            <a:prstDash val="solid"/>
+            <a:round/>
+            <a:headEnd type="none" w="med" len="med"/>
+            <a:tailEnd type="none" w="med" len="med"/>
+          </a:ln>
+          <a:effectLst/>
+        </p:spPr>
+        <p:txBody>
+          <a:bodyPr vert="horz" wrap="square" lIns="91440" tIns="45720" rIns="91440" bIns="45720" numCol="1" rtlCol="0" anchor="t" anchorCtr="0" compatLnSpc="1">
+            <a:prstTxWarp prst="textNoShape">
+              <a:avLst/>
+            </a:prstTxWarp>
+          </a:bodyPr>
+          <a:lstStyle/>
+          <a:p>
+            <a:pPr marL="0" marR="0" indent="0" algn="l" defTabSz="449263" rtl="0" eaLnBrk="1" fontAlgn="base" latinLnBrk="0" hangingPunct="1">
+              <a:lnSpc>
+                <a:spcPct val="100000"/>
+              </a:lnSpc>
+              <a:spcBef>
+                <a:spcPct val="0"/>
+              </a:spcBef>
+              <a:spcAft>
+                <a:spcPct val="0"/>
+              </a:spcAft>
+              <a:buClr>
+                <a:srgbClr val="000000"/>
+              </a:buClr>
+              <a:buSzPct val="100000"/>
+              <a:buFont typeface="Times New Roman" charset="0"/>
+              <a:buNone/>
+              <a:tabLst/>
+            </a:pPr>
+            <a:endParaRPr kumimoji="0" lang="en-US" sz="2200" b="0" i="1" u="none" strike="noStrike" cap="none" normalizeH="0" baseline="0">
+              <a:ln>
+                <a:noFill/>
+              </a:ln>
+              <a:solidFill>
+                <a:schemeClr val="bg1"/>
+              </a:solidFill>
+              <a:effectLst/>
+              <a:latin typeface="Myriad Web" charset="0"/>
+            </a:endParaRPr>
+          </a:p>
+        </p:txBody>
+      </p:sp>
+      <p:sp>
+        <p:nvSpPr>
+          <p:cNvPr id="10" name="Rectangle 9"/>
+          <p:cNvSpPr/>
+          <p:nvPr/>
+        </p:nvSpPr>
+        <p:spPr bwMode="auto">
+          <a:xfrm>
+            <a:off x="107504" y="4200362"/>
+            <a:ext cx="9036496" cy="1368152"/>
+          </a:xfrm>
+          <a:prstGeom prst="rect">
+            <a:avLst/>
+          </a:prstGeom>
+          <a:solidFill>
+            <a:srgbClr val="000000"/>
+          </a:solidFill>
+          <a:ln w="9525" cap="flat" cmpd="sng" algn="ctr">
+            <a:solidFill>
+              <a:schemeClr val="tx1"/>
+            </a:solidFill>
+            <a:prstDash val="solid"/>
+            <a:round/>
+            <a:headEnd type="none" w="med" len="med"/>
+            <a:tailEnd type="none" w="med" len="med"/>
+          </a:ln>
+          <a:effectLst/>
+        </p:spPr>
+        <p:txBody>
+          <a:bodyPr vert="horz" wrap="square" lIns="91440" tIns="45720" rIns="91440" bIns="45720" numCol="1" rtlCol="0" anchor="t" anchorCtr="0" compatLnSpc="1">
+            <a:prstTxWarp prst="textNoShape">
+              <a:avLst/>
+            </a:prstTxWarp>
+          </a:bodyPr>
+          <a:lstStyle/>
+          <a:p>
+            <a:pPr marL="0" marR="0" indent="0" algn="l" defTabSz="449263" rtl="0" eaLnBrk="1" fontAlgn="base" latinLnBrk="0" hangingPunct="1">
+              <a:lnSpc>
+                <a:spcPct val="100000"/>
+              </a:lnSpc>
+              <a:spcBef>
+                <a:spcPct val="0"/>
+              </a:spcBef>
+              <a:spcAft>
+                <a:spcPct val="0"/>
+              </a:spcAft>
+              <a:buClr>
+                <a:srgbClr val="000000"/>
+              </a:buClr>
+              <a:buSzPct val="100000"/>
+              <a:buFont typeface="Times New Roman" charset="0"/>
+              <a:buNone/>
+              <a:tabLst/>
+            </a:pPr>
+            <a:endParaRPr kumimoji="0" lang="en-US" sz="2200" b="0" i="1" u="none" strike="noStrike" cap="none" normalizeH="0" baseline="0">
+              <a:ln>
+                <a:noFill/>
+              </a:ln>
+              <a:solidFill>
+                <a:schemeClr val="bg1"/>
+              </a:solidFill>
+              <a:effectLst/>
+              <a:latin typeface="Myriad Web" charset="0"/>
+            </a:endParaRPr>
+          </a:p>
+        </p:txBody>
+      </p:sp>
+      <p:sp>
+        <p:nvSpPr>
+          <p:cNvPr id="7" name="Rectangle 6"/>
+          <p:cNvSpPr/>
+          <p:nvPr/>
+        </p:nvSpPr>
+        <p:spPr bwMode="auto">
+          <a:xfrm>
+            <a:off x="1691680" y="3908398"/>
+            <a:ext cx="3084014" cy="360040"/>
+          </a:xfrm>
+          <a:prstGeom prst="rect">
+            <a:avLst/>
+          </a:prstGeom>
+          <a:solidFill>
+            <a:srgbClr val="000000">
+              <a:alpha val="70000"/>
+            </a:srgbClr>
+          </a:solidFill>
+          <a:ln w="9525" cap="flat" cmpd="sng" algn="ctr">
+            <a:noFill/>
+            <a:prstDash val="solid"/>
+            <a:round/>
+            <a:headEnd type="none" w="med" len="med"/>
+            <a:tailEnd type="none" w="med" len="med"/>
+          </a:ln>
+          <a:effectLst/>
+        </p:spPr>
+        <p:txBody>
+          <a:bodyPr vert="horz" wrap="square" lIns="91440" tIns="45720" rIns="91440" bIns="45720" numCol="1" rtlCol="0" anchor="t" anchorCtr="0" compatLnSpc="1">
+            <a:prstTxWarp prst="textNoShape">
+              <a:avLst/>
+            </a:prstTxWarp>
+          </a:bodyPr>
+          <a:lstStyle/>
+          <a:p>
+            <a:pPr marL="0" marR="0" indent="0" algn="l" defTabSz="449263" rtl="0" eaLnBrk="1" fontAlgn="base" latinLnBrk="0" hangingPunct="1">
+              <a:lnSpc>
+                <a:spcPct val="100000"/>
+              </a:lnSpc>
+              <a:spcBef>
+                <a:spcPct val="0"/>
+              </a:spcBef>
+              <a:spcAft>
+                <a:spcPct val="0"/>
+              </a:spcAft>
+              <a:buClr>
+                <a:srgbClr val="000000"/>
+              </a:buClr>
+              <a:buSzPct val="100000"/>
+              <a:buFont typeface="Times New Roman" charset="0"/>
+              <a:buNone/>
+              <a:tabLst/>
+            </a:pPr>
+            <a:endParaRPr kumimoji="0" lang="en-US" sz="2200" b="0" i="1" u="none" strike="noStrike" cap="none" normalizeH="0" baseline="0">
+              <a:ln>
+                <a:noFill/>
+              </a:ln>
+              <a:solidFill>
+                <a:schemeClr val="bg1"/>
+              </a:solidFill>
+              <a:effectLst/>
+              <a:latin typeface="Myriad Web" charset="0"/>
+            </a:endParaRPr>
+          </a:p>
+        </p:txBody>
+      </p:sp>
+      <p:sp>
+        <p:nvSpPr>
+          <p:cNvPr id="8" name="Rectangle 7"/>
+          <p:cNvSpPr/>
+          <p:nvPr/>
+        </p:nvSpPr>
+        <p:spPr bwMode="auto">
+          <a:xfrm>
+            <a:off x="5436096" y="3861048"/>
+            <a:ext cx="2952328" cy="432048"/>
+          </a:xfrm>
+          <a:prstGeom prst="rect">
+            <a:avLst/>
+          </a:prstGeom>
+          <a:solidFill>
+            <a:srgbClr val="000000">
+              <a:alpha val="70000"/>
+            </a:srgbClr>
+          </a:solidFill>
+          <a:ln w="9525" cap="flat" cmpd="sng" algn="ctr">
+            <a:noFill/>
+            <a:prstDash val="solid"/>
+            <a:round/>
+            <a:headEnd type="none" w="med" len="med"/>
+            <a:tailEnd type="none" w="med" len="med"/>
+          </a:ln>
+          <a:effectLst/>
+        </p:spPr>
+        <p:txBody>
+          <a:bodyPr vert="horz" wrap="square" lIns="91440" tIns="45720" rIns="91440" bIns="45720" numCol="1" rtlCol="0" anchor="t" anchorCtr="0" compatLnSpc="1">
+            <a:prstTxWarp prst="textNoShape">
+              <a:avLst/>
+            </a:prstTxWarp>
+          </a:bodyPr>
+          <a:lstStyle/>
+          <a:p>
+            <a:pPr marL="0" marR="0" indent="0" algn="l" defTabSz="449263" rtl="0" eaLnBrk="1" fontAlgn="base" latinLnBrk="0" hangingPunct="1">
+              <a:lnSpc>
+                <a:spcPct val="100000"/>
+              </a:lnSpc>
+              <a:spcBef>
+                <a:spcPct val="0"/>
+              </a:spcBef>
+              <a:spcAft>
+                <a:spcPct val="0"/>
+              </a:spcAft>
+              <a:buClr>
+                <a:srgbClr val="000000"/>
+              </a:buClr>
+              <a:buSzPct val="100000"/>
+              <a:buFont typeface="Times New Roman" charset="0"/>
+              <a:buNone/>
+              <a:tabLst/>
+            </a:pPr>
+            <a:endParaRPr kumimoji="0" lang="en-US" sz="2200" b="0" i="1" u="none" strike="noStrike" cap="none" normalizeH="0" baseline="0">
+              <a:ln>
+                <a:noFill/>
+              </a:ln>
+              <a:solidFill>
+                <a:schemeClr val="bg1"/>
+              </a:solidFill>
+              <a:effectLst/>
+              <a:latin typeface="Myriad Web" charset="0"/>
+            </a:endParaRPr>
+          </a:p>
+        </p:txBody>
+      </p:sp>
+      <p:sp>
+        <p:nvSpPr>
+          <p:cNvPr id="11" name="Rectangle 10"/>
+          <p:cNvSpPr/>
+          <p:nvPr/>
+        </p:nvSpPr>
+        <p:spPr bwMode="auto">
+          <a:xfrm>
+            <a:off x="5506132" y="3513337"/>
+            <a:ext cx="1800200" cy="360040"/>
+          </a:xfrm>
+          <a:prstGeom prst="rect">
+            <a:avLst/>
+          </a:prstGeom>
+          <a:solidFill>
+            <a:srgbClr val="000000">
+              <a:alpha val="70000"/>
+            </a:srgbClr>
+          </a:solidFill>
+          <a:ln w="9525" cap="flat" cmpd="sng" algn="ctr">
+            <a:noFill/>
+            <a:prstDash val="solid"/>
+            <a:round/>
+            <a:headEnd type="none" w="med" len="med"/>
+            <a:tailEnd type="none" w="med" len="med"/>
+          </a:ln>
+          <a:effectLst/>
+        </p:spPr>
+        <p:txBody>
+          <a:bodyPr vert="horz" wrap="square" lIns="91440" tIns="45720" rIns="91440" bIns="45720" numCol="1" rtlCol="0" anchor="t" anchorCtr="0" compatLnSpc="1">
+            <a:prstTxWarp prst="textNoShape">
+              <a:avLst/>
+            </a:prstTxWarp>
+          </a:bodyPr>
+          <a:lstStyle/>
+          <a:p>
+            <a:pPr marL="0" marR="0" indent="0" algn="l" defTabSz="449263" rtl="0" eaLnBrk="1" fontAlgn="base" latinLnBrk="0" hangingPunct="1">
+              <a:lnSpc>
+                <a:spcPct val="100000"/>
+              </a:lnSpc>
+              <a:spcBef>
+                <a:spcPct val="0"/>
+              </a:spcBef>
+              <a:spcAft>
+                <a:spcPct val="0"/>
+              </a:spcAft>
+              <a:buClr>
+                <a:srgbClr val="000000"/>
+              </a:buClr>
+              <a:buSzPct val="100000"/>
+              <a:buFont typeface="Times New Roman" charset="0"/>
+              <a:buNone/>
+              <a:tabLst/>
+            </a:pPr>
+            <a:endParaRPr kumimoji="0" lang="en-US" sz="2200" b="0" i="1" u="none" strike="noStrike" cap="none" normalizeH="0" baseline="0">
+              <a:ln>
+                <a:noFill/>
+              </a:ln>
+              <a:solidFill>
+                <a:schemeClr val="bg1"/>
+              </a:solidFill>
+              <a:effectLst/>
+              <a:latin typeface="Myriad Web" charset="0"/>
+            </a:endParaRPr>
+          </a:p>
+        </p:txBody>
+      </p:sp>
+    </p:spTree>
+    <p:extLst>
+      <p:ext uri="{BB962C8B-B14F-4D97-AF65-F5344CB8AC3E}">
+        <p14:creationId xmlns:p14="http://schemas.microsoft.com/office/powerpoint/2010/main" val="2230290355"/>
+      </p:ext>
+    </p:extLst>
+  </p:cSld>
+  <p:clrMapOvr>
+    <a:masterClrMapping/>
+  </p:clrMapOvr>
+  <p:transition xmlns:p14="http://schemas.microsoft.com/office/powerpoint/2010/main"/>
+  <p:timing>
+    <p:tnLst>
+      <p:par>
+        <p:cTn xmlns:p14="http://schemas.microsoft.com/office/powerpoint/2010/main" id="1" dur="indefinite" restart="never" nodeType="tmRoot"/>
+      </p:par>
+    </p:tnLst>
+  </p:timing>
+</p:sld>
+</file>
+
+<file path=ppt/slides/slide35.xml><?xml version="1.0" encoding="utf-8"?>
+<p:sld xmlns:a="http://schemas.openxmlformats.org/drawingml/2006/main" xmlns:r="http://schemas.openxmlformats.org/officeDocument/2006/relationships" xmlns:p="http://schemas.openxmlformats.org/presentationml/2006/main">
+  <p:cSld>
+    <p:spTree>
+      <p:nvGrpSpPr>
+        <p:cNvPr id="1" name=""/>
+        <p:cNvGrpSpPr/>
+        <p:nvPr/>
+      </p:nvGrpSpPr>
+      <p:grpSpPr>
+        <a:xfrm>
+          <a:off x="0" y="0"/>
+          <a:ext cx="0" cy="0"/>
+          <a:chOff x="0" y="0"/>
+          <a:chExt cx="0" cy="0"/>
+        </a:xfrm>
+      </p:grpSpPr>
+      <p:sp>
+        <p:nvSpPr>
+          <p:cNvPr id="15362" name="Rectangle 4"/>
+          <p:cNvSpPr>
+            <a:spLocks noChangeArrowheads="1"/>
+          </p:cNvSpPr>
+          <p:nvPr/>
+        </p:nvSpPr>
+        <p:spPr bwMode="auto">
+          <a:xfrm>
+            <a:off x="1691482" y="980728"/>
+            <a:ext cx="5761037" cy="430887"/>
+          </a:xfrm>
+          <a:prstGeom prst="rect">
+            <a:avLst/>
+          </a:prstGeom>
+          <a:noFill/>
+          <a:ln>
+            <a:noFill/>
+          </a:ln>
+          <a:extLst>
+            <a:ext uri="{909E8E84-426E-40dd-AFC4-6F175D3DCCD1}">
+              <a14:hiddenFill xmlns:a14="http://schemas.microsoft.com/office/drawing/2010/main">
+                <a:solidFill>
+                  <a:srgbClr val="FFFFFF"/>
+                </a:solidFill>
+              </a14:hiddenFill>
+            </a:ext>
+            <a:ext uri="{91240B29-F687-4f45-9708-019B960494DF}">
+              <a14:hiddenLine xmlns:a14="http://schemas.microsoft.com/office/drawing/2010/main" w="9525">
+                <a:solidFill>
+                  <a:srgbClr val="000000"/>
+                </a:solidFill>
+                <a:miter lim="800000"/>
+                <a:headEnd/>
+                <a:tailEnd/>
+              </a14:hiddenLine>
+            </a:ext>
+          </a:extLst>
+        </p:spPr>
+        <p:txBody>
+          <a:bodyPr anchor="ctr">
+            <a:spAutoFit/>
+          </a:bodyPr>
+          <a:lstStyle/>
+          <a:p>
+            <a:pPr algn="ctr"/>
+            <a:r>
+              <a:rPr lang="en-GB" altLang="ja-JP" i="0" dirty="0" smtClean="0">
+                <a:effectLst>
+                  <a:glow rad="101600">
+                    <a:srgbClr val="000000"/>
+                  </a:glow>
+                </a:effectLst>
+              </a:rPr>
+              <a:t>Actions, outcomes &amp; conditions</a:t>
+            </a:r>
+            <a:endParaRPr lang="en-GB" i="0" dirty="0">
+              <a:effectLst>
+                <a:glow rad="101600">
+                  <a:srgbClr val="000000"/>
+                </a:glow>
+              </a:effectLst>
+            </a:endParaRPr>
+          </a:p>
+        </p:txBody>
+      </p:sp>
+      <p:pic>
+        <p:nvPicPr>
+          <p:cNvPr id="4" name="Picture 3"/>
+          <p:cNvPicPr>
+            <a:picLocks noChangeAspect="1"/>
+          </p:cNvPicPr>
+          <p:nvPr/>
+        </p:nvPicPr>
+        <p:blipFill>
+          <a:blip r:embed="rId3"/>
+          <a:stretch>
+            <a:fillRect/>
+          </a:stretch>
+        </p:blipFill>
+        <p:spPr>
+          <a:xfrm>
+            <a:off x="0" y="2463800"/>
+            <a:ext cx="9144000" cy="1925053"/>
+          </a:xfrm>
+          <a:prstGeom prst="rect">
+            <a:avLst/>
+          </a:prstGeom>
+        </p:spPr>
+      </p:pic>
+    </p:spTree>
+    <p:extLst>
+      <p:ext uri="{BB962C8B-B14F-4D97-AF65-F5344CB8AC3E}">
+        <p14:creationId xmlns:p14="http://schemas.microsoft.com/office/powerpoint/2010/main" val="3680393959"/>
+      </p:ext>
+    </p:extLst>
+  </p:cSld>
+  <p:clrMapOvr>
+    <a:masterClrMapping/>
+  </p:clrMapOvr>
+  <p:transition xmlns:p14="http://schemas.microsoft.com/office/powerpoint/2010/main"/>
+  <p:timing>
+    <p:tnLst>
+      <p:par>
+        <p:cTn xmlns:p14="http://schemas.microsoft.com/office/powerpoint/2010/main" id="1" dur="indefinite" restart="never" nodeType="tmRoot"/>
+      </p:par>
+    </p:tnLst>
+  </p:timing>
+</p:sld>
+</file>
+
+<file path=ppt/slides/slide36.xml><?xml version="1.0" encoding="utf-8"?>
+<p:sld xmlns:a="http://schemas.openxmlformats.org/drawingml/2006/main" xmlns:r="http://schemas.openxmlformats.org/officeDocument/2006/relationships" xmlns:p="http://schemas.openxmlformats.org/presentationml/2006/main">
+  <p:cSld>
+    <p:spTree>
+      <p:nvGrpSpPr>
+        <p:cNvPr id="1" name=""/>
+        <p:cNvGrpSpPr/>
+        <p:nvPr/>
+      </p:nvGrpSpPr>
+      <p:grpSpPr>
+        <a:xfrm>
+          <a:off x="0" y="0"/>
+          <a:ext cx="0" cy="0"/>
+          <a:chOff x="0" y="0"/>
+          <a:chExt cx="0" cy="0"/>
+        </a:xfrm>
+      </p:grpSpPr>
+      <p:sp>
+        <p:nvSpPr>
+          <p:cNvPr id="15362" name="Rectangle 4"/>
+          <p:cNvSpPr>
+            <a:spLocks noChangeArrowheads="1"/>
+          </p:cNvSpPr>
+          <p:nvPr/>
+        </p:nvSpPr>
+        <p:spPr bwMode="auto">
+          <a:xfrm>
+            <a:off x="1691482" y="980728"/>
+            <a:ext cx="5761037" cy="430887"/>
+          </a:xfrm>
+          <a:prstGeom prst="rect">
+            <a:avLst/>
+          </a:prstGeom>
+          <a:noFill/>
+          <a:ln>
+            <a:noFill/>
+          </a:ln>
+          <a:extLst>
+            <a:ext uri="{909E8E84-426E-40dd-AFC4-6F175D3DCCD1}">
+              <a14:hiddenFill xmlns:a14="http://schemas.microsoft.com/office/drawing/2010/main">
+                <a:solidFill>
+                  <a:srgbClr val="FFFFFF"/>
+                </a:solidFill>
+              </a14:hiddenFill>
+            </a:ext>
+            <a:ext uri="{91240B29-F687-4f45-9708-019B960494DF}">
+              <a14:hiddenLine xmlns:a14="http://schemas.microsoft.com/office/drawing/2010/main" w="9525">
+                <a:solidFill>
+                  <a:srgbClr val="000000"/>
+                </a:solidFill>
+                <a:miter lim="800000"/>
+                <a:headEnd/>
+                <a:tailEnd/>
+              </a14:hiddenLine>
+            </a:ext>
+          </a:extLst>
+        </p:spPr>
+        <p:txBody>
+          <a:bodyPr anchor="ctr">
+            <a:spAutoFit/>
+          </a:bodyPr>
+          <a:lstStyle/>
+          <a:p>
+            <a:pPr algn="ctr"/>
+            <a:r>
+              <a:rPr lang="en-GB" altLang="ja-JP" i="0" dirty="0" smtClean="0">
+                <a:effectLst>
+                  <a:glow rad="101600">
+                    <a:srgbClr val="000000"/>
+                  </a:glow>
+                </a:effectLst>
+              </a:rPr>
+              <a:t>Actions, outcomes &amp; conditions</a:t>
+            </a:r>
+            <a:endParaRPr lang="en-GB" i="0" dirty="0">
+              <a:effectLst>
+                <a:glow rad="101600">
+                  <a:srgbClr val="000000"/>
+                </a:glow>
+              </a:effectLst>
+            </a:endParaRPr>
+          </a:p>
+        </p:txBody>
+      </p:sp>
+      <p:pic>
+        <p:nvPicPr>
+          <p:cNvPr id="4" name="Picture 3"/>
+          <p:cNvPicPr>
+            <a:picLocks noChangeAspect="1"/>
+          </p:cNvPicPr>
+          <p:nvPr/>
+        </p:nvPicPr>
+        <p:blipFill>
+          <a:blip r:embed="rId3"/>
+          <a:stretch>
+            <a:fillRect/>
+          </a:stretch>
+        </p:blipFill>
+        <p:spPr>
+          <a:xfrm>
+            <a:off x="0" y="2463800"/>
+            <a:ext cx="9144000" cy="1925053"/>
+          </a:xfrm>
+          <a:prstGeom prst="rect">
+            <a:avLst/>
+          </a:prstGeom>
+        </p:spPr>
+      </p:pic>
+      <p:pic>
+        <p:nvPicPr>
+          <p:cNvPr id="5" name="Picture 4"/>
+          <p:cNvPicPr>
+            <a:picLocks noChangeAspect="1"/>
+          </p:cNvPicPr>
+          <p:nvPr/>
+        </p:nvPicPr>
+        <p:blipFill>
+          <a:blip r:embed="rId4"/>
+          <a:stretch>
+            <a:fillRect/>
+          </a:stretch>
+        </p:blipFill>
+        <p:spPr>
+          <a:xfrm>
+            <a:off x="0" y="4293096"/>
+            <a:ext cx="9144000" cy="2453545"/>
+          </a:xfrm>
+          <a:prstGeom prst="rect">
+            <a:avLst/>
+          </a:prstGeom>
+        </p:spPr>
+      </p:pic>
+      <p:sp>
+        <p:nvSpPr>
+          <p:cNvPr id="6" name="Rectangle 5"/>
+          <p:cNvSpPr/>
+          <p:nvPr/>
+        </p:nvSpPr>
+        <p:spPr bwMode="auto">
+          <a:xfrm>
+            <a:off x="179512" y="2492896"/>
+            <a:ext cx="8856984" cy="1775542"/>
+          </a:xfrm>
+          <a:prstGeom prst="rect">
+            <a:avLst/>
+          </a:prstGeom>
+          <a:solidFill>
+            <a:srgbClr val="000000">
+              <a:alpha val="70000"/>
+            </a:srgbClr>
+          </a:solidFill>
+          <a:ln w="9525" cap="flat" cmpd="sng" algn="ctr">
+            <a:noFill/>
+            <a:prstDash val="solid"/>
+            <a:round/>
+            <a:headEnd type="none" w="med" len="med"/>
+            <a:tailEnd type="none" w="med" len="med"/>
+          </a:ln>
+          <a:effectLst/>
+        </p:spPr>
+        <p:txBody>
+          <a:bodyPr vert="horz" wrap="square" lIns="91440" tIns="45720" rIns="91440" bIns="45720" numCol="1" rtlCol="0" anchor="t" anchorCtr="0" compatLnSpc="1">
+            <a:prstTxWarp prst="textNoShape">
+              <a:avLst/>
+            </a:prstTxWarp>
+          </a:bodyPr>
+          <a:lstStyle/>
+          <a:p>
+            <a:pPr marL="0" marR="0" indent="0" algn="l" defTabSz="449263" rtl="0" eaLnBrk="1" fontAlgn="base" latinLnBrk="0" hangingPunct="1">
+              <a:lnSpc>
+                <a:spcPct val="100000"/>
+              </a:lnSpc>
+              <a:spcBef>
+                <a:spcPct val="0"/>
+              </a:spcBef>
+              <a:spcAft>
+                <a:spcPct val="0"/>
+              </a:spcAft>
+              <a:buClr>
+                <a:srgbClr val="000000"/>
+              </a:buClr>
+              <a:buSzPct val="100000"/>
+              <a:buFont typeface="Times New Roman" charset="0"/>
+              <a:buNone/>
+              <a:tabLst/>
+            </a:pPr>
+            <a:endParaRPr kumimoji="0" lang="en-US" sz="2200" b="0" i="1" u="none" strike="noStrike" cap="none" normalizeH="0" baseline="0">
+              <a:ln>
+                <a:noFill/>
+              </a:ln>
+              <a:solidFill>
+                <a:schemeClr val="bg1"/>
+              </a:solidFill>
+              <a:effectLst/>
+              <a:latin typeface="Myriad Web" charset="0"/>
+            </a:endParaRPr>
+          </a:p>
+        </p:txBody>
+      </p:sp>
+      <p:sp>
+        <p:nvSpPr>
+          <p:cNvPr id="7" name="Rectangle 6"/>
+          <p:cNvSpPr/>
+          <p:nvPr/>
+        </p:nvSpPr>
+        <p:spPr bwMode="auto">
+          <a:xfrm>
+            <a:off x="5004048" y="5445224"/>
+            <a:ext cx="3600400" cy="1152128"/>
+          </a:xfrm>
+          <a:prstGeom prst="rect">
+            <a:avLst/>
+          </a:prstGeom>
+          <a:solidFill>
+            <a:srgbClr val="000000">
+              <a:alpha val="70000"/>
+            </a:srgbClr>
+          </a:solidFill>
+          <a:ln w="9525" cap="flat" cmpd="sng" algn="ctr">
+            <a:noFill/>
+            <a:prstDash val="solid"/>
+            <a:round/>
+            <a:headEnd type="none" w="med" len="med"/>
+            <a:tailEnd type="none" w="med" len="med"/>
+          </a:ln>
+          <a:effectLst/>
+        </p:spPr>
+        <p:txBody>
+          <a:bodyPr vert="horz" wrap="square" lIns="91440" tIns="45720" rIns="91440" bIns="45720" numCol="1" rtlCol="0" anchor="t" anchorCtr="0" compatLnSpc="1">
+            <a:prstTxWarp prst="textNoShape">
+              <a:avLst/>
+            </a:prstTxWarp>
+          </a:bodyPr>
+          <a:lstStyle/>
+          <a:p>
+            <a:pPr marL="0" marR="0" indent="0" algn="l" defTabSz="449263" rtl="0" eaLnBrk="1" fontAlgn="base" latinLnBrk="0" hangingPunct="1">
+              <a:lnSpc>
+                <a:spcPct val="100000"/>
+              </a:lnSpc>
+              <a:spcBef>
+                <a:spcPct val="0"/>
+              </a:spcBef>
+              <a:spcAft>
+                <a:spcPct val="0"/>
+              </a:spcAft>
+              <a:buClr>
+                <a:srgbClr val="000000"/>
+              </a:buClr>
+              <a:buSzPct val="100000"/>
+              <a:buFont typeface="Times New Roman" charset="0"/>
+              <a:buNone/>
+              <a:tabLst/>
+            </a:pPr>
+            <a:endParaRPr kumimoji="0" lang="en-US" sz="2200" b="0" i="1" u="none" strike="noStrike" cap="none" normalizeH="0" baseline="0">
+              <a:ln>
+                <a:noFill/>
+              </a:ln>
+              <a:solidFill>
+                <a:schemeClr val="bg1"/>
+              </a:solidFill>
+              <a:effectLst/>
+              <a:latin typeface="Myriad Web" charset="0"/>
+            </a:endParaRPr>
+          </a:p>
+        </p:txBody>
+      </p:sp>
+      <p:sp>
+        <p:nvSpPr>
+          <p:cNvPr id="8" name="Rectangle 7"/>
+          <p:cNvSpPr/>
+          <p:nvPr/>
+        </p:nvSpPr>
+        <p:spPr bwMode="auto">
+          <a:xfrm>
+            <a:off x="1475656" y="5984300"/>
+            <a:ext cx="3600400" cy="613051"/>
+          </a:xfrm>
+          <a:prstGeom prst="rect">
+            <a:avLst/>
+          </a:prstGeom>
+          <a:solidFill>
+            <a:srgbClr val="000000">
+              <a:alpha val="70000"/>
+            </a:srgbClr>
+          </a:solidFill>
+          <a:ln w="9525" cap="flat" cmpd="sng" algn="ctr">
+            <a:noFill/>
+            <a:prstDash val="solid"/>
+            <a:round/>
+            <a:headEnd type="none" w="med" len="med"/>
+            <a:tailEnd type="none" w="med" len="med"/>
+          </a:ln>
+          <a:effectLst/>
+        </p:spPr>
+        <p:txBody>
+          <a:bodyPr vert="horz" wrap="square" lIns="91440" tIns="45720" rIns="91440" bIns="45720" numCol="1" rtlCol="0" anchor="t" anchorCtr="0" compatLnSpc="1">
+            <a:prstTxWarp prst="textNoShape">
+              <a:avLst/>
+            </a:prstTxWarp>
+          </a:bodyPr>
+          <a:lstStyle/>
+          <a:p>
+            <a:pPr marL="0" marR="0" indent="0" algn="l" defTabSz="449263" rtl="0" eaLnBrk="1" fontAlgn="base" latinLnBrk="0" hangingPunct="1">
+              <a:lnSpc>
+                <a:spcPct val="100000"/>
+              </a:lnSpc>
+              <a:spcBef>
+                <a:spcPct val="0"/>
+              </a:spcBef>
+              <a:spcAft>
+                <a:spcPct val="0"/>
+              </a:spcAft>
+              <a:buClr>
+                <a:srgbClr val="000000"/>
+              </a:buClr>
+              <a:buSzPct val="100000"/>
+              <a:buFont typeface="Times New Roman" charset="0"/>
+              <a:buNone/>
+              <a:tabLst/>
+            </a:pPr>
+            <a:endParaRPr kumimoji="0" lang="en-US" sz="2200" b="0" i="1" u="none" strike="noStrike" cap="none" normalizeH="0" baseline="0">
+              <a:ln>
+                <a:noFill/>
+              </a:ln>
+              <a:solidFill>
+                <a:schemeClr val="bg1"/>
+              </a:solidFill>
+              <a:effectLst/>
+              <a:latin typeface="Myriad Web" charset="0"/>
+            </a:endParaRPr>
+          </a:p>
+        </p:txBody>
+      </p:sp>
+    </p:spTree>
+    <p:extLst>
+      <p:ext uri="{BB962C8B-B14F-4D97-AF65-F5344CB8AC3E}">
+        <p14:creationId xmlns:p14="http://schemas.microsoft.com/office/powerpoint/2010/main" val="3262737716"/>
+      </p:ext>
+    </p:extLst>
+  </p:cSld>
+  <p:clrMapOvr>
+    <a:masterClrMapping/>
+  </p:clrMapOvr>
+  <p:transition xmlns:p14="http://schemas.microsoft.com/office/powerpoint/2010/main"/>
+  <p:timing>
+    <p:tnLst>
+      <p:par>
+        <p:cTn xmlns:p14="http://schemas.microsoft.com/office/powerpoint/2010/main" id="1" dur="indefinite" restart="never" nodeType="tmRoot"/>
+      </p:par>
+    </p:tnLst>
+  </p:timing>
+</p:sld>
+</file>
+
+<file path=ppt/slides/slide37.xml><?xml version="1.0" encoding="utf-8"?>
+<p:sld xmlns:a="http://schemas.openxmlformats.org/drawingml/2006/main" xmlns:r="http://schemas.openxmlformats.org/officeDocument/2006/relationships" xmlns:p="http://schemas.openxmlformats.org/presentationml/2006/main">
+  <p:cSld>
+    <p:spTree>
+      <p:nvGrpSpPr>
+        <p:cNvPr id="1" name=""/>
+        <p:cNvGrpSpPr/>
+        <p:nvPr/>
+      </p:nvGrpSpPr>
+      <p:grpSpPr>
+        <a:xfrm>
+          <a:off x="0" y="0"/>
+          <a:ext cx="0" cy="0"/>
+          <a:chOff x="0" y="0"/>
+          <a:chExt cx="0" cy="0"/>
+        </a:xfrm>
+      </p:grpSpPr>
+      <p:sp>
+        <p:nvSpPr>
+          <p:cNvPr id="15362" name="Rectangle 4"/>
+          <p:cNvSpPr>
+            <a:spLocks noChangeArrowheads="1"/>
+          </p:cNvSpPr>
+          <p:nvPr/>
+        </p:nvSpPr>
+        <p:spPr bwMode="auto">
+          <a:xfrm>
+            <a:off x="1691482" y="980728"/>
+            <a:ext cx="5761037" cy="430887"/>
+          </a:xfrm>
+          <a:prstGeom prst="rect">
+            <a:avLst/>
+          </a:prstGeom>
+          <a:noFill/>
+          <a:ln>
+            <a:noFill/>
+          </a:ln>
+          <a:extLst>
+            <a:ext uri="{909E8E84-426E-40dd-AFC4-6F175D3DCCD1}">
+              <a14:hiddenFill xmlns:a14="http://schemas.microsoft.com/office/drawing/2010/main">
+                <a:solidFill>
+                  <a:srgbClr val="FFFFFF"/>
+                </a:solidFill>
+              </a14:hiddenFill>
+            </a:ext>
+            <a:ext uri="{91240B29-F687-4f45-9708-019B960494DF}">
+              <a14:hiddenLine xmlns:a14="http://schemas.microsoft.com/office/drawing/2010/main" w="9525">
+                <a:solidFill>
+                  <a:srgbClr val="000000"/>
+                </a:solidFill>
+                <a:miter lim="800000"/>
+                <a:headEnd/>
+                <a:tailEnd/>
+              </a14:hiddenLine>
+            </a:ext>
+          </a:extLst>
+        </p:spPr>
+        <p:txBody>
+          <a:bodyPr anchor="ctr">
+            <a:spAutoFit/>
+          </a:bodyPr>
+          <a:lstStyle/>
+          <a:p>
+            <a:pPr algn="ctr"/>
+            <a:r>
+              <a:rPr lang="en-GB" altLang="ja-JP" i="0" dirty="0" smtClean="0">
+                <a:effectLst>
+                  <a:glow rad="101600">
+                    <a:srgbClr val="000000"/>
+                  </a:glow>
+                </a:effectLst>
+              </a:rPr>
+              <a:t>Actions, outcomes &amp; conditions</a:t>
+            </a:r>
+            <a:endParaRPr lang="en-GB" i="0" dirty="0">
+              <a:effectLst>
+                <a:glow rad="101600">
+                  <a:srgbClr val="000000"/>
+                </a:glow>
+              </a:effectLst>
+            </a:endParaRPr>
+          </a:p>
+        </p:txBody>
+      </p:sp>
+      <p:pic>
+        <p:nvPicPr>
+          <p:cNvPr id="4" name="Picture 3"/>
+          <p:cNvPicPr>
+            <a:picLocks noChangeAspect="1"/>
+          </p:cNvPicPr>
+          <p:nvPr/>
+        </p:nvPicPr>
+        <p:blipFill>
+          <a:blip r:embed="rId3"/>
+          <a:stretch>
+            <a:fillRect/>
+          </a:stretch>
+        </p:blipFill>
+        <p:spPr>
+          <a:xfrm>
+            <a:off x="0" y="2463800"/>
+            <a:ext cx="9144000" cy="1925053"/>
+          </a:xfrm>
+          <a:prstGeom prst="rect">
+            <a:avLst/>
+          </a:prstGeom>
+        </p:spPr>
+      </p:pic>
+      <p:pic>
+        <p:nvPicPr>
+          <p:cNvPr id="5" name="Picture 4"/>
+          <p:cNvPicPr>
+            <a:picLocks noChangeAspect="1"/>
+          </p:cNvPicPr>
+          <p:nvPr/>
+        </p:nvPicPr>
+        <p:blipFill>
+          <a:blip r:embed="rId4"/>
+          <a:stretch>
+            <a:fillRect/>
+          </a:stretch>
+        </p:blipFill>
+        <p:spPr>
+          <a:xfrm>
+            <a:off x="0" y="4293096"/>
+            <a:ext cx="9144000" cy="2453545"/>
+          </a:xfrm>
+          <a:prstGeom prst="rect">
+            <a:avLst/>
+          </a:prstGeom>
+        </p:spPr>
+      </p:pic>
+      <p:sp>
+        <p:nvSpPr>
+          <p:cNvPr id="6" name="Rectangle 5"/>
+          <p:cNvSpPr/>
+          <p:nvPr/>
+        </p:nvSpPr>
+        <p:spPr bwMode="auto">
+          <a:xfrm>
+            <a:off x="179512" y="2492896"/>
+            <a:ext cx="8856984" cy="1775542"/>
+          </a:xfrm>
+          <a:prstGeom prst="rect">
+            <a:avLst/>
+          </a:prstGeom>
+          <a:solidFill>
+            <a:srgbClr val="000000">
+              <a:alpha val="70000"/>
+            </a:srgbClr>
+          </a:solidFill>
+          <a:ln w="9525" cap="flat" cmpd="sng" algn="ctr">
+            <a:noFill/>
+            <a:prstDash val="solid"/>
+            <a:round/>
+            <a:headEnd type="none" w="med" len="med"/>
+            <a:tailEnd type="none" w="med" len="med"/>
+          </a:ln>
+          <a:effectLst/>
+        </p:spPr>
+        <p:txBody>
+          <a:bodyPr vert="horz" wrap="square" lIns="91440" tIns="45720" rIns="91440" bIns="45720" numCol="1" rtlCol="0" anchor="t" anchorCtr="0" compatLnSpc="1">
+            <a:prstTxWarp prst="textNoShape">
+              <a:avLst/>
+            </a:prstTxWarp>
+          </a:bodyPr>
+          <a:lstStyle/>
+          <a:p>
+            <a:pPr marL="0" marR="0" indent="0" algn="l" defTabSz="449263" rtl="0" eaLnBrk="1" fontAlgn="base" latinLnBrk="0" hangingPunct="1">
+              <a:lnSpc>
+                <a:spcPct val="100000"/>
+              </a:lnSpc>
+              <a:spcBef>
+                <a:spcPct val="0"/>
+              </a:spcBef>
+              <a:spcAft>
+                <a:spcPct val="0"/>
+              </a:spcAft>
+              <a:buClr>
+                <a:srgbClr val="000000"/>
+              </a:buClr>
+              <a:buSzPct val="100000"/>
+              <a:buFont typeface="Times New Roman" charset="0"/>
+              <a:buNone/>
+              <a:tabLst/>
+            </a:pPr>
+            <a:endParaRPr kumimoji="0" lang="en-US" sz="2200" b="0" i="1" u="none" strike="noStrike" cap="none" normalizeH="0" baseline="0">
+              <a:ln>
+                <a:noFill/>
+              </a:ln>
+              <a:solidFill>
+                <a:schemeClr val="bg1"/>
+              </a:solidFill>
+              <a:effectLst/>
+              <a:latin typeface="Myriad Web" charset="0"/>
+            </a:endParaRPr>
+          </a:p>
+        </p:txBody>
+      </p:sp>
+      <p:sp>
+        <p:nvSpPr>
+          <p:cNvPr id="7" name="Rectangle 6"/>
+          <p:cNvSpPr/>
+          <p:nvPr/>
+        </p:nvSpPr>
+        <p:spPr bwMode="auto">
+          <a:xfrm>
+            <a:off x="5004048" y="5445224"/>
+            <a:ext cx="3600400" cy="1152128"/>
+          </a:xfrm>
+          <a:prstGeom prst="rect">
+            <a:avLst/>
+          </a:prstGeom>
+          <a:solidFill>
+            <a:srgbClr val="000000">
+              <a:alpha val="70000"/>
+            </a:srgbClr>
+          </a:solidFill>
+          <a:ln w="9525" cap="flat" cmpd="sng" algn="ctr">
+            <a:noFill/>
+            <a:prstDash val="solid"/>
+            <a:round/>
+            <a:headEnd type="none" w="med" len="med"/>
+            <a:tailEnd type="none" w="med" len="med"/>
+          </a:ln>
+          <a:effectLst/>
+        </p:spPr>
+        <p:txBody>
+          <a:bodyPr vert="horz" wrap="square" lIns="91440" tIns="45720" rIns="91440" bIns="45720" numCol="1" rtlCol="0" anchor="t" anchorCtr="0" compatLnSpc="1">
+            <a:prstTxWarp prst="textNoShape">
+              <a:avLst/>
+            </a:prstTxWarp>
+          </a:bodyPr>
+          <a:lstStyle/>
+          <a:p>
+            <a:pPr marL="0" marR="0" indent="0" algn="l" defTabSz="449263" rtl="0" eaLnBrk="1" fontAlgn="base" latinLnBrk="0" hangingPunct="1">
+              <a:lnSpc>
+                <a:spcPct val="100000"/>
+              </a:lnSpc>
+              <a:spcBef>
+                <a:spcPct val="0"/>
+              </a:spcBef>
+              <a:spcAft>
+                <a:spcPct val="0"/>
+              </a:spcAft>
+              <a:buClr>
+                <a:srgbClr val="000000"/>
+              </a:buClr>
+              <a:buSzPct val="100000"/>
+              <a:buFont typeface="Times New Roman" charset="0"/>
+              <a:buNone/>
+              <a:tabLst/>
+            </a:pPr>
+            <a:endParaRPr kumimoji="0" lang="en-US" sz="2200" b="0" i="1" u="none" strike="noStrike" cap="none" normalizeH="0" baseline="0">
+              <a:ln>
+                <a:noFill/>
+              </a:ln>
+              <a:solidFill>
+                <a:schemeClr val="bg1"/>
+              </a:solidFill>
+              <a:effectLst/>
+              <a:latin typeface="Myriad Web" charset="0"/>
+            </a:endParaRPr>
+          </a:p>
+        </p:txBody>
+      </p:sp>
+    </p:spTree>
+    <p:extLst>
+      <p:ext uri="{BB962C8B-B14F-4D97-AF65-F5344CB8AC3E}">
+        <p14:creationId xmlns:p14="http://schemas.microsoft.com/office/powerpoint/2010/main" val="3945140465"/>
+      </p:ext>
+    </p:extLst>
+  </p:cSld>
+  <p:clrMapOvr>
+    <a:masterClrMapping/>
+  </p:clrMapOvr>
+  <p:transition xmlns:p14="http://schemas.microsoft.com/office/powerpoint/2010/main"/>
+  <p:timing>
+    <p:tnLst>
+      <p:par>
+        <p:cTn xmlns:p14="http://schemas.microsoft.com/office/powerpoint/2010/main" id="1" dur="indefinite" restart="never" nodeType="tmRoot"/>
+      </p:par>
+    </p:tnLst>
+  </p:timing>
+</p:sld>
+</file>
+
+<file path=ppt/slides/slide38.xml><?xml version="1.0" encoding="utf-8"?>
+<p:sld xmlns:a="http://schemas.openxmlformats.org/drawingml/2006/main" xmlns:r="http://schemas.openxmlformats.org/officeDocument/2006/relationships" xmlns:p="http://schemas.openxmlformats.org/presentationml/2006/main">
+  <p:cSld>
+    <p:spTree>
+      <p:nvGrpSpPr>
+        <p:cNvPr id="1" name=""/>
+        <p:cNvGrpSpPr/>
+        <p:nvPr/>
+      </p:nvGrpSpPr>
+      <p:grpSpPr>
+        <a:xfrm>
+          <a:off x="0" y="0"/>
+          <a:ext cx="0" cy="0"/>
+          <a:chOff x="0" y="0"/>
+          <a:chExt cx="0" cy="0"/>
+        </a:xfrm>
+      </p:grpSpPr>
+      <p:sp>
+        <p:nvSpPr>
+          <p:cNvPr id="15362" name="Rectangle 4"/>
+          <p:cNvSpPr>
+            <a:spLocks noChangeArrowheads="1"/>
+          </p:cNvSpPr>
+          <p:nvPr/>
+        </p:nvSpPr>
+        <p:spPr bwMode="auto">
+          <a:xfrm>
+            <a:off x="1691482" y="980728"/>
+            <a:ext cx="5761037" cy="430887"/>
+          </a:xfrm>
+          <a:prstGeom prst="rect">
+            <a:avLst/>
+          </a:prstGeom>
+          <a:noFill/>
+          <a:ln>
+            <a:noFill/>
+          </a:ln>
+          <a:extLst>
+            <a:ext uri="{909E8E84-426E-40dd-AFC4-6F175D3DCCD1}">
+              <a14:hiddenFill xmlns:a14="http://schemas.microsoft.com/office/drawing/2010/main">
+                <a:solidFill>
+                  <a:srgbClr val="FFFFFF"/>
+                </a:solidFill>
+              </a14:hiddenFill>
+            </a:ext>
+            <a:ext uri="{91240B29-F687-4f45-9708-019B960494DF}">
+              <a14:hiddenLine xmlns:a14="http://schemas.microsoft.com/office/drawing/2010/main" w="9525">
+                <a:solidFill>
+                  <a:srgbClr val="000000"/>
+                </a:solidFill>
+                <a:miter lim="800000"/>
+                <a:headEnd/>
+                <a:tailEnd/>
+              </a14:hiddenLine>
+            </a:ext>
+          </a:extLst>
+        </p:spPr>
+        <p:txBody>
+          <a:bodyPr anchor="ctr">
+            <a:spAutoFit/>
+          </a:bodyPr>
+          <a:lstStyle/>
+          <a:p>
+            <a:pPr algn="ctr"/>
+            <a:r>
+              <a:rPr lang="en-GB" altLang="ja-JP" i="0" dirty="0" smtClean="0">
+                <a:effectLst>
+                  <a:glow rad="101600">
+                    <a:srgbClr val="000000"/>
+                  </a:glow>
+                </a:effectLst>
+              </a:rPr>
+              <a:t>Actions, outcomes &amp; conditions</a:t>
+            </a:r>
+            <a:endParaRPr lang="en-GB" i="0" dirty="0">
+              <a:effectLst>
+                <a:glow rad="101600">
+                  <a:srgbClr val="000000"/>
+                </a:glow>
+              </a:effectLst>
+            </a:endParaRPr>
+          </a:p>
+        </p:txBody>
+      </p:sp>
+      <p:pic>
+        <p:nvPicPr>
+          <p:cNvPr id="4" name="Picture 3"/>
+          <p:cNvPicPr>
+            <a:picLocks noChangeAspect="1"/>
+          </p:cNvPicPr>
+          <p:nvPr/>
+        </p:nvPicPr>
+        <p:blipFill>
+          <a:blip r:embed="rId3"/>
+          <a:stretch>
+            <a:fillRect/>
+          </a:stretch>
+        </p:blipFill>
+        <p:spPr>
+          <a:xfrm>
+            <a:off x="0" y="2463800"/>
+            <a:ext cx="9144000" cy="1925053"/>
+          </a:xfrm>
+          <a:prstGeom prst="rect">
+            <a:avLst/>
+          </a:prstGeom>
+        </p:spPr>
+      </p:pic>
+      <p:pic>
+        <p:nvPicPr>
+          <p:cNvPr id="5" name="Picture 4"/>
+          <p:cNvPicPr>
+            <a:picLocks noChangeAspect="1"/>
+          </p:cNvPicPr>
+          <p:nvPr/>
+        </p:nvPicPr>
+        <p:blipFill>
+          <a:blip r:embed="rId4"/>
+          <a:stretch>
+            <a:fillRect/>
+          </a:stretch>
+        </p:blipFill>
+        <p:spPr>
+          <a:xfrm>
+            <a:off x="0" y="4293096"/>
+            <a:ext cx="9144000" cy="2453545"/>
+          </a:xfrm>
+          <a:prstGeom prst="rect">
+            <a:avLst/>
+          </a:prstGeom>
+        </p:spPr>
+      </p:pic>
+      <p:sp>
+        <p:nvSpPr>
+          <p:cNvPr id="6" name="Rectangle 5"/>
+          <p:cNvSpPr/>
+          <p:nvPr/>
+        </p:nvSpPr>
+        <p:spPr bwMode="auto">
+          <a:xfrm>
+            <a:off x="179512" y="2492896"/>
+            <a:ext cx="8856984" cy="1775542"/>
+          </a:xfrm>
+          <a:prstGeom prst="rect">
+            <a:avLst/>
+          </a:prstGeom>
+          <a:solidFill>
+            <a:srgbClr val="000000">
+              <a:alpha val="70000"/>
+            </a:srgbClr>
+          </a:solidFill>
+          <a:ln w="9525" cap="flat" cmpd="sng" algn="ctr">
+            <a:noFill/>
+            <a:prstDash val="solid"/>
+            <a:round/>
+            <a:headEnd type="none" w="med" len="med"/>
+            <a:tailEnd type="none" w="med" len="med"/>
+          </a:ln>
+          <a:effectLst/>
+        </p:spPr>
+        <p:txBody>
+          <a:bodyPr vert="horz" wrap="square" lIns="91440" tIns="45720" rIns="91440" bIns="45720" numCol="1" rtlCol="0" anchor="t" anchorCtr="0" compatLnSpc="1">
+            <a:prstTxWarp prst="textNoShape">
+              <a:avLst/>
+            </a:prstTxWarp>
+          </a:bodyPr>
+          <a:lstStyle/>
+          <a:p>
+            <a:pPr marL="0" marR="0" indent="0" algn="l" defTabSz="449263" rtl="0" eaLnBrk="1" fontAlgn="base" latinLnBrk="0" hangingPunct="1">
+              <a:lnSpc>
+                <a:spcPct val="100000"/>
+              </a:lnSpc>
+              <a:spcBef>
+                <a:spcPct val="0"/>
+              </a:spcBef>
+              <a:spcAft>
+                <a:spcPct val="0"/>
+              </a:spcAft>
+              <a:buClr>
+                <a:srgbClr val="000000"/>
+              </a:buClr>
+              <a:buSzPct val="100000"/>
+              <a:buFont typeface="Times New Roman" charset="0"/>
+              <a:buNone/>
+              <a:tabLst/>
+            </a:pPr>
+            <a:endParaRPr kumimoji="0" lang="en-US" sz="2200" b="0" i="1" u="none" strike="noStrike" cap="none" normalizeH="0" baseline="0">
+              <a:ln>
+                <a:noFill/>
+              </a:ln>
+              <a:solidFill>
+                <a:schemeClr val="bg1"/>
+              </a:solidFill>
+              <a:effectLst/>
+              <a:latin typeface="Myriad Web" charset="0"/>
+            </a:endParaRPr>
+          </a:p>
+        </p:txBody>
+      </p:sp>
+    </p:spTree>
+    <p:extLst>
+      <p:ext uri="{BB962C8B-B14F-4D97-AF65-F5344CB8AC3E}">
+        <p14:creationId xmlns:p14="http://schemas.microsoft.com/office/powerpoint/2010/main" val="3537590039"/>
+      </p:ext>
+    </p:extLst>
+  </p:cSld>
+  <p:clrMapOvr>
+    <a:masterClrMapping/>
+  </p:clrMapOvr>
+  <p:transition xmlns:p14="http://schemas.microsoft.com/office/powerpoint/2010/main"/>
+  <p:timing>
+    <p:tnLst>
+      <p:par>
+        <p:cTn xmlns:p14="http://schemas.microsoft.com/office/powerpoint/2010/main" id="1" dur="indefinite" restart="never" nodeType="tmRoot"/>
+      </p:par>
+    </p:tnLst>
+  </p:timing>
+</p:sld>
+</file>
+
+<file path=ppt/slides/slide39.xml><?xml version="1.0" encoding="utf-8"?>
+<p:sld xmlns:a="http://schemas.openxmlformats.org/drawingml/2006/main" xmlns:r="http://schemas.openxmlformats.org/officeDocument/2006/relationships" xmlns:p="http://schemas.openxmlformats.org/presentationml/2006/main">
+  <p:cSld>
+    <p:spTree>
+      <p:nvGrpSpPr>
+        <p:cNvPr id="1" name=""/>
+        <p:cNvGrpSpPr/>
+        <p:nvPr/>
+      </p:nvGrpSpPr>
+      <p:grpSpPr>
+        <a:xfrm>
+          <a:off x="0" y="0"/>
+          <a:ext cx="0" cy="0"/>
+          <a:chOff x="0" y="0"/>
+          <a:chExt cx="0" cy="0"/>
+        </a:xfrm>
+      </p:grpSpPr>
+      <p:sp>
+        <p:nvSpPr>
+          <p:cNvPr id="15362" name="Rectangle 4"/>
+          <p:cNvSpPr>
+            <a:spLocks noChangeArrowheads="1"/>
+          </p:cNvSpPr>
+          <p:nvPr/>
+        </p:nvSpPr>
+        <p:spPr bwMode="auto">
+          <a:xfrm>
+            <a:off x="1691482" y="980728"/>
+            <a:ext cx="5761037" cy="430887"/>
+          </a:xfrm>
+          <a:prstGeom prst="rect">
+            <a:avLst/>
+          </a:prstGeom>
+          <a:noFill/>
+          <a:ln>
+            <a:noFill/>
+          </a:ln>
+          <a:extLst>
+            <a:ext uri="{909E8E84-426E-40dd-AFC4-6F175D3DCCD1}">
+              <a14:hiddenFill xmlns:a14="http://schemas.microsoft.com/office/drawing/2010/main">
+                <a:solidFill>
+                  <a:srgbClr val="FFFFFF"/>
+                </a:solidFill>
+              </a14:hiddenFill>
+            </a:ext>
+            <a:ext uri="{91240B29-F687-4f45-9708-019B960494DF}">
+              <a14:hiddenLine xmlns:a14="http://schemas.microsoft.com/office/drawing/2010/main" w="9525">
+                <a:solidFill>
+                  <a:srgbClr val="000000"/>
+                </a:solidFill>
+                <a:miter lim="800000"/>
+                <a:headEnd/>
+                <a:tailEnd/>
+              </a14:hiddenLine>
+            </a:ext>
+          </a:extLst>
+        </p:spPr>
+        <p:txBody>
+          <a:bodyPr anchor="ctr">
+            <a:spAutoFit/>
+          </a:bodyPr>
+          <a:lstStyle/>
+          <a:p>
+            <a:pPr algn="ctr"/>
+            <a:r>
+              <a:rPr lang="en-GB" altLang="ja-JP" i="0" dirty="0" smtClean="0">
+                <a:effectLst>
+                  <a:glow rad="101600">
+                    <a:srgbClr val="000000"/>
+                  </a:glow>
+                </a:effectLst>
+              </a:rPr>
+              <a:t>Actions, outcomes &amp; conditions</a:t>
+            </a:r>
+            <a:endParaRPr lang="en-GB" i="0" dirty="0">
+              <a:effectLst>
+                <a:glow rad="101600">
+                  <a:srgbClr val="000000"/>
+                </a:glow>
+              </a:effectLst>
+            </a:endParaRPr>
+          </a:p>
+        </p:txBody>
+      </p:sp>
+      <p:pic>
+        <p:nvPicPr>
+          <p:cNvPr id="4" name="Picture 3"/>
+          <p:cNvPicPr>
+            <a:picLocks noChangeAspect="1"/>
+          </p:cNvPicPr>
+          <p:nvPr/>
+        </p:nvPicPr>
+        <p:blipFill>
+          <a:blip r:embed="rId3"/>
+          <a:stretch>
+            <a:fillRect/>
+          </a:stretch>
+        </p:blipFill>
+        <p:spPr>
+          <a:xfrm>
+            <a:off x="0" y="2463800"/>
+            <a:ext cx="9144000" cy="1925053"/>
+          </a:xfrm>
+          <a:prstGeom prst="rect">
+            <a:avLst/>
+          </a:prstGeom>
+        </p:spPr>
+      </p:pic>
+      <p:pic>
+        <p:nvPicPr>
+          <p:cNvPr id="5" name="Picture 4"/>
+          <p:cNvPicPr>
+            <a:picLocks noChangeAspect="1"/>
+          </p:cNvPicPr>
+          <p:nvPr/>
+        </p:nvPicPr>
+        <p:blipFill>
+          <a:blip r:embed="rId4"/>
+          <a:stretch>
+            <a:fillRect/>
+          </a:stretch>
+        </p:blipFill>
+        <p:spPr>
+          <a:xfrm>
+            <a:off x="0" y="4293096"/>
+            <a:ext cx="9144000" cy="2453545"/>
+          </a:xfrm>
+          <a:prstGeom prst="rect">
+            <a:avLst/>
+          </a:prstGeom>
+        </p:spPr>
+      </p:pic>
+    </p:spTree>
+    <p:extLst>
+      <p:ext uri="{BB962C8B-B14F-4D97-AF65-F5344CB8AC3E}">
+        <p14:creationId xmlns:p14="http://schemas.microsoft.com/office/powerpoint/2010/main" val="2061162511"/>
+      </p:ext>
+    </p:extLst>
+  </p:cSld>
+  <p:clrMapOvr>
+    <a:masterClrMapping/>
+  </p:clrMapOvr>
+  <p:transition xmlns:p14="http://schemas.microsoft.com/office/powerpoint/2010/main"/>
+  <p:timing>
+    <p:tnLst>
+      <p:par>
+        <p:cTn xmlns:p14="http://schemas.microsoft.com/office/powerpoint/2010/main" id="1" dur="indefinite" restart="never" nodeType="tmRoot"/>
       </p:par>
     </p:tnLst>
   </p:timing>
@@ -26289,6 +32554,1373 @@
     <p:tnLst>
       <p:par>
         <p:cTn xmlns:p14="http://schemas.microsoft.com/office/powerpoint/2010/main" id="1" dur="indefinite" restart="never" nodeType="tmRoot"/>
+      </p:par>
+    </p:tnLst>
+  </p:timing>
+</p:sld>
+</file>
+
+<file path=ppt/slides/slide40.xml><?xml version="1.0" encoding="utf-8"?>
+<p:sld xmlns:a="http://schemas.openxmlformats.org/drawingml/2006/main" xmlns:r="http://schemas.openxmlformats.org/officeDocument/2006/relationships" xmlns:p="http://schemas.openxmlformats.org/presentationml/2006/main">
+  <p:cSld>
+    <p:spTree>
+      <p:nvGrpSpPr>
+        <p:cNvPr id="1" name=""/>
+        <p:cNvGrpSpPr/>
+        <p:nvPr/>
+      </p:nvGrpSpPr>
+      <p:grpSpPr>
+        <a:xfrm>
+          <a:off x="0" y="0"/>
+          <a:ext cx="0" cy="0"/>
+          <a:chOff x="0" y="0"/>
+          <a:chExt cx="0" cy="0"/>
+        </a:xfrm>
+      </p:grpSpPr>
+      <p:sp>
+        <p:nvSpPr>
+          <p:cNvPr id="15362" name="Rectangle 4"/>
+          <p:cNvSpPr>
+            <a:spLocks noChangeArrowheads="1"/>
+          </p:cNvSpPr>
+          <p:nvPr/>
+        </p:nvSpPr>
+        <p:spPr bwMode="auto">
+          <a:xfrm>
+            <a:off x="1691482" y="980728"/>
+            <a:ext cx="5761037" cy="430887"/>
+          </a:xfrm>
+          <a:prstGeom prst="rect">
+            <a:avLst/>
+          </a:prstGeom>
+          <a:noFill/>
+          <a:ln>
+            <a:noFill/>
+          </a:ln>
+          <a:extLst>
+            <a:ext uri="{909E8E84-426E-40dd-AFC4-6F175D3DCCD1}">
+              <a14:hiddenFill xmlns:a14="http://schemas.microsoft.com/office/drawing/2010/main">
+                <a:solidFill>
+                  <a:srgbClr val="FFFFFF"/>
+                </a:solidFill>
+              </a14:hiddenFill>
+            </a:ext>
+            <a:ext uri="{91240B29-F687-4f45-9708-019B960494DF}">
+              <a14:hiddenLine xmlns:a14="http://schemas.microsoft.com/office/drawing/2010/main" w="9525">
+                <a:solidFill>
+                  <a:srgbClr val="000000"/>
+                </a:solidFill>
+                <a:miter lim="800000"/>
+                <a:headEnd/>
+                <a:tailEnd/>
+              </a14:hiddenLine>
+            </a:ext>
+          </a:extLst>
+        </p:spPr>
+        <p:txBody>
+          <a:bodyPr anchor="ctr">
+            <a:spAutoFit/>
+          </a:bodyPr>
+          <a:lstStyle/>
+          <a:p>
+            <a:pPr algn="ctr"/>
+            <a:r>
+              <a:rPr lang="en-GB" altLang="ja-JP" i="0" dirty="0" smtClean="0">
+                <a:effectLst>
+                  <a:glow rad="101600">
+                    <a:srgbClr val="000000"/>
+                  </a:glow>
+                </a:effectLst>
+              </a:rPr>
+              <a:t>Actions, outcomes &amp; conditions</a:t>
+            </a:r>
+            <a:endParaRPr lang="en-GB" i="0" dirty="0">
+              <a:effectLst>
+                <a:glow rad="101600">
+                  <a:srgbClr val="000000"/>
+                </a:glow>
+              </a:effectLst>
+            </a:endParaRPr>
+          </a:p>
+        </p:txBody>
+      </p:sp>
+      <p:pic>
+        <p:nvPicPr>
+          <p:cNvPr id="4" name="Picture 3"/>
+          <p:cNvPicPr>
+            <a:picLocks noChangeAspect="1"/>
+          </p:cNvPicPr>
+          <p:nvPr/>
+        </p:nvPicPr>
+        <p:blipFill>
+          <a:blip r:embed="rId3"/>
+          <a:stretch>
+            <a:fillRect/>
+          </a:stretch>
+        </p:blipFill>
+        <p:spPr>
+          <a:xfrm>
+            <a:off x="0" y="2463800"/>
+            <a:ext cx="9144000" cy="1925053"/>
+          </a:xfrm>
+          <a:prstGeom prst="rect">
+            <a:avLst/>
+          </a:prstGeom>
+        </p:spPr>
+      </p:pic>
+      <p:pic>
+        <p:nvPicPr>
+          <p:cNvPr id="5" name="Picture 4"/>
+          <p:cNvPicPr>
+            <a:picLocks noChangeAspect="1"/>
+          </p:cNvPicPr>
+          <p:nvPr/>
+        </p:nvPicPr>
+        <p:blipFill>
+          <a:blip r:embed="rId4"/>
+          <a:stretch>
+            <a:fillRect/>
+          </a:stretch>
+        </p:blipFill>
+        <p:spPr>
+          <a:xfrm>
+            <a:off x="0" y="4293096"/>
+            <a:ext cx="9144000" cy="2453545"/>
+          </a:xfrm>
+          <a:prstGeom prst="rect">
+            <a:avLst/>
+          </a:prstGeom>
+        </p:spPr>
+      </p:pic>
+      <p:pic>
+        <p:nvPicPr>
+          <p:cNvPr id="2" name="Picture 1"/>
+          <p:cNvPicPr>
+            <a:picLocks noChangeAspect="1"/>
+          </p:cNvPicPr>
+          <p:nvPr/>
+        </p:nvPicPr>
+        <p:blipFill>
+          <a:blip r:embed="rId5"/>
+          <a:stretch>
+            <a:fillRect/>
+          </a:stretch>
+        </p:blipFill>
+        <p:spPr>
+          <a:xfrm>
+            <a:off x="0" y="-32947"/>
+            <a:ext cx="9144000" cy="2506303"/>
+          </a:xfrm>
+          <a:prstGeom prst="rect">
+            <a:avLst/>
+          </a:prstGeom>
+        </p:spPr>
+      </p:pic>
+      <p:sp>
+        <p:nvSpPr>
+          <p:cNvPr id="6" name="Rectangle 5"/>
+          <p:cNvSpPr/>
+          <p:nvPr/>
+        </p:nvSpPr>
+        <p:spPr bwMode="auto">
+          <a:xfrm>
+            <a:off x="179512" y="2492896"/>
+            <a:ext cx="8856984" cy="4248472"/>
+          </a:xfrm>
+          <a:prstGeom prst="rect">
+            <a:avLst/>
+          </a:prstGeom>
+          <a:solidFill>
+            <a:srgbClr val="000000">
+              <a:alpha val="70000"/>
+            </a:srgbClr>
+          </a:solidFill>
+          <a:ln w="9525" cap="flat" cmpd="sng" algn="ctr">
+            <a:noFill/>
+            <a:prstDash val="solid"/>
+            <a:round/>
+            <a:headEnd type="none" w="med" len="med"/>
+            <a:tailEnd type="none" w="med" len="med"/>
+          </a:ln>
+          <a:effectLst/>
+        </p:spPr>
+        <p:txBody>
+          <a:bodyPr vert="horz" wrap="square" lIns="91440" tIns="45720" rIns="91440" bIns="45720" numCol="1" rtlCol="0" anchor="t" anchorCtr="0" compatLnSpc="1">
+            <a:prstTxWarp prst="textNoShape">
+              <a:avLst/>
+            </a:prstTxWarp>
+          </a:bodyPr>
+          <a:lstStyle/>
+          <a:p>
+            <a:pPr marL="0" marR="0" indent="0" algn="l" defTabSz="449263" rtl="0" eaLnBrk="1" fontAlgn="base" latinLnBrk="0" hangingPunct="1">
+              <a:lnSpc>
+                <a:spcPct val="100000"/>
+              </a:lnSpc>
+              <a:spcBef>
+                <a:spcPct val="0"/>
+              </a:spcBef>
+              <a:spcAft>
+                <a:spcPct val="0"/>
+              </a:spcAft>
+              <a:buClr>
+                <a:srgbClr val="000000"/>
+              </a:buClr>
+              <a:buSzPct val="100000"/>
+              <a:buFont typeface="Times New Roman" charset="0"/>
+              <a:buNone/>
+              <a:tabLst/>
+            </a:pPr>
+            <a:endParaRPr kumimoji="0" lang="en-US" sz="2200" b="0" i="1" u="none" strike="noStrike" cap="none" normalizeH="0" baseline="0">
+              <a:ln>
+                <a:noFill/>
+              </a:ln>
+              <a:solidFill>
+                <a:schemeClr val="bg1"/>
+              </a:solidFill>
+              <a:effectLst/>
+              <a:latin typeface="Myriad Web" charset="0"/>
+            </a:endParaRPr>
+          </a:p>
+        </p:txBody>
+      </p:sp>
+      <p:sp>
+        <p:nvSpPr>
+          <p:cNvPr id="7" name="Rectangle 6"/>
+          <p:cNvSpPr/>
+          <p:nvPr/>
+        </p:nvSpPr>
+        <p:spPr bwMode="auto">
+          <a:xfrm>
+            <a:off x="5076056" y="1052736"/>
+            <a:ext cx="3672408" cy="1224136"/>
+          </a:xfrm>
+          <a:prstGeom prst="rect">
+            <a:avLst/>
+          </a:prstGeom>
+          <a:solidFill>
+            <a:srgbClr val="000000">
+              <a:alpha val="70000"/>
+            </a:srgbClr>
+          </a:solidFill>
+          <a:ln w="9525" cap="flat" cmpd="sng" algn="ctr">
+            <a:noFill/>
+            <a:prstDash val="solid"/>
+            <a:round/>
+            <a:headEnd type="none" w="med" len="med"/>
+            <a:tailEnd type="none" w="med" len="med"/>
+          </a:ln>
+          <a:effectLst/>
+        </p:spPr>
+        <p:txBody>
+          <a:bodyPr vert="horz" wrap="square" lIns="91440" tIns="45720" rIns="91440" bIns="45720" numCol="1" rtlCol="0" anchor="t" anchorCtr="0" compatLnSpc="1">
+            <a:prstTxWarp prst="textNoShape">
+              <a:avLst/>
+            </a:prstTxWarp>
+          </a:bodyPr>
+          <a:lstStyle/>
+          <a:p>
+            <a:pPr marL="0" marR="0" indent="0" algn="l" defTabSz="449263" rtl="0" eaLnBrk="1" fontAlgn="base" latinLnBrk="0" hangingPunct="1">
+              <a:lnSpc>
+                <a:spcPct val="100000"/>
+              </a:lnSpc>
+              <a:spcBef>
+                <a:spcPct val="0"/>
+              </a:spcBef>
+              <a:spcAft>
+                <a:spcPct val="0"/>
+              </a:spcAft>
+              <a:buClr>
+                <a:srgbClr val="000000"/>
+              </a:buClr>
+              <a:buSzPct val="100000"/>
+              <a:buFont typeface="Times New Roman" charset="0"/>
+              <a:buNone/>
+              <a:tabLst/>
+            </a:pPr>
+            <a:endParaRPr kumimoji="0" lang="en-US" sz="2200" b="0" i="1" u="none" strike="noStrike" cap="none" normalizeH="0" baseline="0">
+              <a:ln>
+                <a:noFill/>
+              </a:ln>
+              <a:solidFill>
+                <a:schemeClr val="bg1"/>
+              </a:solidFill>
+              <a:effectLst/>
+              <a:latin typeface="Myriad Web" charset="0"/>
+            </a:endParaRPr>
+          </a:p>
+        </p:txBody>
+      </p:sp>
+      <p:sp>
+        <p:nvSpPr>
+          <p:cNvPr id="8" name="Rectangle 7"/>
+          <p:cNvSpPr/>
+          <p:nvPr/>
+        </p:nvSpPr>
+        <p:spPr bwMode="auto">
+          <a:xfrm>
+            <a:off x="1547664" y="1628800"/>
+            <a:ext cx="3384376" cy="576064"/>
+          </a:xfrm>
+          <a:prstGeom prst="rect">
+            <a:avLst/>
+          </a:prstGeom>
+          <a:solidFill>
+            <a:srgbClr val="000000">
+              <a:alpha val="70000"/>
+            </a:srgbClr>
+          </a:solidFill>
+          <a:ln w="9525" cap="flat" cmpd="sng" algn="ctr">
+            <a:noFill/>
+            <a:prstDash val="solid"/>
+            <a:round/>
+            <a:headEnd type="none" w="med" len="med"/>
+            <a:tailEnd type="none" w="med" len="med"/>
+          </a:ln>
+          <a:effectLst/>
+        </p:spPr>
+        <p:txBody>
+          <a:bodyPr vert="horz" wrap="square" lIns="91440" tIns="45720" rIns="91440" bIns="45720" numCol="1" rtlCol="0" anchor="t" anchorCtr="0" compatLnSpc="1">
+            <a:prstTxWarp prst="textNoShape">
+              <a:avLst/>
+            </a:prstTxWarp>
+          </a:bodyPr>
+          <a:lstStyle/>
+          <a:p>
+            <a:pPr marL="0" marR="0" indent="0" algn="l" defTabSz="449263" rtl="0" eaLnBrk="1" fontAlgn="base" latinLnBrk="0" hangingPunct="1">
+              <a:lnSpc>
+                <a:spcPct val="100000"/>
+              </a:lnSpc>
+              <a:spcBef>
+                <a:spcPct val="0"/>
+              </a:spcBef>
+              <a:spcAft>
+                <a:spcPct val="0"/>
+              </a:spcAft>
+              <a:buClr>
+                <a:srgbClr val="000000"/>
+              </a:buClr>
+              <a:buSzPct val="100000"/>
+              <a:buFont typeface="Times New Roman" charset="0"/>
+              <a:buNone/>
+              <a:tabLst/>
+            </a:pPr>
+            <a:endParaRPr kumimoji="0" lang="en-US" sz="2200" b="0" i="1" u="none" strike="noStrike" cap="none" normalizeH="0" baseline="0">
+              <a:ln>
+                <a:noFill/>
+              </a:ln>
+              <a:solidFill>
+                <a:schemeClr val="bg1"/>
+              </a:solidFill>
+              <a:effectLst/>
+              <a:latin typeface="Myriad Web" charset="0"/>
+            </a:endParaRPr>
+          </a:p>
+        </p:txBody>
+      </p:sp>
+    </p:spTree>
+    <p:extLst>
+      <p:ext uri="{BB962C8B-B14F-4D97-AF65-F5344CB8AC3E}">
+        <p14:creationId xmlns:p14="http://schemas.microsoft.com/office/powerpoint/2010/main" val="2613516654"/>
+      </p:ext>
+    </p:extLst>
+  </p:cSld>
+  <p:clrMapOvr>
+    <a:masterClrMapping/>
+  </p:clrMapOvr>
+  <p:transition xmlns:p14="http://schemas.microsoft.com/office/powerpoint/2010/main"/>
+  <p:timing>
+    <p:tnLst>
+      <p:par>
+        <p:cTn xmlns:p14="http://schemas.microsoft.com/office/powerpoint/2010/main" id="1" dur="indefinite" restart="never" nodeType="tmRoot"/>
+      </p:par>
+    </p:tnLst>
+  </p:timing>
+</p:sld>
+</file>
+
+<file path=ppt/slides/slide41.xml><?xml version="1.0" encoding="utf-8"?>
+<p:sld xmlns:a="http://schemas.openxmlformats.org/drawingml/2006/main" xmlns:r="http://schemas.openxmlformats.org/officeDocument/2006/relationships" xmlns:p="http://schemas.openxmlformats.org/presentationml/2006/main">
+  <p:cSld>
+    <p:spTree>
+      <p:nvGrpSpPr>
+        <p:cNvPr id="1" name=""/>
+        <p:cNvGrpSpPr/>
+        <p:nvPr/>
+      </p:nvGrpSpPr>
+      <p:grpSpPr>
+        <a:xfrm>
+          <a:off x="0" y="0"/>
+          <a:ext cx="0" cy="0"/>
+          <a:chOff x="0" y="0"/>
+          <a:chExt cx="0" cy="0"/>
+        </a:xfrm>
+      </p:grpSpPr>
+      <p:sp>
+        <p:nvSpPr>
+          <p:cNvPr id="15362" name="Rectangle 4"/>
+          <p:cNvSpPr>
+            <a:spLocks noChangeArrowheads="1"/>
+          </p:cNvSpPr>
+          <p:nvPr/>
+        </p:nvSpPr>
+        <p:spPr bwMode="auto">
+          <a:xfrm>
+            <a:off x="1691482" y="980728"/>
+            <a:ext cx="5761037" cy="430887"/>
+          </a:xfrm>
+          <a:prstGeom prst="rect">
+            <a:avLst/>
+          </a:prstGeom>
+          <a:noFill/>
+          <a:ln>
+            <a:noFill/>
+          </a:ln>
+          <a:extLst>
+            <a:ext uri="{909E8E84-426E-40dd-AFC4-6F175D3DCCD1}">
+              <a14:hiddenFill xmlns:a14="http://schemas.microsoft.com/office/drawing/2010/main">
+                <a:solidFill>
+                  <a:srgbClr val="FFFFFF"/>
+                </a:solidFill>
+              </a14:hiddenFill>
+            </a:ext>
+            <a:ext uri="{91240B29-F687-4f45-9708-019B960494DF}">
+              <a14:hiddenLine xmlns:a14="http://schemas.microsoft.com/office/drawing/2010/main" w="9525">
+                <a:solidFill>
+                  <a:srgbClr val="000000"/>
+                </a:solidFill>
+                <a:miter lim="800000"/>
+                <a:headEnd/>
+                <a:tailEnd/>
+              </a14:hiddenLine>
+            </a:ext>
+          </a:extLst>
+        </p:spPr>
+        <p:txBody>
+          <a:bodyPr anchor="ctr">
+            <a:spAutoFit/>
+          </a:bodyPr>
+          <a:lstStyle/>
+          <a:p>
+            <a:pPr algn="ctr"/>
+            <a:r>
+              <a:rPr lang="en-GB" altLang="ja-JP" i="0" dirty="0" smtClean="0">
+                <a:effectLst>
+                  <a:glow rad="101600">
+                    <a:srgbClr val="000000"/>
+                  </a:glow>
+                </a:effectLst>
+              </a:rPr>
+              <a:t>Actions, outcomes &amp; conditions</a:t>
+            </a:r>
+            <a:endParaRPr lang="en-GB" i="0" dirty="0">
+              <a:effectLst>
+                <a:glow rad="101600">
+                  <a:srgbClr val="000000"/>
+                </a:glow>
+              </a:effectLst>
+            </a:endParaRPr>
+          </a:p>
+        </p:txBody>
+      </p:sp>
+      <p:pic>
+        <p:nvPicPr>
+          <p:cNvPr id="4" name="Picture 3"/>
+          <p:cNvPicPr>
+            <a:picLocks noChangeAspect="1"/>
+          </p:cNvPicPr>
+          <p:nvPr/>
+        </p:nvPicPr>
+        <p:blipFill>
+          <a:blip r:embed="rId3"/>
+          <a:stretch>
+            <a:fillRect/>
+          </a:stretch>
+        </p:blipFill>
+        <p:spPr>
+          <a:xfrm>
+            <a:off x="0" y="2463800"/>
+            <a:ext cx="9144000" cy="1925053"/>
+          </a:xfrm>
+          <a:prstGeom prst="rect">
+            <a:avLst/>
+          </a:prstGeom>
+        </p:spPr>
+      </p:pic>
+      <p:pic>
+        <p:nvPicPr>
+          <p:cNvPr id="5" name="Picture 4"/>
+          <p:cNvPicPr>
+            <a:picLocks noChangeAspect="1"/>
+          </p:cNvPicPr>
+          <p:nvPr/>
+        </p:nvPicPr>
+        <p:blipFill>
+          <a:blip r:embed="rId4"/>
+          <a:stretch>
+            <a:fillRect/>
+          </a:stretch>
+        </p:blipFill>
+        <p:spPr>
+          <a:xfrm>
+            <a:off x="0" y="4293096"/>
+            <a:ext cx="9144000" cy="2453545"/>
+          </a:xfrm>
+          <a:prstGeom prst="rect">
+            <a:avLst/>
+          </a:prstGeom>
+        </p:spPr>
+      </p:pic>
+      <p:pic>
+        <p:nvPicPr>
+          <p:cNvPr id="2" name="Picture 1"/>
+          <p:cNvPicPr>
+            <a:picLocks noChangeAspect="1"/>
+          </p:cNvPicPr>
+          <p:nvPr/>
+        </p:nvPicPr>
+        <p:blipFill>
+          <a:blip r:embed="rId5"/>
+          <a:stretch>
+            <a:fillRect/>
+          </a:stretch>
+        </p:blipFill>
+        <p:spPr>
+          <a:xfrm>
+            <a:off x="0" y="-32947"/>
+            <a:ext cx="9144000" cy="2506303"/>
+          </a:xfrm>
+          <a:prstGeom prst="rect">
+            <a:avLst/>
+          </a:prstGeom>
+        </p:spPr>
+      </p:pic>
+      <p:sp>
+        <p:nvSpPr>
+          <p:cNvPr id="6" name="Rectangle 5"/>
+          <p:cNvSpPr/>
+          <p:nvPr/>
+        </p:nvSpPr>
+        <p:spPr bwMode="auto">
+          <a:xfrm>
+            <a:off x="179512" y="2492896"/>
+            <a:ext cx="8856984" cy="4248472"/>
+          </a:xfrm>
+          <a:prstGeom prst="rect">
+            <a:avLst/>
+          </a:prstGeom>
+          <a:solidFill>
+            <a:srgbClr val="000000">
+              <a:alpha val="70000"/>
+            </a:srgbClr>
+          </a:solidFill>
+          <a:ln w="9525" cap="flat" cmpd="sng" algn="ctr">
+            <a:noFill/>
+            <a:prstDash val="solid"/>
+            <a:round/>
+            <a:headEnd type="none" w="med" len="med"/>
+            <a:tailEnd type="none" w="med" len="med"/>
+          </a:ln>
+          <a:effectLst/>
+        </p:spPr>
+        <p:txBody>
+          <a:bodyPr vert="horz" wrap="square" lIns="91440" tIns="45720" rIns="91440" bIns="45720" numCol="1" rtlCol="0" anchor="t" anchorCtr="0" compatLnSpc="1">
+            <a:prstTxWarp prst="textNoShape">
+              <a:avLst/>
+            </a:prstTxWarp>
+          </a:bodyPr>
+          <a:lstStyle/>
+          <a:p>
+            <a:pPr marL="0" marR="0" indent="0" algn="l" defTabSz="449263" rtl="0" eaLnBrk="1" fontAlgn="base" latinLnBrk="0" hangingPunct="1">
+              <a:lnSpc>
+                <a:spcPct val="100000"/>
+              </a:lnSpc>
+              <a:spcBef>
+                <a:spcPct val="0"/>
+              </a:spcBef>
+              <a:spcAft>
+                <a:spcPct val="0"/>
+              </a:spcAft>
+              <a:buClr>
+                <a:srgbClr val="000000"/>
+              </a:buClr>
+              <a:buSzPct val="100000"/>
+              <a:buFont typeface="Times New Roman" charset="0"/>
+              <a:buNone/>
+              <a:tabLst/>
+            </a:pPr>
+            <a:endParaRPr kumimoji="0" lang="en-US" sz="2200" b="0" i="1" u="none" strike="noStrike" cap="none" normalizeH="0" baseline="0">
+              <a:ln>
+                <a:noFill/>
+              </a:ln>
+              <a:solidFill>
+                <a:schemeClr val="bg1"/>
+              </a:solidFill>
+              <a:effectLst/>
+              <a:latin typeface="Myriad Web" charset="0"/>
+            </a:endParaRPr>
+          </a:p>
+        </p:txBody>
+      </p:sp>
+    </p:spTree>
+    <p:extLst>
+      <p:ext uri="{BB962C8B-B14F-4D97-AF65-F5344CB8AC3E}">
+        <p14:creationId xmlns:p14="http://schemas.microsoft.com/office/powerpoint/2010/main" val="4020662005"/>
+      </p:ext>
+    </p:extLst>
+  </p:cSld>
+  <p:clrMapOvr>
+    <a:masterClrMapping/>
+  </p:clrMapOvr>
+  <p:transition xmlns:p14="http://schemas.microsoft.com/office/powerpoint/2010/main"/>
+  <p:timing>
+    <p:tnLst>
+      <p:par>
+        <p:cTn xmlns:p14="http://schemas.microsoft.com/office/powerpoint/2010/main" id="1" dur="indefinite" restart="never" nodeType="tmRoot"/>
+      </p:par>
+    </p:tnLst>
+  </p:timing>
+</p:sld>
+</file>
+
+<file path=ppt/slides/slide42.xml><?xml version="1.0" encoding="utf-8"?>
+<p:sld xmlns:a="http://schemas.openxmlformats.org/drawingml/2006/main" xmlns:r="http://schemas.openxmlformats.org/officeDocument/2006/relationships" xmlns:p="http://schemas.openxmlformats.org/presentationml/2006/main">
+  <p:cSld>
+    <p:spTree>
+      <p:nvGrpSpPr>
+        <p:cNvPr id="1" name=""/>
+        <p:cNvGrpSpPr/>
+        <p:nvPr/>
+      </p:nvGrpSpPr>
+      <p:grpSpPr>
+        <a:xfrm>
+          <a:off x="0" y="0"/>
+          <a:ext cx="0" cy="0"/>
+          <a:chOff x="0" y="0"/>
+          <a:chExt cx="0" cy="0"/>
+        </a:xfrm>
+      </p:grpSpPr>
+      <p:sp>
+        <p:nvSpPr>
+          <p:cNvPr id="15362" name="Rectangle 4"/>
+          <p:cNvSpPr>
+            <a:spLocks noChangeArrowheads="1"/>
+          </p:cNvSpPr>
+          <p:nvPr/>
+        </p:nvSpPr>
+        <p:spPr bwMode="auto">
+          <a:xfrm>
+            <a:off x="1691482" y="980728"/>
+            <a:ext cx="5761037" cy="430887"/>
+          </a:xfrm>
+          <a:prstGeom prst="rect">
+            <a:avLst/>
+          </a:prstGeom>
+          <a:noFill/>
+          <a:ln>
+            <a:noFill/>
+          </a:ln>
+          <a:extLst>
+            <a:ext uri="{909E8E84-426E-40dd-AFC4-6F175D3DCCD1}">
+              <a14:hiddenFill xmlns:a14="http://schemas.microsoft.com/office/drawing/2010/main">
+                <a:solidFill>
+                  <a:srgbClr val="FFFFFF"/>
+                </a:solidFill>
+              </a14:hiddenFill>
+            </a:ext>
+            <a:ext uri="{91240B29-F687-4f45-9708-019B960494DF}">
+              <a14:hiddenLine xmlns:a14="http://schemas.microsoft.com/office/drawing/2010/main" w="9525">
+                <a:solidFill>
+                  <a:srgbClr val="000000"/>
+                </a:solidFill>
+                <a:miter lim="800000"/>
+                <a:headEnd/>
+                <a:tailEnd/>
+              </a14:hiddenLine>
+            </a:ext>
+          </a:extLst>
+        </p:spPr>
+        <p:txBody>
+          <a:bodyPr anchor="ctr">
+            <a:spAutoFit/>
+          </a:bodyPr>
+          <a:lstStyle/>
+          <a:p>
+            <a:pPr algn="ctr"/>
+            <a:r>
+              <a:rPr lang="en-GB" altLang="ja-JP" i="0" dirty="0" smtClean="0">
+                <a:effectLst>
+                  <a:glow rad="101600">
+                    <a:srgbClr val="000000"/>
+                  </a:glow>
+                </a:effectLst>
+              </a:rPr>
+              <a:t>Actions, outcomes &amp; conditions</a:t>
+            </a:r>
+            <a:endParaRPr lang="en-GB" i="0" dirty="0">
+              <a:effectLst>
+                <a:glow rad="101600">
+                  <a:srgbClr val="000000"/>
+                </a:glow>
+              </a:effectLst>
+            </a:endParaRPr>
+          </a:p>
+        </p:txBody>
+      </p:sp>
+      <p:pic>
+        <p:nvPicPr>
+          <p:cNvPr id="4" name="Picture 3"/>
+          <p:cNvPicPr>
+            <a:picLocks noChangeAspect="1"/>
+          </p:cNvPicPr>
+          <p:nvPr/>
+        </p:nvPicPr>
+        <p:blipFill>
+          <a:blip r:embed="rId3"/>
+          <a:stretch>
+            <a:fillRect/>
+          </a:stretch>
+        </p:blipFill>
+        <p:spPr>
+          <a:xfrm>
+            <a:off x="0" y="2463800"/>
+            <a:ext cx="9144000" cy="1925053"/>
+          </a:xfrm>
+          <a:prstGeom prst="rect">
+            <a:avLst/>
+          </a:prstGeom>
+        </p:spPr>
+      </p:pic>
+      <p:pic>
+        <p:nvPicPr>
+          <p:cNvPr id="5" name="Picture 4"/>
+          <p:cNvPicPr>
+            <a:picLocks noChangeAspect="1"/>
+          </p:cNvPicPr>
+          <p:nvPr/>
+        </p:nvPicPr>
+        <p:blipFill>
+          <a:blip r:embed="rId4"/>
+          <a:stretch>
+            <a:fillRect/>
+          </a:stretch>
+        </p:blipFill>
+        <p:spPr>
+          <a:xfrm>
+            <a:off x="0" y="4293096"/>
+            <a:ext cx="9144000" cy="2453545"/>
+          </a:xfrm>
+          <a:prstGeom prst="rect">
+            <a:avLst/>
+          </a:prstGeom>
+        </p:spPr>
+      </p:pic>
+      <p:pic>
+        <p:nvPicPr>
+          <p:cNvPr id="2" name="Picture 1"/>
+          <p:cNvPicPr>
+            <a:picLocks noChangeAspect="1"/>
+          </p:cNvPicPr>
+          <p:nvPr/>
+        </p:nvPicPr>
+        <p:blipFill>
+          <a:blip r:embed="rId5"/>
+          <a:stretch>
+            <a:fillRect/>
+          </a:stretch>
+        </p:blipFill>
+        <p:spPr>
+          <a:xfrm>
+            <a:off x="0" y="-32947"/>
+            <a:ext cx="9144000" cy="2506303"/>
+          </a:xfrm>
+          <a:prstGeom prst="rect">
+            <a:avLst/>
+          </a:prstGeom>
+        </p:spPr>
+      </p:pic>
+      <p:sp>
+        <p:nvSpPr>
+          <p:cNvPr id="6" name="Rectangle 5"/>
+          <p:cNvSpPr/>
+          <p:nvPr/>
+        </p:nvSpPr>
+        <p:spPr bwMode="auto">
+          <a:xfrm>
+            <a:off x="179512" y="2492896"/>
+            <a:ext cx="8856984" cy="1775542"/>
+          </a:xfrm>
+          <a:prstGeom prst="rect">
+            <a:avLst/>
+          </a:prstGeom>
+          <a:solidFill>
+            <a:srgbClr val="000000">
+              <a:alpha val="70000"/>
+            </a:srgbClr>
+          </a:solidFill>
+          <a:ln w="9525" cap="flat" cmpd="sng" algn="ctr">
+            <a:noFill/>
+            <a:prstDash val="solid"/>
+            <a:round/>
+            <a:headEnd type="none" w="med" len="med"/>
+            <a:tailEnd type="none" w="med" len="med"/>
+          </a:ln>
+          <a:effectLst/>
+        </p:spPr>
+        <p:txBody>
+          <a:bodyPr vert="horz" wrap="square" lIns="91440" tIns="45720" rIns="91440" bIns="45720" numCol="1" rtlCol="0" anchor="t" anchorCtr="0" compatLnSpc="1">
+            <a:prstTxWarp prst="textNoShape">
+              <a:avLst/>
+            </a:prstTxWarp>
+          </a:bodyPr>
+          <a:lstStyle/>
+          <a:p>
+            <a:pPr marL="0" marR="0" indent="0" algn="l" defTabSz="449263" rtl="0" eaLnBrk="1" fontAlgn="base" latinLnBrk="0" hangingPunct="1">
+              <a:lnSpc>
+                <a:spcPct val="100000"/>
+              </a:lnSpc>
+              <a:spcBef>
+                <a:spcPct val="0"/>
+              </a:spcBef>
+              <a:spcAft>
+                <a:spcPct val="0"/>
+              </a:spcAft>
+              <a:buClr>
+                <a:srgbClr val="000000"/>
+              </a:buClr>
+              <a:buSzPct val="100000"/>
+              <a:buFont typeface="Times New Roman" charset="0"/>
+              <a:buNone/>
+              <a:tabLst/>
+            </a:pPr>
+            <a:endParaRPr kumimoji="0" lang="en-US" sz="2200" b="0" i="1" u="none" strike="noStrike" cap="none" normalizeH="0" baseline="0">
+              <a:ln>
+                <a:noFill/>
+              </a:ln>
+              <a:solidFill>
+                <a:schemeClr val="bg1"/>
+              </a:solidFill>
+              <a:effectLst/>
+              <a:latin typeface="Myriad Web" charset="0"/>
+            </a:endParaRPr>
+          </a:p>
+        </p:txBody>
+      </p:sp>
+    </p:spTree>
+    <p:extLst>
+      <p:ext uri="{BB962C8B-B14F-4D97-AF65-F5344CB8AC3E}">
+        <p14:creationId xmlns:p14="http://schemas.microsoft.com/office/powerpoint/2010/main" val="2332624153"/>
+      </p:ext>
+    </p:extLst>
+  </p:cSld>
+  <p:clrMapOvr>
+    <a:masterClrMapping/>
+  </p:clrMapOvr>
+  <p:transition xmlns:p14="http://schemas.microsoft.com/office/powerpoint/2010/main"/>
+  <p:timing>
+    <p:tnLst>
+      <p:par>
+        <p:cTn xmlns:p14="http://schemas.microsoft.com/office/powerpoint/2010/main" id="1" dur="indefinite" restart="never" nodeType="tmRoot"/>
+      </p:par>
+    </p:tnLst>
+  </p:timing>
+</p:sld>
+</file>
+
+<file path=ppt/slides/slide43.xml><?xml version="1.0" encoding="utf-8"?>
+<p:sld xmlns:a="http://schemas.openxmlformats.org/drawingml/2006/main" xmlns:r="http://schemas.openxmlformats.org/officeDocument/2006/relationships" xmlns:p="http://schemas.openxmlformats.org/presentationml/2006/main">
+  <p:cSld>
+    <p:spTree>
+      <p:nvGrpSpPr>
+        <p:cNvPr id="1" name=""/>
+        <p:cNvGrpSpPr/>
+        <p:nvPr/>
+      </p:nvGrpSpPr>
+      <p:grpSpPr>
+        <a:xfrm>
+          <a:off x="0" y="0"/>
+          <a:ext cx="0" cy="0"/>
+          <a:chOff x="0" y="0"/>
+          <a:chExt cx="0" cy="0"/>
+        </a:xfrm>
+      </p:grpSpPr>
+      <p:sp>
+        <p:nvSpPr>
+          <p:cNvPr id="4" name="Rectangle 3"/>
+          <p:cNvSpPr/>
+          <p:nvPr/>
+        </p:nvSpPr>
+        <p:spPr>
+          <a:xfrm>
+            <a:off x="899592" y="2060848"/>
+            <a:ext cx="7416824" cy="2800766"/>
+          </a:xfrm>
+          <a:prstGeom prst="rect">
+            <a:avLst/>
+          </a:prstGeom>
+          <a:solidFill>
+            <a:schemeClr val="tx1"/>
+          </a:solidFill>
+        </p:spPr>
+        <p:txBody>
+          <a:bodyPr wrap="square">
+            <a:spAutoFit/>
+          </a:bodyPr>
+          <a:lstStyle/>
+          <a:p>
+            <a:r>
+              <a:rPr lang="en-US" i="0" dirty="0" smtClean="0">
+                <a:effectLst>
+                  <a:glow rad="101600">
+                    <a:srgbClr val="000000"/>
+                  </a:glow>
+                </a:effectLst>
+              </a:rPr>
+              <a:t>‘Suppose </a:t>
+            </a:r>
+            <a:r>
+              <a:rPr lang="en-US" i="0" dirty="0">
+                <a:effectLst>
+                  <a:glow rad="101600">
+                    <a:srgbClr val="000000"/>
+                  </a:glow>
+                </a:effectLst>
+              </a:rPr>
+              <a:t>that A and B are </a:t>
+            </a:r>
+            <a:r>
+              <a:rPr lang="en-US" i="0" dirty="0" smtClean="0">
+                <a:effectLst>
+                  <a:glow rad="101600">
+                    <a:srgbClr val="000000"/>
+                  </a:glow>
+                </a:effectLst>
+              </a:rPr>
+              <a:t>[</a:t>
+            </a:r>
+            <a:r>
+              <a:rPr lang="en-US" i="0" dirty="0">
+                <a:effectLst>
+                  <a:glow rad="101600">
+                    <a:srgbClr val="000000"/>
+                  </a:glow>
+                </a:effectLst>
+              </a:rPr>
+              <a:t>outcomes] between which the agent is not indifferent, and that N is an ethically neutral condition [i.e</a:t>
+            </a:r>
+            <a:r>
+              <a:rPr lang="en-US" i="0" dirty="0" smtClean="0">
+                <a:effectLst>
+                  <a:glow rad="101600">
+                    <a:srgbClr val="000000"/>
+                  </a:glow>
+                </a:effectLst>
+              </a:rPr>
+              <a:t>. </a:t>
+            </a:r>
+            <a:r>
+              <a:rPr lang="en-US" i="0" dirty="0">
+                <a:effectLst>
+                  <a:glow rad="101600">
+                    <a:srgbClr val="000000"/>
+                  </a:glow>
+                </a:effectLst>
+              </a:rPr>
+              <a:t>the agent is indifferent between N and not N]. </a:t>
+            </a:r>
+          </a:p>
+          <a:p>
+            <a:r>
+              <a:rPr lang="en-US" i="0" dirty="0" smtClean="0">
+                <a:effectLst>
+                  <a:glow rad="101600">
+                    <a:srgbClr val="000000"/>
+                  </a:glow>
+                </a:effectLst>
+              </a:rPr>
+              <a:t>Then </a:t>
+            </a:r>
+            <a:r>
+              <a:rPr lang="en-US" i="0" dirty="0">
+                <a:effectLst>
+                  <a:glow rad="101600">
+                    <a:srgbClr val="000000"/>
+                  </a:glow>
+                </a:effectLst>
+              </a:rPr>
+              <a:t>N has probability 1/2 if and only if the agent is indifferent between the following two gambles.</a:t>
+            </a:r>
+          </a:p>
+          <a:p>
+            <a:r>
+              <a:rPr lang="en-US" i="0" dirty="0" smtClean="0">
+                <a:effectLst>
+                  <a:glow rad="101600">
+                    <a:srgbClr val="000000"/>
+                  </a:glow>
+                </a:effectLst>
+              </a:rPr>
+              <a:t>	B </a:t>
+            </a:r>
+            <a:r>
+              <a:rPr lang="en-US" i="0" dirty="0">
+                <a:effectLst>
+                  <a:glow rad="101600">
+                    <a:srgbClr val="000000"/>
+                  </a:glow>
+                </a:effectLst>
+              </a:rPr>
+              <a:t>if N, A if not </a:t>
+            </a:r>
+          </a:p>
+          <a:p>
+            <a:r>
+              <a:rPr lang="en-US" i="0" dirty="0">
+                <a:effectLst>
+                  <a:glow rad="101600">
+                    <a:srgbClr val="000000"/>
+                  </a:glow>
+                </a:effectLst>
+              </a:rPr>
+              <a:t>	</a:t>
+            </a:r>
+            <a:r>
+              <a:rPr lang="en-US" i="0" dirty="0" smtClean="0">
+                <a:effectLst>
+                  <a:glow rad="101600">
+                    <a:srgbClr val="000000"/>
+                  </a:glow>
+                </a:effectLst>
+              </a:rPr>
+              <a:t>A </a:t>
+            </a:r>
+            <a:r>
+              <a:rPr lang="en-US" i="0" dirty="0">
+                <a:effectLst>
+                  <a:glow rad="101600">
+                    <a:srgbClr val="000000"/>
+                  </a:glow>
+                </a:effectLst>
+              </a:rPr>
+              <a:t>if N, B if not'</a:t>
+            </a:r>
+          </a:p>
+          <a:p>
+            <a:pPr algn="r"/>
+            <a:r>
+              <a:rPr lang="en-US" i="0" dirty="0">
+                <a:effectLst>
+                  <a:glow rad="101600">
+                    <a:srgbClr val="000000"/>
+                  </a:glow>
+                </a:effectLst>
+              </a:rPr>
+              <a:t>	</a:t>
+            </a:r>
+            <a:r>
+              <a:rPr lang="en-US" i="0" dirty="0" smtClean="0">
+                <a:effectLst>
+                  <a:glow rad="101600">
+                    <a:srgbClr val="000000"/>
+                  </a:glow>
+                </a:effectLst>
+              </a:rPr>
+              <a:t>(Jeffrey 1983: 47)</a:t>
+            </a:r>
+            <a:endParaRPr lang="en-US" i="0" dirty="0">
+              <a:effectLst>
+                <a:glow rad="101600">
+                  <a:srgbClr val="000000"/>
+                </a:glow>
+              </a:effectLst>
+            </a:endParaRPr>
+          </a:p>
+        </p:txBody>
+      </p:sp>
+    </p:spTree>
+    <p:extLst>
+      <p:ext uri="{BB962C8B-B14F-4D97-AF65-F5344CB8AC3E}">
+        <p14:creationId xmlns:p14="http://schemas.microsoft.com/office/powerpoint/2010/main" val="3956285096"/>
+      </p:ext>
+    </p:extLst>
+  </p:cSld>
+  <p:clrMapOvr>
+    <a:masterClrMapping/>
+  </p:clrMapOvr>
+  <p:transition xmlns:p14="http://schemas.microsoft.com/office/powerpoint/2010/main"/>
+  <p:timing>
+    <p:tnLst>
+      <p:par>
+        <p:cTn xmlns:p14="http://schemas.microsoft.com/office/powerpoint/2010/main" id="1" dur="indefinite" restart="never" nodeType="tmRoot">
+          <p:childTnLst>
+            <p:seq concurrent="1" nextAc="seek">
+              <p:cTn id="2" dur="0" nodeType="mainSeq"/>
+              <p:prevCondLst>
+                <p:cond evt="onPrev" delay="0">
+                  <p:tgtEl>
+                    <p:sldTgt/>
+                  </p:tgtEl>
+                </p:cond>
+              </p:prevCondLst>
+              <p:nextCondLst>
+                <p:cond evt="onNext" delay="0">
+                  <p:tgtEl>
+                    <p:sldTgt/>
+                  </p:tgtEl>
+                </p:cond>
+              </p:nextCondLst>
+            </p:seq>
+          </p:childTnLst>
+        </p:cTn>
+      </p:par>
+    </p:tnLst>
+  </p:timing>
+</p:sld>
+</file>
+
+<file path=ppt/slides/slide44.xml><?xml version="1.0" encoding="utf-8"?>
+<p:sld xmlns:a="http://schemas.openxmlformats.org/drawingml/2006/main" xmlns:r="http://schemas.openxmlformats.org/officeDocument/2006/relationships" xmlns:p="http://schemas.openxmlformats.org/presentationml/2006/main">
+  <p:cSld>
+    <p:spTree>
+      <p:nvGrpSpPr>
+        <p:cNvPr id="1" name=""/>
+        <p:cNvGrpSpPr/>
+        <p:nvPr/>
+      </p:nvGrpSpPr>
+      <p:grpSpPr>
+        <a:xfrm>
+          <a:off x="0" y="0"/>
+          <a:ext cx="0" cy="0"/>
+          <a:chOff x="0" y="0"/>
+          <a:chExt cx="0" cy="0"/>
+        </a:xfrm>
+      </p:grpSpPr>
+      <p:sp>
+        <p:nvSpPr>
+          <p:cNvPr id="4" name="Rectangle 3"/>
+          <p:cNvSpPr/>
+          <p:nvPr/>
+        </p:nvSpPr>
+        <p:spPr>
+          <a:xfrm>
+            <a:off x="899592" y="2060848"/>
+            <a:ext cx="7416824" cy="1785104"/>
+          </a:xfrm>
+          <a:prstGeom prst="rect">
+            <a:avLst/>
+          </a:prstGeom>
+          <a:solidFill>
+            <a:schemeClr val="tx1"/>
+          </a:solidFill>
+        </p:spPr>
+        <p:txBody>
+          <a:bodyPr wrap="square">
+            <a:spAutoFit/>
+          </a:bodyPr>
+          <a:lstStyle/>
+          <a:p>
+            <a:r>
+              <a:rPr lang="en-US" i="0" dirty="0" smtClean="0">
+                <a:effectLst>
+                  <a:glow rad="101600">
+                    <a:srgbClr val="000000"/>
+                  </a:glow>
+                </a:effectLst>
+              </a:rPr>
+              <a:t>‘modern </a:t>
+            </a:r>
+            <a:r>
+              <a:rPr lang="en-US" i="0" dirty="0">
+                <a:effectLst>
+                  <a:glow rad="101600">
+                    <a:srgbClr val="000000"/>
+                  </a:glow>
+                </a:effectLst>
+              </a:rPr>
+              <a:t>philosophers ... have no theory of thought to speak of</a:t>
+            </a:r>
+            <a:r>
+              <a:rPr lang="en-US" i="0" dirty="0" smtClean="0">
+                <a:effectLst>
+                  <a:glow rad="101600">
+                    <a:srgbClr val="000000"/>
+                  </a:glow>
+                </a:effectLst>
+              </a:rPr>
+              <a:t>.  </a:t>
+            </a:r>
+            <a:r>
+              <a:rPr lang="en-US" i="0" dirty="0">
+                <a:effectLst>
+                  <a:glow rad="101600">
+                    <a:srgbClr val="000000"/>
+                  </a:glow>
+                </a:effectLst>
+              </a:rPr>
+              <a:t>I do think this is appalling; how can you seriously hope for a good account of belief if you have no account of belief fixation</a:t>
+            </a:r>
+            <a:r>
+              <a:rPr lang="en-US" i="0" dirty="0" smtClean="0">
+                <a:effectLst>
+                  <a:glow rad="101600">
+                    <a:srgbClr val="000000"/>
+                  </a:glow>
+                </a:effectLst>
+              </a:rPr>
+              <a:t>?’ </a:t>
+            </a:r>
+            <a:endParaRPr lang="en-US" i="0" dirty="0">
+              <a:effectLst>
+                <a:glow rad="101600">
+                  <a:srgbClr val="000000"/>
+                </a:glow>
+              </a:effectLst>
+            </a:endParaRPr>
+          </a:p>
+          <a:p>
+            <a:pPr algn="r"/>
+            <a:r>
+              <a:rPr lang="en-US" i="0" dirty="0" smtClean="0">
+                <a:effectLst>
+                  <a:glow rad="101600">
+                    <a:srgbClr val="000000"/>
+                  </a:glow>
+                </a:effectLst>
+              </a:rPr>
+              <a:t>(Fodor 1987: 147)</a:t>
+            </a:r>
+            <a:endParaRPr lang="en-US" i="0" dirty="0">
+              <a:effectLst>
+                <a:glow rad="101600">
+                  <a:srgbClr val="000000"/>
+                </a:glow>
+              </a:effectLst>
+            </a:endParaRPr>
+          </a:p>
+        </p:txBody>
+      </p:sp>
+    </p:spTree>
+    <p:extLst>
+      <p:ext uri="{BB962C8B-B14F-4D97-AF65-F5344CB8AC3E}">
+        <p14:creationId xmlns:p14="http://schemas.microsoft.com/office/powerpoint/2010/main" val="2915743953"/>
+      </p:ext>
+    </p:extLst>
+  </p:cSld>
+  <p:clrMapOvr>
+    <a:masterClrMapping/>
+  </p:clrMapOvr>
+  <p:transition xmlns:p14="http://schemas.microsoft.com/office/powerpoint/2010/main"/>
+  <p:timing>
+    <p:tnLst>
+      <p:par>
+        <p:cTn xmlns:p14="http://schemas.microsoft.com/office/powerpoint/2010/main" id="1" dur="indefinite" restart="never" nodeType="tmRoot">
+          <p:childTnLst>
+            <p:seq concurrent="1" nextAc="seek">
+              <p:cTn id="2" dur="0" nodeType="mainSeq"/>
+              <p:prevCondLst>
+                <p:cond evt="onPrev" delay="0">
+                  <p:tgtEl>
+                    <p:sldTgt/>
+                  </p:tgtEl>
+                </p:cond>
+              </p:prevCondLst>
+              <p:nextCondLst>
+                <p:cond evt="onNext" delay="0">
+                  <p:tgtEl>
+                    <p:sldTgt/>
+                  </p:tgtEl>
+                </p:cond>
+              </p:nextCondLst>
+            </p:seq>
+          </p:childTnLst>
+        </p:cTn>
+      </p:par>
+    </p:tnLst>
+  </p:timing>
+</p:sld>
+</file>
+
+<file path=ppt/slides/slide45.xml><?xml version="1.0" encoding="utf-8"?>
+<p:sld xmlns:a="http://schemas.openxmlformats.org/drawingml/2006/main" xmlns:r="http://schemas.openxmlformats.org/officeDocument/2006/relationships" xmlns:p="http://schemas.openxmlformats.org/presentationml/2006/main">
+  <p:cSld>
+    <p:spTree>
+      <p:nvGrpSpPr>
+        <p:cNvPr id="1" name=""/>
+        <p:cNvGrpSpPr/>
+        <p:nvPr/>
+      </p:nvGrpSpPr>
+      <p:grpSpPr>
+        <a:xfrm>
+          <a:off x="0" y="0"/>
+          <a:ext cx="0" cy="0"/>
+          <a:chOff x="0" y="0"/>
+          <a:chExt cx="0" cy="0"/>
+        </a:xfrm>
+      </p:grpSpPr>
+      <p:pic>
+        <p:nvPicPr>
+          <p:cNvPr id="5" name="Picture 4" descr="DSC_0303.JPG"/>
+          <p:cNvPicPr>
+            <a:picLocks noChangeAspect="1"/>
+          </p:cNvPicPr>
+          <p:nvPr/>
+        </p:nvPicPr>
+        <p:blipFill>
+          <a:blip r:embed="rId3">
+            <a:extLst>
+              <a:ext uri="{28A0092B-C50C-407E-A947-70E740481C1C}">
+                <a14:useLocalDpi xmlns:a14="http://schemas.microsoft.com/office/drawing/2010/main" val="0"/>
+              </a:ext>
+            </a:extLst>
+          </a:blip>
+          <a:stretch>
+            <a:fillRect/>
+          </a:stretch>
+        </p:blipFill>
+        <p:spPr>
+          <a:xfrm>
+            <a:off x="-1" y="0"/>
+            <a:ext cx="9120249" cy="6858000"/>
+          </a:xfrm>
+          <a:prstGeom prst="rect">
+            <a:avLst/>
+          </a:prstGeom>
+        </p:spPr>
+      </p:pic>
+    </p:spTree>
+    <p:extLst>
+      <p:ext uri="{BB962C8B-B14F-4D97-AF65-F5344CB8AC3E}">
+        <p14:creationId xmlns:p14="http://schemas.microsoft.com/office/powerpoint/2010/main" val="2990400612"/>
+      </p:ext>
+    </p:extLst>
+  </p:cSld>
+  <p:clrMapOvr>
+    <a:masterClrMapping/>
+  </p:clrMapOvr>
+  <p:transition xmlns:p14="http://schemas.microsoft.com/office/powerpoint/2010/main"/>
+  <p:timing>
+    <p:tnLst>
+      <p:par>
+        <p:cTn xmlns:p14="http://schemas.microsoft.com/office/powerpoint/2010/main" id="1" dur="indefinite" restart="never" nodeType="tmRoot">
+          <p:childTnLst>
+            <p:seq concurrent="1" nextAc="seek">
+              <p:cTn id="2" dur="0" nodeType="mainSeq"/>
+              <p:prevCondLst>
+                <p:cond evt="onPrev" delay="0">
+                  <p:tgtEl>
+                    <p:sldTgt/>
+                  </p:tgtEl>
+                </p:cond>
+              </p:prevCondLst>
+              <p:nextCondLst>
+                <p:cond evt="onNext" delay="0">
+                  <p:tgtEl>
+                    <p:sldTgt/>
+                  </p:tgtEl>
+                </p:cond>
+              </p:nextCondLst>
+            </p:seq>
+          </p:childTnLst>
+        </p:cTn>
       </p:par>
     </p:tnLst>
   </p:timing>

--- a/lecture 02 what are mental states/lecture02.what are mental states.ppt.pptx
+++ b/lecture 02 what are mental states/lecture02.what are mental states.ppt.pptx
@@ -311,7 +311,7 @@
           <a:p>
             <a:fld id="{4E0FDDF2-C6EA-E74A-AE03-E3FFBD43675E}" type="datetimeFigureOut">
               <a:rPr lang="en-US" smtClean="0"/>
-              <a:t>16/09/2012</a:t>
+              <a:t>19/09/2012</a:t>
             </a:fld>
             <a:endParaRPr lang="en-US"/>
           </a:p>
@@ -8537,109 +8537,6 @@
                 <a:ea typeface="+mn-ea"/>
                 <a:cs typeface="+mn-cs"/>
               </a:rPr>
-              <a:t>***Davidson quote is relevant here (about nothing in between)</a:t>
-            </a:r>
-          </a:p>
-          <a:p>
-            <a:endParaRPr lang="en-US" sz="1200" kern="1200" baseline="0" dirty="0" smtClean="0">
-              <a:solidFill>
-                <a:srgbClr val="000000"/>
-              </a:solidFill>
-              <a:latin typeface="Times New Roman" charset="0"/>
-              <a:ea typeface="+mn-ea"/>
-              <a:cs typeface="+mn-cs"/>
-            </a:endParaRPr>
-          </a:p>
-          <a:p>
-            <a:r>
-              <a:rPr lang="en-US" sz="1200" kern="1200" baseline="0" dirty="0" smtClean="0">
-                <a:solidFill>
-                  <a:srgbClr val="000000"/>
-                </a:solidFill>
-                <a:latin typeface="Times New Roman" charset="0"/>
-                <a:ea typeface="+mn-ea"/>
-                <a:cs typeface="+mn-cs"/>
-              </a:rPr>
-              <a:t>***(not here) Another way to think of this is as constructing an imaginary world.  We can maybe imagine a world, one much simpler than ours, where </a:t>
-            </a:r>
-            <a:r>
-              <a:rPr lang="en-US" sz="1200" kern="1200" baseline="0" dirty="0" err="1" smtClean="0">
-                <a:solidFill>
-                  <a:srgbClr val="000000"/>
-                </a:solidFill>
-                <a:latin typeface="Times New Roman" charset="0"/>
-                <a:ea typeface="+mn-ea"/>
-                <a:cs typeface="+mn-cs"/>
-              </a:rPr>
-              <a:t>Netwtonian</a:t>
-            </a:r>
-            <a:r>
-              <a:rPr lang="en-US" sz="1200" kern="1200" baseline="0" dirty="0" smtClean="0">
-                <a:solidFill>
-                  <a:srgbClr val="000000"/>
-                </a:solidFill>
-                <a:latin typeface="Times New Roman" charset="0"/>
-                <a:ea typeface="+mn-ea"/>
-                <a:cs typeface="+mn-cs"/>
-              </a:rPr>
-              <a:t> physics holds.  Maybe it is even in some sense possible for such a world to exist.  There is also a world where </a:t>
-            </a:r>
-          </a:p>
-          <a:p>
-            <a:endParaRPr lang="en-US" sz="1200" kern="1200" baseline="0" dirty="0" smtClean="0">
-              <a:solidFill>
-                <a:srgbClr val="000000"/>
-              </a:solidFill>
-              <a:latin typeface="Times New Roman" charset="0"/>
-              <a:ea typeface="+mn-ea"/>
-              <a:cs typeface="+mn-cs"/>
-            </a:endParaRPr>
-          </a:p>
-          <a:p>
-            <a:r>
-              <a:rPr lang="en-US" sz="1200" kern="1200" baseline="0" dirty="0" smtClean="0">
-                <a:solidFill>
-                  <a:srgbClr val="000000"/>
-                </a:solidFill>
-                <a:latin typeface="Times New Roman" charset="0"/>
-                <a:ea typeface="+mn-ea"/>
-                <a:cs typeface="+mn-cs"/>
-              </a:rPr>
-              <a:t>***use </a:t>
-            </a:r>
-            <a:r>
-              <a:rPr lang="en-US" sz="1200" kern="1200" baseline="0" dirty="0" err="1" smtClean="0">
-                <a:solidFill>
-                  <a:srgbClr val="000000"/>
-                </a:solidFill>
-                <a:latin typeface="Times New Roman" charset="0"/>
-                <a:ea typeface="+mn-ea"/>
-                <a:cs typeface="+mn-cs"/>
-              </a:rPr>
-              <a:t>Dretske</a:t>
-            </a:r>
-            <a:r>
-              <a:rPr lang="en-US" sz="1200" kern="1200" baseline="0" dirty="0" smtClean="0">
-                <a:solidFill>
-                  <a:srgbClr val="000000"/>
-                </a:solidFill>
-                <a:latin typeface="Times New Roman" charset="0"/>
-                <a:ea typeface="+mn-ea"/>
-                <a:cs typeface="+mn-cs"/>
-              </a:rPr>
-              <a:t> naturalism quote?</a:t>
-            </a:r>
-          </a:p>
-          <a:p>
-            <a:r>
-              <a:rPr lang="en-US" sz="1200" kern="1200" baseline="0" dirty="0" smtClean="0">
-                <a:solidFill>
-                  <a:srgbClr val="000000"/>
-                </a:solidFill>
-                <a:latin typeface="Times New Roman" charset="0"/>
-                <a:ea typeface="+mn-ea"/>
-                <a:cs typeface="+mn-cs"/>
-              </a:rPr>
               <a:t>***start with mere goals and add in states that modulate, or go straight to decision theory?</a:t>
             </a:r>
             <a:endParaRPr lang="en-US" dirty="0"/>
@@ -11566,8 +11463,25 @@
                   </a:glow>
                 </a:effectLst>
               </a:rPr>
-              <a:t> from actions ... this ensures that the postulated states are knowable</a:t>
-            </a:r>
+              <a:t> from actions ... this ensures that the postulated states are </a:t>
+            </a:r>
+            <a:r>
+              <a:rPr lang="en-GB" i="0" baseline="0" dirty="0" smtClean="0">
+                <a:effectLst>
+                  <a:glow rad="101600">
+                    <a:srgbClr val="000000"/>
+                  </a:glow>
+                </a:effectLst>
+              </a:rPr>
+              <a:t>knowable ... don’t have to have any way of measuring them independently, merely have to observe the decisions (assuming some background conditions are met, e.g. that the preferences are transitive)</a:t>
+            </a:r>
+            <a:endParaRPr lang="en-GB" i="0" baseline="0" dirty="0" smtClean="0">
+              <a:effectLst>
+                <a:glow rad="101600">
+                  <a:srgbClr val="000000"/>
+                </a:glow>
+              </a:effectLst>
+            </a:endParaRPr>
           </a:p>
         </p:txBody>
       </p:sp>
@@ -13227,208 +13141,6 @@
           <a:bodyPr/>
           <a:lstStyle/>
           <a:p>
-            <a:r>
-              <a:rPr lang="en-US" sz="1200" kern="1200" baseline="0" dirty="0" smtClean="0">
-                <a:solidFill>
-                  <a:srgbClr val="000000"/>
-                </a:solidFill>
-                <a:latin typeface="Times New Roman" charset="0"/>
-                <a:ea typeface="+mn-ea"/>
-                <a:cs typeface="+mn-cs"/>
-              </a:rPr>
-              <a:t>Now we can go back and ask whether these norms are part of different subjects’ understandings of the attitudes ...</a:t>
-            </a:r>
-          </a:p>
-          <a:p>
-            <a:r>
-              <a:rPr lang="en-US" sz="1200" kern="1200" baseline="0" dirty="0" smtClean="0">
-                <a:solidFill>
-                  <a:srgbClr val="000000"/>
-                </a:solidFill>
-                <a:latin typeface="Times New Roman" charset="0"/>
-                <a:ea typeface="+mn-ea"/>
-                <a:cs typeface="+mn-cs"/>
-              </a:rPr>
-              <a:t>But this hardly seems like a good question to ask.</a:t>
-            </a:r>
-          </a:p>
-          <a:p>
-            <a:r>
-              <a:rPr lang="en-US" sz="1200" kern="1200" baseline="0" dirty="0" smtClean="0">
-                <a:solidFill>
-                  <a:srgbClr val="000000"/>
-                </a:solidFill>
-                <a:latin typeface="Times New Roman" charset="0"/>
-                <a:ea typeface="+mn-ea"/>
-                <a:cs typeface="+mn-cs"/>
-              </a:rPr>
-              <a:t>What evidence might persuade us either way?</a:t>
-            </a:r>
-          </a:p>
-          <a:p>
-            <a:endParaRPr lang="en-US" sz="1200" kern="1200" baseline="0" dirty="0" smtClean="0">
-              <a:solidFill>
-                <a:srgbClr val="000000"/>
-              </a:solidFill>
-              <a:latin typeface="Times New Roman" charset="0"/>
-              <a:ea typeface="+mn-ea"/>
-              <a:cs typeface="+mn-cs"/>
-            </a:endParaRPr>
-          </a:p>
-          <a:p>
-            <a:r>
-              <a:rPr lang="en-US" sz="1200" kern="1200" baseline="0" dirty="0" smtClean="0">
-                <a:solidFill>
-                  <a:srgbClr val="000000"/>
-                </a:solidFill>
-                <a:latin typeface="Times New Roman" charset="0"/>
-                <a:ea typeface="+mn-ea"/>
-                <a:cs typeface="+mn-cs"/>
-              </a:rPr>
-              <a:t>So I think there are two problems.</a:t>
-            </a:r>
-          </a:p>
-          <a:p>
-            <a:r>
-              <a:rPr lang="en-US" sz="1200" kern="1200" baseline="0" dirty="0" smtClean="0">
-                <a:solidFill>
-                  <a:srgbClr val="000000"/>
-                </a:solidFill>
-                <a:latin typeface="Times New Roman" charset="0"/>
-                <a:ea typeface="+mn-ea"/>
-                <a:cs typeface="+mn-cs"/>
-              </a:rPr>
-              <a:t>One is that there is no obvious basis for accepting or rejecting these claims about the attitudes.</a:t>
-            </a:r>
-          </a:p>
-          <a:p>
-            <a:r>
-              <a:rPr lang="en-US" sz="1200" kern="1200" baseline="0" dirty="0" smtClean="0">
-                <a:solidFill>
-                  <a:srgbClr val="000000"/>
-                </a:solidFill>
-                <a:latin typeface="Times New Roman" charset="0"/>
-                <a:ea typeface="+mn-ea"/>
-                <a:cs typeface="+mn-cs"/>
-              </a:rPr>
-              <a:t>The other is that this way of distinguishing the attitudes doesn’t seem to generate useful questions about </a:t>
-            </a:r>
-            <a:r>
-              <a:rPr lang="en-US" sz="1200" kern="1200" baseline="0" dirty="0" err="1" smtClean="0">
-                <a:solidFill>
-                  <a:srgbClr val="000000"/>
-                </a:solidFill>
-                <a:latin typeface="Times New Roman" charset="0"/>
-                <a:ea typeface="+mn-ea"/>
-                <a:cs typeface="+mn-cs"/>
-              </a:rPr>
-              <a:t>mindreaders</a:t>
-            </a:r>
-            <a:r>
-              <a:rPr lang="en-US" sz="1200" kern="1200" baseline="0" dirty="0" smtClean="0">
-                <a:solidFill>
-                  <a:srgbClr val="000000"/>
-                </a:solidFill>
-                <a:latin typeface="Times New Roman" charset="0"/>
-                <a:ea typeface="+mn-ea"/>
-                <a:cs typeface="+mn-cs"/>
-              </a:rPr>
-              <a:t>.</a:t>
-            </a:r>
-          </a:p>
-          <a:p>
-            <a:endParaRPr lang="en-US" sz="1200" kern="1200" baseline="0" dirty="0" smtClean="0">
-              <a:solidFill>
-                <a:srgbClr val="000000"/>
-              </a:solidFill>
-              <a:latin typeface="Times New Roman" charset="0"/>
-              <a:ea typeface="+mn-ea"/>
-              <a:cs typeface="+mn-cs"/>
-            </a:endParaRPr>
-          </a:p>
-          <a:p>
-            <a:r>
-              <a:rPr lang="en-US" sz="1200" kern="1200" baseline="0" dirty="0" smtClean="0">
-                <a:solidFill>
-                  <a:srgbClr val="000000"/>
-                </a:solidFill>
-                <a:latin typeface="Times New Roman" charset="0"/>
-                <a:ea typeface="+mn-ea"/>
-                <a:cs typeface="+mn-cs"/>
-              </a:rPr>
-              <a:t>Fortunately there is a different approach, one that relies less on commonsense.</a:t>
-            </a:r>
-          </a:p>
-          <a:p>
-            <a:r>
-              <a:rPr lang="en-US" sz="1200" kern="1200" baseline="0" dirty="0" smtClean="0">
-                <a:solidFill>
-                  <a:srgbClr val="000000"/>
-                </a:solidFill>
-                <a:latin typeface="Times New Roman" charset="0"/>
-                <a:ea typeface="+mn-ea"/>
-                <a:cs typeface="+mn-cs"/>
-              </a:rPr>
-              <a:t>We want to get a sense of the space of possibilities ... of the different understandings one might have of intention, say.</a:t>
-            </a:r>
-          </a:p>
-          <a:p>
-            <a:endParaRPr lang="en-US" sz="1200" kern="1200" baseline="0" dirty="0" smtClean="0">
-              <a:solidFill>
-                <a:srgbClr val="000000"/>
-              </a:solidFill>
-              <a:latin typeface="Times New Roman" charset="0"/>
-              <a:ea typeface="+mn-ea"/>
-              <a:cs typeface="+mn-cs"/>
-            </a:endParaRPr>
-          </a:p>
-          <a:p>
-            <a:r>
-              <a:rPr lang="en-US" sz="1200" kern="1200" baseline="0" dirty="0" smtClean="0">
-                <a:solidFill>
-                  <a:srgbClr val="000000"/>
-                </a:solidFill>
-                <a:latin typeface="Times New Roman" charset="0"/>
-                <a:ea typeface="+mn-ea"/>
-                <a:cs typeface="+mn-cs"/>
-              </a:rPr>
-              <a:t>Proposal: we should take a constructive approach---creature construction.</a:t>
-            </a:r>
-          </a:p>
-          <a:p>
-            <a:r>
-              <a:rPr lang="en-US" sz="1200" kern="1200" baseline="0" dirty="0" smtClean="0">
-                <a:solidFill>
-                  <a:srgbClr val="000000"/>
-                </a:solidFill>
-                <a:latin typeface="Times New Roman" charset="0"/>
-                <a:ea typeface="+mn-ea"/>
-                <a:cs typeface="+mn-cs"/>
-              </a:rPr>
-              <a:t>And we should have a model of the attitudes, one that is clearly enough explained that we can tell whether it is capable of explaining a given individual’s </a:t>
-            </a:r>
-            <a:r>
-              <a:rPr lang="en-US" sz="1200" kern="1200" baseline="0" dirty="0" err="1" smtClean="0">
-                <a:solidFill>
-                  <a:srgbClr val="000000"/>
-                </a:solidFill>
-                <a:latin typeface="Times New Roman" charset="0"/>
-                <a:ea typeface="+mn-ea"/>
-                <a:cs typeface="+mn-cs"/>
-              </a:rPr>
-              <a:t>behaviour</a:t>
-            </a:r>
-            <a:r>
-              <a:rPr lang="en-US" sz="1200" kern="1200" baseline="0" dirty="0" smtClean="0">
-                <a:solidFill>
-                  <a:srgbClr val="000000"/>
-                </a:solidFill>
-                <a:latin typeface="Times New Roman" charset="0"/>
-                <a:ea typeface="+mn-ea"/>
-                <a:cs typeface="+mn-cs"/>
-              </a:rPr>
-              <a:t> in a particular case.</a:t>
-            </a:r>
             <a:endParaRPr lang="en-US" dirty="0"/>
           </a:p>
         </p:txBody>
@@ -13803,18 +13515,7 @@
                 <a:ea typeface="+mn-ea"/>
                 <a:cs typeface="+mn-cs"/>
               </a:rPr>
-              <a:t>I think the answer is yes ... but that is quite a </a:t>
-            </a:r>
-            <a:r>
-              <a:rPr lang="en-US" sz="1200" kern="1200" smtClean="0">
-                <a:solidFill>
-                  <a:srgbClr val="000000"/>
-                </a:solidFill>
-                <a:latin typeface="Times New Roman" charset="0"/>
-                <a:ea typeface="+mn-ea"/>
-                <a:cs typeface="+mn-cs"/>
-              </a:rPr>
-              <a:t>long story.</a:t>
+              <a:t>I think the answer is yes ... but that is quite a long story.</a:t>
             </a:r>
             <a:endParaRPr lang="en-US" dirty="0"/>
           </a:p>
@@ -39197,7 +38898,27 @@
                   </a:glow>
                 </a:effectLst>
               </a:rPr>
-              <a:t>from our purposes in forming beliefs or in using beliefs as guides to action, there is nothing they should or shouldn’t be.  …  The only fault with fallacious reasoning, the only thing wrong or bad about mistaken </a:t>
+              <a:t>from our purposes in forming beliefs or in using beliefs as guides to action, there is nothing they should or shouldn’t be.  …  </a:t>
+            </a:r>
+            <a:r>
+              <a:rPr lang="en-US" i="0" dirty="0" smtClean="0">
+                <a:effectLst>
+                  <a:glow rad="101600">
+                    <a:srgbClr val="000000"/>
+                  </a:glow>
+                </a:effectLst>
+              </a:rPr>
+              <a:t>[T]he </a:t>
+            </a:r>
+            <a:r>
+              <a:rPr lang="en-US" i="0" dirty="0">
+                <a:effectLst>
+                  <a:glow rad="101600">
+                    <a:srgbClr val="000000"/>
+                  </a:glow>
+                </a:effectLst>
+              </a:rPr>
+              <a:t>only thing wrong or bad about mistaken </a:t>
             </a:r>
             <a:r>
               <a:rPr lang="en-US" i="0" dirty="0" err="1">
@@ -45991,7 +45712,7 @@
                 <a14:imgProps xmlns:a14="http://schemas.microsoft.com/office/drawing/2010/main">
                   <a14:imgLayer r:embed="rId4">
                     <a14:imgEffect>
-                      <a14:brightnessContrast bright="20000" contrast="35000"/>
+                      <a14:brightnessContrast bright="20000" contrast="50000"/>
                     </a14:imgEffect>
                   </a14:imgLayer>
                 </a14:imgProps>
@@ -46007,7 +45728,7 @@
         </p:blipFill>
         <p:spPr>
           <a:xfrm>
-            <a:off x="6084168" y="211406"/>
+            <a:off x="6084168" y="297709"/>
             <a:ext cx="2281490" cy="2281490"/>
           </a:xfrm>
           <a:prstGeom prst="rect">
